--- a/Présentation.pptx
+++ b/Présentation.pptx
@@ -1,46 +1,45 @@
 
 <file path=ppt/presentation.xml><?xml version="1.0" encoding="utf-8"?>
-<p:presentation xmlns:a="http://schemas.openxmlformats.org/drawingml/2006/main" xmlns:r="http://schemas.openxmlformats.org/officeDocument/2006/relationships" xmlns:mc="http://schemas.openxmlformats.org/markup-compatibility/2006" xmlns:mv="urn:schemas-microsoft-com:mac:vml" xmlns:p="http://schemas.openxmlformats.org/presentationml/2006/main" xmlns:c="http://schemas.openxmlformats.org/drawingml/2006/chart" xmlns:dgm="http://schemas.openxmlformats.org/drawingml/2006/diagram" xmlns:o="urn:schemas-microsoft-com:office:office" xmlns:v="urn:schemas-microsoft-com:vml" xmlns:pvml="urn:schemas-microsoft-com:office:powerpoint" xmlns:com="http://schemas.openxmlformats.org/drawingml/2006/compatibility" xmlns:p14="http://schemas.microsoft.com/office/powerpoint/2010/main" xmlns:p15="http://schemas.microsoft.com/office/powerpoint/2012/main" xmlns:ahyp="http://schemas.microsoft.com/office/drawing/2018/hyperlinkcolor" autoCompressPictures="0" embedTrueTypeFonts="1" strictFirstAndLastChars="0" saveSubsetFonts="1">
+<p:presentation xmlns:a="http://schemas.openxmlformats.org/drawingml/2006/main" xmlns:r="http://schemas.openxmlformats.org/officeDocument/2006/relationships" xmlns:p="http://schemas.openxmlformats.org/presentationml/2006/main" strictFirstAndLastChars="0" embedTrueTypeFonts="1" saveSubsetFonts="1" autoCompressPictures="0">
   <p:sldMasterIdLst>
-    <p:sldMasterId id="2147483648" r:id="rId4"/>
+    <p:sldMasterId id="2147483648" r:id="rId1"/>
   </p:sldMasterIdLst>
   <p:notesMasterIdLst>
-    <p:notesMasterId r:id="rId5"/>
+    <p:notesMasterId r:id="rId13"/>
   </p:notesMasterIdLst>
   <p:sldIdLst>
-    <p:sldId id="256" r:id="rId6"/>
-    <p:sldId id="257" r:id="rId7"/>
-    <p:sldId id="258" r:id="rId8"/>
-    <p:sldId id="259" r:id="rId9"/>
-    <p:sldId id="260" r:id="rId10"/>
-    <p:sldId id="261" r:id="rId11"/>
-    <p:sldId id="262" r:id="rId12"/>
-    <p:sldId id="263" r:id="rId13"/>
-    <p:sldId id="264" r:id="rId14"/>
-    <p:sldId id="265" r:id="rId15"/>
-    <p:sldId id="266" r:id="rId16"/>
-    <p:sldId id="267" r:id="rId17"/>
+    <p:sldId id="256" r:id="rId2"/>
+    <p:sldId id="258" r:id="rId3"/>
+    <p:sldId id="259" r:id="rId4"/>
+    <p:sldId id="260" r:id="rId5"/>
+    <p:sldId id="261" r:id="rId6"/>
+    <p:sldId id="262" r:id="rId7"/>
+    <p:sldId id="263" r:id="rId8"/>
+    <p:sldId id="264" r:id="rId9"/>
+    <p:sldId id="265" r:id="rId10"/>
+    <p:sldId id="266" r:id="rId11"/>
+    <p:sldId id="267" r:id="rId12"/>
   </p:sldIdLst>
-  <p:sldSz cy="5143500" cx="9144000"/>
+  <p:sldSz cx="9144000" cy="5143500" type="screen16x9"/>
   <p:notesSz cx="6858000" cy="9144000"/>
   <p:embeddedFontLst>
     <p:embeddedFont>
-      <p:font typeface="Inter"/>
-      <p:regular r:id="rId18"/>
-      <p:bold r:id="rId19"/>
+      <p:font typeface="Bebas Neue" panose="020B0606020202050201" pitchFamily="34" charset="0"/>
+      <p:regular r:id="rId14"/>
     </p:embeddedFont>
     <p:embeddedFont>
-      <p:font typeface="Bebas Neue"/>
-      <p:regular r:id="rId20"/>
+      <p:font typeface="Inter" panose="020B0604020202020204" charset="0"/>
+      <p:regular r:id="rId15"/>
+      <p:bold r:id="rId16"/>
     </p:embeddedFont>
     <p:embeddedFont>
-      <p:font typeface="Lexend"/>
-      <p:regular r:id="rId21"/>
-      <p:bold r:id="rId22"/>
+      <p:font typeface="Lexend" panose="020B0604020202020204" charset="0"/>
+      <p:regular r:id="rId17"/>
+      <p:bold r:id="rId18"/>
     </p:embeddedFont>
   </p:embeddedFontLst>
   <p:defaultTextStyle>
-    <a:defPPr lvl="0" marR="0" rtl="0" algn="l">
+    <a:defPPr marR="0" lvl="0" algn="l" rtl="0">
       <a:lnSpc>
         <a:spcPct val="100000"/>
       </a:lnSpc>
@@ -51,7 +50,7 @@
         <a:spcPts val="0"/>
       </a:spcAft>
     </a:defPPr>
-    <a:lvl1pPr lvl="0" marR="0" rtl="0" algn="l">
+    <a:lvl1pPr marR="0" lvl="0" algn="l" rtl="0">
       <a:lnSpc>
         <a:spcPct val="100000"/>
       </a:lnSpc>
@@ -65,7 +64,7 @@
         <a:srgbClr val="000000"/>
       </a:buClr>
       <a:buFont typeface="Arial"/>
-      <a:defRPr b="0" i="0" sz="1400" u="none" cap="none" strike="noStrike">
+      <a:defRPr sz="1400" b="0" i="0" u="none" strike="noStrike" cap="none">
         <a:solidFill>
           <a:srgbClr val="000000"/>
         </a:solidFill>
@@ -75,7 +74,7 @@
         <a:sym typeface="Arial"/>
       </a:defRPr>
     </a:lvl1pPr>
-    <a:lvl2pPr lvl="1" marR="0" rtl="0" algn="l">
+    <a:lvl2pPr marR="0" lvl="1" algn="l" rtl="0">
       <a:lnSpc>
         <a:spcPct val="100000"/>
       </a:lnSpc>
@@ -89,7 +88,7 @@
         <a:srgbClr val="000000"/>
       </a:buClr>
       <a:buFont typeface="Arial"/>
-      <a:defRPr b="0" i="0" sz="1400" u="none" cap="none" strike="noStrike">
+      <a:defRPr sz="1400" b="0" i="0" u="none" strike="noStrike" cap="none">
         <a:solidFill>
           <a:srgbClr val="000000"/>
         </a:solidFill>
@@ -99,7 +98,7 @@
         <a:sym typeface="Arial"/>
       </a:defRPr>
     </a:lvl2pPr>
-    <a:lvl3pPr lvl="2" marR="0" rtl="0" algn="l">
+    <a:lvl3pPr marR="0" lvl="2" algn="l" rtl="0">
       <a:lnSpc>
         <a:spcPct val="100000"/>
       </a:lnSpc>
@@ -113,7 +112,7 @@
         <a:srgbClr val="000000"/>
       </a:buClr>
       <a:buFont typeface="Arial"/>
-      <a:defRPr b="0" i="0" sz="1400" u="none" cap="none" strike="noStrike">
+      <a:defRPr sz="1400" b="0" i="0" u="none" strike="noStrike" cap="none">
         <a:solidFill>
           <a:srgbClr val="000000"/>
         </a:solidFill>
@@ -123,7 +122,7 @@
         <a:sym typeface="Arial"/>
       </a:defRPr>
     </a:lvl3pPr>
-    <a:lvl4pPr lvl="3" marR="0" rtl="0" algn="l">
+    <a:lvl4pPr marR="0" lvl="3" algn="l" rtl="0">
       <a:lnSpc>
         <a:spcPct val="100000"/>
       </a:lnSpc>
@@ -137,7 +136,7 @@
         <a:srgbClr val="000000"/>
       </a:buClr>
       <a:buFont typeface="Arial"/>
-      <a:defRPr b="0" i="0" sz="1400" u="none" cap="none" strike="noStrike">
+      <a:defRPr sz="1400" b="0" i="0" u="none" strike="noStrike" cap="none">
         <a:solidFill>
           <a:srgbClr val="000000"/>
         </a:solidFill>
@@ -147,7 +146,7 @@
         <a:sym typeface="Arial"/>
       </a:defRPr>
     </a:lvl4pPr>
-    <a:lvl5pPr lvl="4" marR="0" rtl="0" algn="l">
+    <a:lvl5pPr marR="0" lvl="4" algn="l" rtl="0">
       <a:lnSpc>
         <a:spcPct val="100000"/>
       </a:lnSpc>
@@ -161,7 +160,7 @@
         <a:srgbClr val="000000"/>
       </a:buClr>
       <a:buFont typeface="Arial"/>
-      <a:defRPr b="0" i="0" sz="1400" u="none" cap="none" strike="noStrike">
+      <a:defRPr sz="1400" b="0" i="0" u="none" strike="noStrike" cap="none">
         <a:solidFill>
           <a:srgbClr val="000000"/>
         </a:solidFill>
@@ -171,7 +170,7 @@
         <a:sym typeface="Arial"/>
       </a:defRPr>
     </a:lvl5pPr>
-    <a:lvl6pPr lvl="5" marR="0" rtl="0" algn="l">
+    <a:lvl6pPr marR="0" lvl="5" algn="l" rtl="0">
       <a:lnSpc>
         <a:spcPct val="100000"/>
       </a:lnSpc>
@@ -185,7 +184,7 @@
         <a:srgbClr val="000000"/>
       </a:buClr>
       <a:buFont typeface="Arial"/>
-      <a:defRPr b="0" i="0" sz="1400" u="none" cap="none" strike="noStrike">
+      <a:defRPr sz="1400" b="0" i="0" u="none" strike="noStrike" cap="none">
         <a:solidFill>
           <a:srgbClr val="000000"/>
         </a:solidFill>
@@ -195,7 +194,7 @@
         <a:sym typeface="Arial"/>
       </a:defRPr>
     </a:lvl6pPr>
-    <a:lvl7pPr lvl="6" marR="0" rtl="0" algn="l">
+    <a:lvl7pPr marR="0" lvl="6" algn="l" rtl="0">
       <a:lnSpc>
         <a:spcPct val="100000"/>
       </a:lnSpc>
@@ -209,7 +208,7 @@
         <a:srgbClr val="000000"/>
       </a:buClr>
       <a:buFont typeface="Arial"/>
-      <a:defRPr b="0" i="0" sz="1400" u="none" cap="none" strike="noStrike">
+      <a:defRPr sz="1400" b="0" i="0" u="none" strike="noStrike" cap="none">
         <a:solidFill>
           <a:srgbClr val="000000"/>
         </a:solidFill>
@@ -219,7 +218,7 @@
         <a:sym typeface="Arial"/>
       </a:defRPr>
     </a:lvl7pPr>
-    <a:lvl8pPr lvl="7" marR="0" rtl="0" algn="l">
+    <a:lvl8pPr marR="0" lvl="7" algn="l" rtl="0">
       <a:lnSpc>
         <a:spcPct val="100000"/>
       </a:lnSpc>
@@ -233,7 +232,7 @@
         <a:srgbClr val="000000"/>
       </a:buClr>
       <a:buFont typeface="Arial"/>
-      <a:defRPr b="0" i="0" sz="1400" u="none" cap="none" strike="noStrike">
+      <a:defRPr sz="1400" b="0" i="0" u="none" strike="noStrike" cap="none">
         <a:solidFill>
           <a:srgbClr val="000000"/>
         </a:solidFill>
@@ -243,7 +242,7 @@
         <a:sym typeface="Arial"/>
       </a:defRPr>
     </a:lvl8pPr>
-    <a:lvl9pPr lvl="8" marR="0" rtl="0" algn="l">
+    <a:lvl9pPr marR="0" lvl="8" algn="l" rtl="0">
       <a:lnSpc>
         <a:spcPct val="100000"/>
       </a:lnSpc>
@@ -257,7 +256,7 @@
         <a:srgbClr val="000000"/>
       </a:buClr>
       <a:buFont typeface="Arial"/>
-      <a:defRPr b="0" i="0" sz="1400" u="none" cap="none" strike="noStrike">
+      <a:defRPr sz="1400" b="0" i="0" u="none" strike="noStrike" cap="none">
         <a:solidFill>
           <a:srgbClr val="000000"/>
         </a:solidFill>
@@ -270,7 +269,7 @@
   </p:defaultTextStyle>
   <p:extLst>
     <p:ext uri="{EFAFB233-063F-42B5-8137-9DF3F51BA10A}">
-      <p15:sldGuideLst>
+      <p15:sldGuideLst xmlns:p15="http://schemas.microsoft.com/office/powerpoint/2012/main">
         <p15:guide id="1" orient="horz" pos="1620">
           <p15:clr>
             <a:srgbClr val="747775"/>
@@ -284,25 +283,26 @@
       </p15:sldGuideLst>
     </p:ext>
     <p:ext uri="GoogleSlidesCustomDataVersion2">
-      <go:slidesCustomData xmlns:go="http://customooxmlschemas.google.com/" r:id="rId23" roundtripDataSignature="AMtx7miY7VPGesGTHjmISs8P7GV5oRDTRA=="/>
+      <go:slidesCustomData xmlns:go="http://customooxmlschemas.google.com/" xmlns:ahyp="http://schemas.microsoft.com/office/drawing/2018/hyperlinkcolor" xmlns:p15="http://schemas.microsoft.com/office/powerpoint/2012/main" xmlns:p14="http://schemas.microsoft.com/office/powerpoint/2010/main" xmlns:com="http://schemas.openxmlformats.org/drawingml/2006/compatibility" xmlns:pvml="urn:schemas-microsoft-com:office:powerpoint" xmlns:v="urn:schemas-microsoft-com:vml" xmlns:o="urn:schemas-microsoft-com:office:office" xmlns:dgm="http://schemas.openxmlformats.org/drawingml/2006/diagram" xmlns:c="http://schemas.openxmlformats.org/drawingml/2006/chart" xmlns:mv="urn:schemas-microsoft-com:mac:vml" xmlns:mc="http://schemas.openxmlformats.org/markup-compatibility/2006" xmlns="" r:id="rId23" roundtripDataSignature="AMtx7miY7VPGesGTHjmISs8P7GV5oRDTRA=="/>
     </p:ext>
   </p:extLst>
 </p:presentation>
 </file>
 
 <file path=ppt/notesMasters/notesMaster1.xml><?xml version="1.0" encoding="utf-8"?>
-<p:notesMaster xmlns:a="http://schemas.openxmlformats.org/drawingml/2006/main" xmlns:r="http://schemas.openxmlformats.org/officeDocument/2006/relationships" xmlns:mc="http://schemas.openxmlformats.org/markup-compatibility/2006" xmlns:mv="urn:schemas-microsoft-com:mac:vml" xmlns:p="http://schemas.openxmlformats.org/presentationml/2006/main" xmlns:c="http://schemas.openxmlformats.org/drawingml/2006/chart" xmlns:dgm="http://schemas.openxmlformats.org/drawingml/2006/diagram" xmlns:o="urn:schemas-microsoft-com:office:office" xmlns:v="urn:schemas-microsoft-com:vml" xmlns:pvml="urn:schemas-microsoft-com:office:powerpoint" xmlns:com="http://schemas.openxmlformats.org/drawingml/2006/compatibility" xmlns:p14="http://schemas.microsoft.com/office/powerpoint/2010/main" xmlns:p15="http://schemas.microsoft.com/office/powerpoint/2012/main" xmlns:ahyp="http://schemas.microsoft.com/office/drawing/2018/hyperlinkcolor">
+<p:notesMaster xmlns:a="http://schemas.openxmlformats.org/drawingml/2006/main" xmlns:r="http://schemas.openxmlformats.org/officeDocument/2006/relationships" xmlns:p="http://schemas.openxmlformats.org/presentationml/2006/main">
   <p:cSld>
     <p:bg>
       <p:bgPr>
         <a:solidFill>
           <a:schemeClr val="lt1"/>
         </a:solidFill>
+        <a:effectLst/>
       </p:bgPr>
     </p:bg>
     <p:spTree>
       <p:nvGrpSpPr>
-        <p:cNvPr id="2" name="Shape 2"/>
+        <p:cNvPr id="1" name="Shape 2"/>
         <p:cNvGrpSpPr/>
         <p:nvPr/>
       </p:nvGrpSpPr>
@@ -317,9 +317,11 @@
       <p:sp>
         <p:nvSpPr>
           <p:cNvPr id="3" name="Google Shape;3;n"/>
-          <p:cNvSpPr/>
+          <p:cNvSpPr>
+            <a:spLocks noGrp="1" noRot="1" noChangeAspect="1"/>
+          </p:cNvSpPr>
           <p:nvPr>
-            <p:ph idx="2" type="sldImg"/>
+            <p:ph type="sldImg" idx="2"/>
           </p:nvPr>
         </p:nvSpPr>
         <p:spPr>
@@ -328,9 +330,13 @@
             <a:ext cx="6096075" cy="3429000"/>
           </a:xfrm>
           <a:custGeom>
-            <a:rect b="b" l="l" r="r" t="t"/>
+            <a:avLst/>
+            <a:gdLst/>
+            <a:ahLst/>
+            <a:cxnLst/>
+            <a:rect l="l" t="t" r="r" b="b"/>
             <a:pathLst>
-              <a:path extrusionOk="0" h="120000" w="120000">
+              <a:path w="120000" h="120000" extrusionOk="0">
                 <a:moveTo>
                   <a:pt x="0" y="0"/>
                 </a:moveTo>
@@ -348,23 +354,25 @@
             </a:pathLst>
           </a:custGeom>
           <a:noFill/>
-          <a:ln cap="flat" cmpd="sng" w="9525">
+          <a:ln w="9525" cap="flat" cmpd="sng">
             <a:solidFill>
               <a:srgbClr val="000000"/>
             </a:solidFill>
             <a:prstDash val="solid"/>
             <a:round/>
-            <a:headEnd len="sm" w="sm" type="none"/>
-            <a:tailEnd len="sm" w="sm" type="none"/>
+            <a:headEnd type="none" w="sm" len="sm"/>
+            <a:tailEnd type="none" w="sm" len="sm"/>
           </a:ln>
         </p:spPr>
       </p:sp>
       <p:sp>
         <p:nvSpPr>
           <p:cNvPr id="4" name="Google Shape;4;n"/>
-          <p:cNvSpPr txBox="1"/>
+          <p:cNvSpPr txBox="1">
+            <a:spLocks noGrp="1"/>
+          </p:cNvSpPr>
           <p:nvPr>
-            <p:ph idx="1" type="body"/>
+            <p:ph type="body" idx="1"/>
           </p:nvPr>
         </p:nvSpPr>
         <p:spPr>
@@ -381,11 +389,11 @@
           </a:ln>
         </p:spPr>
         <p:txBody>
-          <a:bodyPr anchorCtr="0" anchor="t" bIns="91425" lIns="91425" spcFirstLastPara="1" rIns="91425" wrap="square" tIns="91425">
+          <a:bodyPr spcFirstLastPara="1" wrap="square" lIns="91425" tIns="91425" rIns="91425" bIns="91425" anchor="t" anchorCtr="0">
             <a:noAutofit/>
           </a:bodyPr>
           <a:lstStyle>
-            <a:lvl1pPr indent="-298450" lvl="0" marL="457200" marR="0" rtl="0" algn="l">
+            <a:lvl1pPr marL="457200" marR="0" lvl="0" indent="-298450" algn="l" rtl="0">
               <a:lnSpc>
                 <a:spcPct val="100000"/>
               </a:lnSpc>
@@ -401,7 +409,7 @@
               <a:buSzPts val="1100"/>
               <a:buFont typeface="Arial"/>
               <a:buChar char="●"/>
-              <a:defRPr b="0" i="0" sz="1100" u="none" cap="none" strike="noStrike">
+              <a:defRPr sz="1100" b="0" i="0" u="none" strike="noStrike" cap="none">
                 <a:solidFill>
                   <a:srgbClr val="000000"/>
                 </a:solidFill>
@@ -411,7 +419,7 @@
                 <a:sym typeface="Arial"/>
               </a:defRPr>
             </a:lvl1pPr>
-            <a:lvl2pPr indent="-298450" lvl="1" marL="914400" marR="0" rtl="0" algn="l">
+            <a:lvl2pPr marL="914400" marR="0" lvl="1" indent="-298450" algn="l" rtl="0">
               <a:lnSpc>
                 <a:spcPct val="100000"/>
               </a:lnSpc>
@@ -427,7 +435,7 @@
               <a:buSzPts val="1100"/>
               <a:buFont typeface="Arial"/>
               <a:buChar char="○"/>
-              <a:defRPr b="0" i="0" sz="1100" u="none" cap="none" strike="noStrike">
+              <a:defRPr sz="1100" b="0" i="0" u="none" strike="noStrike" cap="none">
                 <a:solidFill>
                   <a:srgbClr val="000000"/>
                 </a:solidFill>
@@ -437,7 +445,7 @@
                 <a:sym typeface="Arial"/>
               </a:defRPr>
             </a:lvl2pPr>
-            <a:lvl3pPr indent="-298450" lvl="2" marL="1371600" marR="0" rtl="0" algn="l">
+            <a:lvl3pPr marL="1371600" marR="0" lvl="2" indent="-298450" algn="l" rtl="0">
               <a:lnSpc>
                 <a:spcPct val="100000"/>
               </a:lnSpc>
@@ -453,7 +461,7 @@
               <a:buSzPts val="1100"/>
               <a:buFont typeface="Arial"/>
               <a:buChar char="■"/>
-              <a:defRPr b="0" i="0" sz="1100" u="none" cap="none" strike="noStrike">
+              <a:defRPr sz="1100" b="0" i="0" u="none" strike="noStrike" cap="none">
                 <a:solidFill>
                   <a:srgbClr val="000000"/>
                 </a:solidFill>
@@ -463,7 +471,7 @@
                 <a:sym typeface="Arial"/>
               </a:defRPr>
             </a:lvl3pPr>
-            <a:lvl4pPr indent="-298450" lvl="3" marL="1828800" marR="0" rtl="0" algn="l">
+            <a:lvl4pPr marL="1828800" marR="0" lvl="3" indent="-298450" algn="l" rtl="0">
               <a:lnSpc>
                 <a:spcPct val="100000"/>
               </a:lnSpc>
@@ -479,7 +487,7 @@
               <a:buSzPts val="1100"/>
               <a:buFont typeface="Arial"/>
               <a:buChar char="●"/>
-              <a:defRPr b="0" i="0" sz="1100" u="none" cap="none" strike="noStrike">
+              <a:defRPr sz="1100" b="0" i="0" u="none" strike="noStrike" cap="none">
                 <a:solidFill>
                   <a:srgbClr val="000000"/>
                 </a:solidFill>
@@ -489,7 +497,7 @@
                 <a:sym typeface="Arial"/>
               </a:defRPr>
             </a:lvl4pPr>
-            <a:lvl5pPr indent="-298450" lvl="4" marL="2286000" marR="0" rtl="0" algn="l">
+            <a:lvl5pPr marL="2286000" marR="0" lvl="4" indent="-298450" algn="l" rtl="0">
               <a:lnSpc>
                 <a:spcPct val="100000"/>
               </a:lnSpc>
@@ -505,7 +513,7 @@
               <a:buSzPts val="1100"/>
               <a:buFont typeface="Arial"/>
               <a:buChar char="○"/>
-              <a:defRPr b="0" i="0" sz="1100" u="none" cap="none" strike="noStrike">
+              <a:defRPr sz="1100" b="0" i="0" u="none" strike="noStrike" cap="none">
                 <a:solidFill>
                   <a:srgbClr val="000000"/>
                 </a:solidFill>
@@ -515,7 +523,7 @@
                 <a:sym typeface="Arial"/>
               </a:defRPr>
             </a:lvl5pPr>
-            <a:lvl6pPr indent="-298450" lvl="5" marL="2743200" marR="0" rtl="0" algn="l">
+            <a:lvl6pPr marL="2743200" marR="0" lvl="5" indent="-298450" algn="l" rtl="0">
               <a:lnSpc>
                 <a:spcPct val="100000"/>
               </a:lnSpc>
@@ -531,7 +539,7 @@
               <a:buSzPts val="1100"/>
               <a:buFont typeface="Arial"/>
               <a:buChar char="■"/>
-              <a:defRPr b="0" i="0" sz="1100" u="none" cap="none" strike="noStrike">
+              <a:defRPr sz="1100" b="0" i="0" u="none" strike="noStrike" cap="none">
                 <a:solidFill>
                   <a:srgbClr val="000000"/>
                 </a:solidFill>
@@ -541,7 +549,7 @@
                 <a:sym typeface="Arial"/>
               </a:defRPr>
             </a:lvl6pPr>
-            <a:lvl7pPr indent="-298450" lvl="6" marL="3200400" marR="0" rtl="0" algn="l">
+            <a:lvl7pPr marL="3200400" marR="0" lvl="6" indent="-298450" algn="l" rtl="0">
               <a:lnSpc>
                 <a:spcPct val="100000"/>
               </a:lnSpc>
@@ -557,7 +565,7 @@
               <a:buSzPts val="1100"/>
               <a:buFont typeface="Arial"/>
               <a:buChar char="●"/>
-              <a:defRPr b="0" i="0" sz="1100" u="none" cap="none" strike="noStrike">
+              <a:defRPr sz="1100" b="0" i="0" u="none" strike="noStrike" cap="none">
                 <a:solidFill>
                   <a:srgbClr val="000000"/>
                 </a:solidFill>
@@ -567,7 +575,7 @@
                 <a:sym typeface="Arial"/>
               </a:defRPr>
             </a:lvl7pPr>
-            <a:lvl8pPr indent="-298450" lvl="7" marL="3657600" marR="0" rtl="0" algn="l">
+            <a:lvl8pPr marL="3657600" marR="0" lvl="7" indent="-298450" algn="l" rtl="0">
               <a:lnSpc>
                 <a:spcPct val="100000"/>
               </a:lnSpc>
@@ -583,7 +591,7 @@
               <a:buSzPts val="1100"/>
               <a:buFont typeface="Arial"/>
               <a:buChar char="○"/>
-              <a:defRPr b="0" i="0" sz="1100" u="none" cap="none" strike="noStrike">
+              <a:defRPr sz="1100" b="0" i="0" u="none" strike="noStrike" cap="none">
                 <a:solidFill>
                   <a:srgbClr val="000000"/>
                 </a:solidFill>
@@ -593,7 +601,7 @@
                 <a:sym typeface="Arial"/>
               </a:defRPr>
             </a:lvl8pPr>
-            <a:lvl9pPr indent="-298450" lvl="8" marL="4114800" marR="0" rtl="0" algn="l">
+            <a:lvl9pPr marL="4114800" marR="0" lvl="8" indent="-298450" algn="l" rtl="0">
               <a:lnSpc>
                 <a:spcPct val="100000"/>
               </a:lnSpc>
@@ -609,7 +617,7 @@
               <a:buSzPts val="1100"/>
               <a:buFont typeface="Arial"/>
               <a:buChar char="■"/>
-              <a:defRPr b="0" i="0" sz="1100" u="none" cap="none" strike="noStrike">
+              <a:defRPr sz="1100" b="0" i="0" u="none" strike="noStrike" cap="none">
                 <a:solidFill>
                   <a:srgbClr val="000000"/>
                 </a:solidFill>
@@ -620,14 +628,16 @@
               </a:defRPr>
             </a:lvl9pPr>
           </a:lstStyle>
-          <a:p/>
+          <a:p>
+            <a:endParaRPr/>
+          </a:p>
         </p:txBody>
       </p:sp>
     </p:spTree>
   </p:cSld>
-  <p:clrMap accent1="accent1" accent2="accent2" accent3="accent3" accent4="accent4" accent5="accent5" accent6="accent6" bg1="lt1" bg2="dk2" tx1="dk1" tx2="lt2" folHlink="folHlink" hlink="hlink"/>
+  <p:clrMap bg1="lt1" tx1="dk1" bg2="dk2" tx2="lt2" accent1="accent1" accent2="accent2" accent3="accent3" accent4="accent4" accent5="accent5" accent6="accent6" hlink="hlink" folHlink="folHlink"/>
   <p:notesStyle>
-    <a:defPPr lvl="0" marR="0" rtl="0" algn="l">
+    <a:defPPr marR="0" lvl="0" algn="l" rtl="0">
       <a:lnSpc>
         <a:spcPct val="100000"/>
       </a:lnSpc>
@@ -638,7 +648,7 @@
         <a:spcPts val="0"/>
       </a:spcAft>
     </a:defPPr>
-    <a:lvl1pPr lvl="0" marR="0" rtl="0" algn="l">
+    <a:lvl1pPr marR="0" lvl="0" algn="l" rtl="0">
       <a:lnSpc>
         <a:spcPct val="100000"/>
       </a:lnSpc>
@@ -652,7 +662,7 @@
         <a:srgbClr val="000000"/>
       </a:buClr>
       <a:buFont typeface="Arial"/>
-      <a:defRPr b="0" i="0" sz="1400" u="none" cap="none" strike="noStrike">
+      <a:defRPr sz="1400" b="0" i="0" u="none" strike="noStrike" cap="none">
         <a:solidFill>
           <a:srgbClr val="000000"/>
         </a:solidFill>
@@ -662,7 +672,7 @@
         <a:sym typeface="Arial"/>
       </a:defRPr>
     </a:lvl1pPr>
-    <a:lvl2pPr lvl="1" marR="0" rtl="0" algn="l">
+    <a:lvl2pPr marR="0" lvl="1" algn="l" rtl="0">
       <a:lnSpc>
         <a:spcPct val="100000"/>
       </a:lnSpc>
@@ -676,7 +686,7 @@
         <a:srgbClr val="000000"/>
       </a:buClr>
       <a:buFont typeface="Arial"/>
-      <a:defRPr b="0" i="0" sz="1400" u="none" cap="none" strike="noStrike">
+      <a:defRPr sz="1400" b="0" i="0" u="none" strike="noStrike" cap="none">
         <a:solidFill>
           <a:srgbClr val="000000"/>
         </a:solidFill>
@@ -686,7 +696,7 @@
         <a:sym typeface="Arial"/>
       </a:defRPr>
     </a:lvl2pPr>
-    <a:lvl3pPr lvl="2" marR="0" rtl="0" algn="l">
+    <a:lvl3pPr marR="0" lvl="2" algn="l" rtl="0">
       <a:lnSpc>
         <a:spcPct val="100000"/>
       </a:lnSpc>
@@ -700,7 +710,7 @@
         <a:srgbClr val="000000"/>
       </a:buClr>
       <a:buFont typeface="Arial"/>
-      <a:defRPr b="0" i="0" sz="1400" u="none" cap="none" strike="noStrike">
+      <a:defRPr sz="1400" b="0" i="0" u="none" strike="noStrike" cap="none">
         <a:solidFill>
           <a:srgbClr val="000000"/>
         </a:solidFill>
@@ -710,7 +720,7 @@
         <a:sym typeface="Arial"/>
       </a:defRPr>
     </a:lvl3pPr>
-    <a:lvl4pPr lvl="3" marR="0" rtl="0" algn="l">
+    <a:lvl4pPr marR="0" lvl="3" algn="l" rtl="0">
       <a:lnSpc>
         <a:spcPct val="100000"/>
       </a:lnSpc>
@@ -724,7 +734,7 @@
         <a:srgbClr val="000000"/>
       </a:buClr>
       <a:buFont typeface="Arial"/>
-      <a:defRPr b="0" i="0" sz="1400" u="none" cap="none" strike="noStrike">
+      <a:defRPr sz="1400" b="0" i="0" u="none" strike="noStrike" cap="none">
         <a:solidFill>
           <a:srgbClr val="000000"/>
         </a:solidFill>
@@ -734,7 +744,7 @@
         <a:sym typeface="Arial"/>
       </a:defRPr>
     </a:lvl4pPr>
-    <a:lvl5pPr lvl="4" marR="0" rtl="0" algn="l">
+    <a:lvl5pPr marR="0" lvl="4" algn="l" rtl="0">
       <a:lnSpc>
         <a:spcPct val="100000"/>
       </a:lnSpc>
@@ -748,7 +758,7 @@
         <a:srgbClr val="000000"/>
       </a:buClr>
       <a:buFont typeface="Arial"/>
-      <a:defRPr b="0" i="0" sz="1400" u="none" cap="none" strike="noStrike">
+      <a:defRPr sz="1400" b="0" i="0" u="none" strike="noStrike" cap="none">
         <a:solidFill>
           <a:srgbClr val="000000"/>
         </a:solidFill>
@@ -758,7 +768,7 @@
         <a:sym typeface="Arial"/>
       </a:defRPr>
     </a:lvl5pPr>
-    <a:lvl6pPr lvl="5" marR="0" rtl="0" algn="l">
+    <a:lvl6pPr marR="0" lvl="5" algn="l" rtl="0">
       <a:lnSpc>
         <a:spcPct val="100000"/>
       </a:lnSpc>
@@ -772,7 +782,7 @@
         <a:srgbClr val="000000"/>
       </a:buClr>
       <a:buFont typeface="Arial"/>
-      <a:defRPr b="0" i="0" sz="1400" u="none" cap="none" strike="noStrike">
+      <a:defRPr sz="1400" b="0" i="0" u="none" strike="noStrike" cap="none">
         <a:solidFill>
           <a:srgbClr val="000000"/>
         </a:solidFill>
@@ -782,7 +792,7 @@
         <a:sym typeface="Arial"/>
       </a:defRPr>
     </a:lvl6pPr>
-    <a:lvl7pPr lvl="6" marR="0" rtl="0" algn="l">
+    <a:lvl7pPr marR="0" lvl="6" algn="l" rtl="0">
       <a:lnSpc>
         <a:spcPct val="100000"/>
       </a:lnSpc>
@@ -796,7 +806,7 @@
         <a:srgbClr val="000000"/>
       </a:buClr>
       <a:buFont typeface="Arial"/>
-      <a:defRPr b="0" i="0" sz="1400" u="none" cap="none" strike="noStrike">
+      <a:defRPr sz="1400" b="0" i="0" u="none" strike="noStrike" cap="none">
         <a:solidFill>
           <a:srgbClr val="000000"/>
         </a:solidFill>
@@ -806,7 +816,7 @@
         <a:sym typeface="Arial"/>
       </a:defRPr>
     </a:lvl7pPr>
-    <a:lvl8pPr lvl="7" marR="0" rtl="0" algn="l">
+    <a:lvl8pPr marR="0" lvl="7" algn="l" rtl="0">
       <a:lnSpc>
         <a:spcPct val="100000"/>
       </a:lnSpc>
@@ -820,7 +830,7 @@
         <a:srgbClr val="000000"/>
       </a:buClr>
       <a:buFont typeface="Arial"/>
-      <a:defRPr b="0" i="0" sz="1400" u="none" cap="none" strike="noStrike">
+      <a:defRPr sz="1400" b="0" i="0" u="none" strike="noStrike" cap="none">
         <a:solidFill>
           <a:srgbClr val="000000"/>
         </a:solidFill>
@@ -830,7 +840,7 @@
         <a:sym typeface="Arial"/>
       </a:defRPr>
     </a:lvl8pPr>
-    <a:lvl9pPr lvl="8" marR="0" rtl="0" algn="l">
+    <a:lvl9pPr marR="0" lvl="8" algn="l" rtl="0">
       <a:lnSpc>
         <a:spcPct val="100000"/>
       </a:lnSpc>
@@ -844,7 +854,7 @@
         <a:srgbClr val="000000"/>
       </a:buClr>
       <a:buFont typeface="Arial"/>
-      <a:defRPr b="0" i="0" sz="1400" u="none" cap="none" strike="noStrike">
+      <a:defRPr sz="1400" b="0" i="0" u="none" strike="noStrike" cap="none">
         <a:solidFill>
           <a:srgbClr val="000000"/>
         </a:solidFill>
@@ -859,11 +869,11 @@
 </file>
 
 <file path=ppt/notesSlides/notesSlide1.xml><?xml version="1.0" encoding="utf-8"?>
-<p:notes xmlns:a="http://schemas.openxmlformats.org/drawingml/2006/main" xmlns:r="http://schemas.openxmlformats.org/officeDocument/2006/relationships" xmlns:mc="http://schemas.openxmlformats.org/markup-compatibility/2006" xmlns:mv="urn:schemas-microsoft-com:mac:vml" xmlns:p="http://schemas.openxmlformats.org/presentationml/2006/main" xmlns:c="http://schemas.openxmlformats.org/drawingml/2006/chart" xmlns:dgm="http://schemas.openxmlformats.org/drawingml/2006/diagram" xmlns:o="urn:schemas-microsoft-com:office:office" xmlns:v="urn:schemas-microsoft-com:vml" xmlns:pvml="urn:schemas-microsoft-com:office:powerpoint" xmlns:com="http://schemas.openxmlformats.org/drawingml/2006/compatibility" xmlns:p14="http://schemas.microsoft.com/office/powerpoint/2010/main" xmlns:p15="http://schemas.microsoft.com/office/powerpoint/2012/main" xmlns:ahyp="http://schemas.microsoft.com/office/drawing/2018/hyperlinkcolor" showMasterPhAnim="0" showMasterSp="0">
+<p:notes xmlns:a="http://schemas.openxmlformats.org/drawingml/2006/main" xmlns:r="http://schemas.openxmlformats.org/officeDocument/2006/relationships" xmlns:p="http://schemas.openxmlformats.org/presentationml/2006/main" showMasterSp="0" showMasterPhAnim="0">
   <p:cSld>
     <p:spTree>
       <p:nvGrpSpPr>
-        <p:cNvPr id="47" name="Shape 47"/>
+        <p:cNvPr id="1" name="Shape 47"/>
         <p:cNvGrpSpPr/>
         <p:nvPr/>
       </p:nvGrpSpPr>
@@ -878,9 +888,11 @@
       <p:sp>
         <p:nvSpPr>
           <p:cNvPr id="48" name="Google Shape;48;p2:notes"/>
-          <p:cNvSpPr/>
+          <p:cNvSpPr>
+            <a:spLocks noGrp="1" noRot="1" noChangeAspect="1"/>
+          </p:cNvSpPr>
           <p:nvPr>
-            <p:ph idx="2" type="sldImg"/>
+            <p:ph type="sldImg" idx="2"/>
           </p:nvPr>
         </p:nvSpPr>
         <p:spPr>
@@ -889,9 +901,13 @@
             <a:ext cx="6096000" cy="3429000"/>
           </a:xfrm>
           <a:custGeom>
-            <a:rect b="b" l="l" r="r" t="t"/>
+            <a:avLst/>
+            <a:gdLst/>
+            <a:ahLst/>
+            <a:cxnLst/>
+            <a:rect l="l" t="t" r="r" b="b"/>
             <a:pathLst>
-              <a:path extrusionOk="0" h="120000" w="120000">
+              <a:path w="120000" h="120000" extrusionOk="0">
                 <a:moveTo>
                   <a:pt x="0" y="0"/>
                 </a:moveTo>
@@ -909,23 +925,25 @@
             </a:pathLst>
           </a:custGeom>
           <a:noFill/>
-          <a:ln cap="flat" cmpd="sng" w="9525">
+          <a:ln w="9525" cap="flat" cmpd="sng">
             <a:solidFill>
               <a:srgbClr val="000000"/>
             </a:solidFill>
             <a:prstDash val="solid"/>
             <a:round/>
-            <a:headEnd len="sm" w="sm" type="none"/>
-            <a:tailEnd len="sm" w="sm" type="none"/>
+            <a:headEnd type="none" w="sm" len="sm"/>
+            <a:tailEnd type="none" w="sm" len="sm"/>
           </a:ln>
         </p:spPr>
       </p:sp>
       <p:sp>
         <p:nvSpPr>
           <p:cNvPr id="49" name="Google Shape;49;p2:notes"/>
-          <p:cNvSpPr txBox="1"/>
+          <p:cNvSpPr txBox="1">
+            <a:spLocks noGrp="1"/>
+          </p:cNvSpPr>
           <p:nvPr>
-            <p:ph idx="1" type="body"/>
+            <p:ph type="body" idx="1"/>
           </p:nvPr>
         </p:nvSpPr>
         <p:spPr>
@@ -942,12 +960,12 @@
           </a:ln>
         </p:spPr>
         <p:txBody>
-          <a:bodyPr anchorCtr="0" anchor="t" bIns="91425" lIns="91425" spcFirstLastPara="1" rIns="91425" wrap="square" tIns="91425">
+          <a:bodyPr spcFirstLastPara="1" wrap="square" lIns="91425" tIns="91425" rIns="91425" bIns="91425" anchor="t" anchorCtr="0">
             <a:noAutofit/>
           </a:bodyPr>
           <a:lstStyle/>
           <a:p>
-            <a:pPr indent="0" lvl="0" marL="0" rtl="0" algn="l">
+            <a:pPr marL="0" lvl="0" indent="0" algn="l" rtl="0">
               <a:lnSpc>
                 <a:spcPct val="100000"/>
               </a:lnSpc>
@@ -960,9 +978,6 @@
               <a:buSzPts val="1100"/>
               <a:buNone/>
             </a:pPr>
-            <a:r>
-              <a:t/>
-            </a:r>
             <a:endParaRPr/>
           </a:p>
         </p:txBody>
@@ -976,11 +991,11 @@
 </file>
 
 <file path=ppt/notesSlides/notesSlide10.xml><?xml version="1.0" encoding="utf-8"?>
-<p:notes xmlns:a="http://schemas.openxmlformats.org/drawingml/2006/main" xmlns:r="http://schemas.openxmlformats.org/officeDocument/2006/relationships" xmlns:mc="http://schemas.openxmlformats.org/markup-compatibility/2006" xmlns:mv="urn:schemas-microsoft-com:mac:vml" xmlns:p="http://schemas.openxmlformats.org/presentationml/2006/main" xmlns:c="http://schemas.openxmlformats.org/drawingml/2006/chart" xmlns:dgm="http://schemas.openxmlformats.org/drawingml/2006/diagram" xmlns:o="urn:schemas-microsoft-com:office:office" xmlns:v="urn:schemas-microsoft-com:vml" xmlns:pvml="urn:schemas-microsoft-com:office:powerpoint" xmlns:com="http://schemas.openxmlformats.org/drawingml/2006/compatibility" xmlns:p14="http://schemas.microsoft.com/office/powerpoint/2010/main" xmlns:p15="http://schemas.microsoft.com/office/powerpoint/2012/main" xmlns:ahyp="http://schemas.microsoft.com/office/drawing/2018/hyperlinkcolor" showMasterPhAnim="0" showMasterSp="0">
+<p:notes xmlns:a="http://schemas.openxmlformats.org/drawingml/2006/main" xmlns:r="http://schemas.openxmlformats.org/officeDocument/2006/relationships" xmlns:p="http://schemas.openxmlformats.org/presentationml/2006/main" showMasterSp="0" showMasterPhAnim="0">
   <p:cSld>
     <p:spTree>
       <p:nvGrpSpPr>
-        <p:cNvPr id="123" name="Shape 123"/>
+        <p:cNvPr id="1" name="Shape 128"/>
         <p:cNvGrpSpPr/>
         <p:nvPr/>
       </p:nvGrpSpPr>
@@ -994,10 +1009,378 @@
       </p:grpSpPr>
       <p:sp>
         <p:nvSpPr>
-          <p:cNvPr id="124" name="Google Shape;124;p11:notes"/>
-          <p:cNvSpPr txBox="1"/>
+          <p:cNvPr id="129" name="Google Shape;129;p12:notes"/>
+          <p:cNvSpPr>
+            <a:spLocks noGrp="1" noRot="1" noChangeAspect="1"/>
+          </p:cNvSpPr>
           <p:nvPr>
-            <p:ph idx="1" type="body"/>
+            <p:ph type="sldImg" idx="2"/>
+          </p:nvPr>
+        </p:nvSpPr>
+        <p:spPr>
+          <a:xfrm>
+            <a:off x="381000" y="685800"/>
+            <a:ext cx="6096000" cy="3429000"/>
+          </a:xfrm>
+          <a:custGeom>
+            <a:avLst/>
+            <a:gdLst/>
+            <a:ahLst/>
+            <a:cxnLst/>
+            <a:rect l="l" t="t" r="r" b="b"/>
+            <a:pathLst>
+              <a:path w="120000" h="120000" extrusionOk="0">
+                <a:moveTo>
+                  <a:pt x="0" y="0"/>
+                </a:moveTo>
+                <a:lnTo>
+                  <a:pt x="120000" y="0"/>
+                </a:lnTo>
+                <a:lnTo>
+                  <a:pt x="120000" y="120000"/>
+                </a:lnTo>
+                <a:lnTo>
+                  <a:pt x="0" y="120000"/>
+                </a:lnTo>
+                <a:close/>
+              </a:path>
+            </a:pathLst>
+          </a:custGeom>
+          <a:noFill/>
+          <a:ln w="9525" cap="flat" cmpd="sng">
+            <a:solidFill>
+              <a:srgbClr val="000000"/>
+            </a:solidFill>
+            <a:prstDash val="solid"/>
+            <a:round/>
+            <a:headEnd type="none" w="sm" len="sm"/>
+            <a:tailEnd type="none" w="sm" len="sm"/>
+          </a:ln>
+        </p:spPr>
+      </p:sp>
+      <p:sp>
+        <p:nvSpPr>
+          <p:cNvPr id="130" name="Google Shape;130;p12:notes"/>
+          <p:cNvSpPr txBox="1">
+            <a:spLocks noGrp="1"/>
+          </p:cNvSpPr>
+          <p:nvPr>
+            <p:ph type="body" idx="1"/>
+          </p:nvPr>
+        </p:nvSpPr>
+        <p:spPr>
+          <a:xfrm>
+            <a:off x="685800" y="4343400"/>
+            <a:ext cx="5486400" cy="4114800"/>
+          </a:xfrm>
+          <a:prstGeom prst="rect">
+            <a:avLst/>
+          </a:prstGeom>
+          <a:noFill/>
+          <a:ln>
+            <a:noFill/>
+          </a:ln>
+        </p:spPr>
+        <p:txBody>
+          <a:bodyPr spcFirstLastPara="1" wrap="square" lIns="91425" tIns="91425" rIns="91425" bIns="91425" anchor="t" anchorCtr="0">
+            <a:noAutofit/>
+          </a:bodyPr>
+          <a:lstStyle/>
+          <a:p>
+            <a:pPr marL="0" lvl="0" indent="0" algn="l" rtl="0">
+              <a:lnSpc>
+                <a:spcPct val="100000"/>
+              </a:lnSpc>
+              <a:spcBef>
+                <a:spcPts val="0"/>
+              </a:spcBef>
+              <a:spcAft>
+                <a:spcPts val="0"/>
+              </a:spcAft>
+              <a:buSzPts val="1100"/>
+              <a:buNone/>
+            </a:pPr>
+            <a:endParaRPr/>
+          </a:p>
+        </p:txBody>
+      </p:sp>
+    </p:spTree>
+  </p:cSld>
+  <p:clrMapOvr>
+    <a:masterClrMapping/>
+  </p:clrMapOvr>
+</p:notes>
+</file>
+
+<file path=ppt/notesSlides/notesSlide11.xml><?xml version="1.0" encoding="utf-8"?>
+<p:notes xmlns:a="http://schemas.openxmlformats.org/drawingml/2006/main" xmlns:r="http://schemas.openxmlformats.org/officeDocument/2006/relationships" xmlns:p="http://schemas.openxmlformats.org/presentationml/2006/main" showMasterSp="0" showMasterPhAnim="0">
+  <p:cSld>
+    <p:spTree>
+      <p:nvGrpSpPr>
+        <p:cNvPr id="1" name="Shape 165"/>
+        <p:cNvGrpSpPr/>
+        <p:nvPr/>
+      </p:nvGrpSpPr>
+      <p:grpSpPr>
+        <a:xfrm>
+          <a:off x="0" y="0"/>
+          <a:ext cx="0" cy="0"/>
+          <a:chOff x="0" y="0"/>
+          <a:chExt cx="0" cy="0"/>
+        </a:xfrm>
+      </p:grpSpPr>
+      <p:sp>
+        <p:nvSpPr>
+          <p:cNvPr id="166" name="Google Shape;166;p13:notes"/>
+          <p:cNvSpPr>
+            <a:spLocks noGrp="1" noRot="1" noChangeAspect="1"/>
+          </p:cNvSpPr>
+          <p:nvPr>
+            <p:ph type="sldImg" idx="2"/>
+          </p:nvPr>
+        </p:nvSpPr>
+        <p:spPr>
+          <a:xfrm>
+            <a:off x="381000" y="685800"/>
+            <a:ext cx="6096000" cy="3429000"/>
+          </a:xfrm>
+          <a:custGeom>
+            <a:avLst/>
+            <a:gdLst/>
+            <a:ahLst/>
+            <a:cxnLst/>
+            <a:rect l="l" t="t" r="r" b="b"/>
+            <a:pathLst>
+              <a:path w="120000" h="120000" extrusionOk="0">
+                <a:moveTo>
+                  <a:pt x="0" y="0"/>
+                </a:moveTo>
+                <a:lnTo>
+                  <a:pt x="120000" y="0"/>
+                </a:lnTo>
+                <a:lnTo>
+                  <a:pt x="120000" y="120000"/>
+                </a:lnTo>
+                <a:lnTo>
+                  <a:pt x="0" y="120000"/>
+                </a:lnTo>
+                <a:close/>
+              </a:path>
+            </a:pathLst>
+          </a:custGeom>
+          <a:noFill/>
+          <a:ln w="9525" cap="flat" cmpd="sng">
+            <a:solidFill>
+              <a:srgbClr val="000000"/>
+            </a:solidFill>
+            <a:prstDash val="solid"/>
+            <a:round/>
+            <a:headEnd type="none" w="sm" len="sm"/>
+            <a:tailEnd type="none" w="sm" len="sm"/>
+          </a:ln>
+        </p:spPr>
+      </p:sp>
+      <p:sp>
+        <p:nvSpPr>
+          <p:cNvPr id="167" name="Google Shape;167;p13:notes"/>
+          <p:cNvSpPr txBox="1">
+            <a:spLocks noGrp="1"/>
+          </p:cNvSpPr>
+          <p:nvPr>
+            <p:ph type="body" idx="1"/>
+          </p:nvPr>
+        </p:nvSpPr>
+        <p:spPr>
+          <a:xfrm>
+            <a:off x="685800" y="4343400"/>
+            <a:ext cx="5486400" cy="4114800"/>
+          </a:xfrm>
+          <a:prstGeom prst="rect">
+            <a:avLst/>
+          </a:prstGeom>
+          <a:noFill/>
+          <a:ln>
+            <a:noFill/>
+          </a:ln>
+        </p:spPr>
+        <p:txBody>
+          <a:bodyPr spcFirstLastPara="1" wrap="square" lIns="91425" tIns="91425" rIns="91425" bIns="91425" anchor="t" anchorCtr="0">
+            <a:noAutofit/>
+          </a:bodyPr>
+          <a:lstStyle/>
+          <a:p>
+            <a:pPr marL="0" lvl="0" indent="0" algn="l" rtl="0">
+              <a:lnSpc>
+                <a:spcPct val="100000"/>
+              </a:lnSpc>
+              <a:spcBef>
+                <a:spcPts val="0"/>
+              </a:spcBef>
+              <a:spcAft>
+                <a:spcPts val="0"/>
+              </a:spcAft>
+              <a:buSzPts val="1100"/>
+              <a:buNone/>
+            </a:pPr>
+            <a:endParaRPr/>
+          </a:p>
+        </p:txBody>
+      </p:sp>
+    </p:spTree>
+  </p:cSld>
+  <p:clrMapOvr>
+    <a:masterClrMapping/>
+  </p:clrMapOvr>
+</p:notes>
+</file>
+
+<file path=ppt/notesSlides/notesSlide2.xml><?xml version="1.0" encoding="utf-8"?>
+<p:notes xmlns:a="http://schemas.openxmlformats.org/drawingml/2006/main" xmlns:r="http://schemas.openxmlformats.org/officeDocument/2006/relationships" xmlns:p="http://schemas.openxmlformats.org/presentationml/2006/main" showMasterSp="0" showMasterPhAnim="0">
+  <p:cSld>
+    <p:spTree>
+      <p:nvGrpSpPr>
+        <p:cNvPr id="1" name="Shape 65"/>
+        <p:cNvGrpSpPr/>
+        <p:nvPr/>
+      </p:nvGrpSpPr>
+      <p:grpSpPr>
+        <a:xfrm>
+          <a:off x="0" y="0"/>
+          <a:ext cx="0" cy="0"/>
+          <a:chOff x="0" y="0"/>
+          <a:chExt cx="0" cy="0"/>
+        </a:xfrm>
+      </p:grpSpPr>
+      <p:sp>
+        <p:nvSpPr>
+          <p:cNvPr id="66" name="Google Shape;66;p4:notes"/>
+          <p:cNvSpPr>
+            <a:spLocks noGrp="1" noRot="1" noChangeAspect="1"/>
+          </p:cNvSpPr>
+          <p:nvPr>
+            <p:ph type="sldImg" idx="2"/>
+          </p:nvPr>
+        </p:nvSpPr>
+        <p:spPr>
+          <a:xfrm>
+            <a:off x="381000" y="685800"/>
+            <a:ext cx="6096000" cy="3429000"/>
+          </a:xfrm>
+          <a:custGeom>
+            <a:avLst/>
+            <a:gdLst/>
+            <a:ahLst/>
+            <a:cxnLst/>
+            <a:rect l="l" t="t" r="r" b="b"/>
+            <a:pathLst>
+              <a:path w="120000" h="120000" extrusionOk="0">
+                <a:moveTo>
+                  <a:pt x="0" y="0"/>
+                </a:moveTo>
+                <a:lnTo>
+                  <a:pt x="120000" y="0"/>
+                </a:lnTo>
+                <a:lnTo>
+                  <a:pt x="120000" y="120000"/>
+                </a:lnTo>
+                <a:lnTo>
+                  <a:pt x="0" y="120000"/>
+                </a:lnTo>
+                <a:close/>
+              </a:path>
+            </a:pathLst>
+          </a:custGeom>
+          <a:noFill/>
+          <a:ln w="9525" cap="flat" cmpd="sng">
+            <a:solidFill>
+              <a:srgbClr val="000000"/>
+            </a:solidFill>
+            <a:prstDash val="solid"/>
+            <a:round/>
+            <a:headEnd type="none" w="sm" len="sm"/>
+            <a:tailEnd type="none" w="sm" len="sm"/>
+          </a:ln>
+        </p:spPr>
+      </p:sp>
+      <p:sp>
+        <p:nvSpPr>
+          <p:cNvPr id="67" name="Google Shape;67;p4:notes"/>
+          <p:cNvSpPr txBox="1">
+            <a:spLocks noGrp="1"/>
+          </p:cNvSpPr>
+          <p:nvPr>
+            <p:ph type="body" idx="1"/>
+          </p:nvPr>
+        </p:nvSpPr>
+        <p:spPr>
+          <a:xfrm>
+            <a:off x="685800" y="4343400"/>
+            <a:ext cx="5486400" cy="4114800"/>
+          </a:xfrm>
+          <a:prstGeom prst="rect">
+            <a:avLst/>
+          </a:prstGeom>
+          <a:noFill/>
+          <a:ln>
+            <a:noFill/>
+          </a:ln>
+        </p:spPr>
+        <p:txBody>
+          <a:bodyPr spcFirstLastPara="1" wrap="square" lIns="91425" tIns="91425" rIns="91425" bIns="91425" anchor="t" anchorCtr="0">
+            <a:noAutofit/>
+          </a:bodyPr>
+          <a:lstStyle/>
+          <a:p>
+            <a:pPr marL="0" lvl="0" indent="0" algn="l" rtl="0">
+              <a:lnSpc>
+                <a:spcPct val="100000"/>
+              </a:lnSpc>
+              <a:spcBef>
+                <a:spcPts val="0"/>
+              </a:spcBef>
+              <a:spcAft>
+                <a:spcPts val="0"/>
+              </a:spcAft>
+              <a:buSzPts val="1100"/>
+              <a:buNone/>
+            </a:pPr>
+            <a:endParaRPr/>
+          </a:p>
+        </p:txBody>
+      </p:sp>
+    </p:spTree>
+  </p:cSld>
+  <p:clrMapOvr>
+    <a:masterClrMapping/>
+  </p:clrMapOvr>
+</p:notes>
+</file>
+
+<file path=ppt/notesSlides/notesSlide3.xml><?xml version="1.0" encoding="utf-8"?>
+<p:notes xmlns:a="http://schemas.openxmlformats.org/drawingml/2006/main" xmlns:r="http://schemas.openxmlformats.org/officeDocument/2006/relationships" xmlns:p="http://schemas.openxmlformats.org/presentationml/2006/main" showMasterSp="0" showMasterPhAnim="0">
+  <p:cSld>
+    <p:spTree>
+      <p:nvGrpSpPr>
+        <p:cNvPr id="1" name="Shape 73"/>
+        <p:cNvGrpSpPr/>
+        <p:nvPr/>
+      </p:nvGrpSpPr>
+      <p:grpSpPr>
+        <a:xfrm>
+          <a:off x="0" y="0"/>
+          <a:ext cx="0" cy="0"/>
+          <a:chOff x="0" y="0"/>
+          <a:chExt cx="0" cy="0"/>
+        </a:xfrm>
+      </p:grpSpPr>
+      <p:sp>
+        <p:nvSpPr>
+          <p:cNvPr id="74" name="Google Shape;74;p5:notes"/>
+          <p:cNvSpPr txBox="1">
+            <a:spLocks noGrp="1"/>
+          </p:cNvSpPr>
+          <p:nvPr>
+            <p:ph type="body" idx="1"/>
           </p:nvPr>
         </p:nvSpPr>
         <p:spPr>
@@ -1010,12 +1393,12 @@
           </a:prstGeom>
         </p:spPr>
         <p:txBody>
-          <a:bodyPr anchorCtr="0" anchor="t" bIns="91425" lIns="91425" spcFirstLastPara="1" rIns="91425" wrap="square" tIns="91425">
+          <a:bodyPr spcFirstLastPara="1" wrap="square" lIns="91425" tIns="91425" rIns="91425" bIns="91425" anchor="t" anchorCtr="0">
             <a:noAutofit/>
           </a:bodyPr>
           <a:lstStyle/>
           <a:p>
-            <a:pPr indent="0" lvl="0" marL="0" rtl="0" algn="l">
+            <a:pPr marL="0" lvl="0" indent="0" algn="l" rtl="0">
               <a:spcBef>
                 <a:spcPts val="0"/>
               </a:spcBef>
@@ -1024,19 +1407,18 @@
               </a:spcAft>
               <a:buNone/>
             </a:pPr>
-            <a:r>
-              <a:t/>
-            </a:r>
             <a:endParaRPr/>
           </a:p>
         </p:txBody>
       </p:sp>
       <p:sp>
         <p:nvSpPr>
-          <p:cNvPr id="125" name="Google Shape;125;p11:notes"/>
-          <p:cNvSpPr/>
+          <p:cNvPr id="75" name="Google Shape;75;p5:notes"/>
+          <p:cNvSpPr>
+            <a:spLocks noGrp="1" noRot="1" noChangeAspect="1"/>
+          </p:cNvSpPr>
           <p:nvPr>
-            <p:ph idx="2" type="sldImg"/>
+            <p:ph type="sldImg" idx="2"/>
           </p:nvPr>
         </p:nvSpPr>
         <p:spPr>
@@ -1045,9 +1427,13 @@
             <a:ext cx="6096075" cy="3429000"/>
           </a:xfrm>
           <a:custGeom>
-            <a:rect b="b" l="l" r="r" t="t"/>
+            <a:avLst/>
+            <a:gdLst/>
+            <a:ahLst/>
+            <a:cxnLst/>
+            <a:rect l="l" t="t" r="r" b="b"/>
             <a:pathLst>
-              <a:path extrusionOk="0" h="120000" w="120000">
+              <a:path w="120000" h="120000" extrusionOk="0">
                 <a:moveTo>
                   <a:pt x="0" y="0"/>
                 </a:moveTo>
@@ -1074,12 +1460,12 @@
 </p:notes>
 </file>
 
-<file path=ppt/notesSlides/notesSlide11.xml><?xml version="1.0" encoding="utf-8"?>
-<p:notes xmlns:a="http://schemas.openxmlformats.org/drawingml/2006/main" xmlns:r="http://schemas.openxmlformats.org/officeDocument/2006/relationships" xmlns:mc="http://schemas.openxmlformats.org/markup-compatibility/2006" xmlns:mv="urn:schemas-microsoft-com:mac:vml" xmlns:p="http://schemas.openxmlformats.org/presentationml/2006/main" xmlns:c="http://schemas.openxmlformats.org/drawingml/2006/chart" xmlns:dgm="http://schemas.openxmlformats.org/drawingml/2006/diagram" xmlns:o="urn:schemas-microsoft-com:office:office" xmlns:v="urn:schemas-microsoft-com:vml" xmlns:pvml="urn:schemas-microsoft-com:office:powerpoint" xmlns:com="http://schemas.openxmlformats.org/drawingml/2006/compatibility" xmlns:p14="http://schemas.microsoft.com/office/powerpoint/2010/main" xmlns:p15="http://schemas.microsoft.com/office/powerpoint/2012/main" xmlns:ahyp="http://schemas.microsoft.com/office/drawing/2018/hyperlinkcolor" showMasterPhAnim="0" showMasterSp="0">
+<file path=ppt/notesSlides/notesSlide4.xml><?xml version="1.0" encoding="utf-8"?>
+<p:notes xmlns:a="http://schemas.openxmlformats.org/drawingml/2006/main" xmlns:r="http://schemas.openxmlformats.org/officeDocument/2006/relationships" xmlns:p="http://schemas.openxmlformats.org/presentationml/2006/main" showMasterSp="0" showMasterPhAnim="0">
   <p:cSld>
     <p:spTree>
       <p:nvGrpSpPr>
-        <p:cNvPr id="128" name="Shape 128"/>
+        <p:cNvPr id="1" name="Shape 85"/>
         <p:cNvGrpSpPr/>
         <p:nvPr/>
       </p:nvGrpSpPr>
@@ -1093,478 +1479,12 @@
       </p:grpSpPr>
       <p:sp>
         <p:nvSpPr>
-          <p:cNvPr id="129" name="Google Shape;129;p12:notes"/>
-          <p:cNvSpPr/>
+          <p:cNvPr id="86" name="Google Shape;86;p6:notes"/>
+          <p:cNvSpPr txBox="1">
+            <a:spLocks noGrp="1"/>
+          </p:cNvSpPr>
           <p:nvPr>
-            <p:ph idx="2" type="sldImg"/>
-          </p:nvPr>
-        </p:nvSpPr>
-        <p:spPr>
-          <a:xfrm>
-            <a:off x="381000" y="685800"/>
-            <a:ext cx="6096000" cy="3429000"/>
-          </a:xfrm>
-          <a:custGeom>
-            <a:rect b="b" l="l" r="r" t="t"/>
-            <a:pathLst>
-              <a:path extrusionOk="0" h="120000" w="120000">
-                <a:moveTo>
-                  <a:pt x="0" y="0"/>
-                </a:moveTo>
-                <a:lnTo>
-                  <a:pt x="120000" y="0"/>
-                </a:lnTo>
-                <a:lnTo>
-                  <a:pt x="120000" y="120000"/>
-                </a:lnTo>
-                <a:lnTo>
-                  <a:pt x="0" y="120000"/>
-                </a:lnTo>
-                <a:close/>
-              </a:path>
-            </a:pathLst>
-          </a:custGeom>
-          <a:noFill/>
-          <a:ln cap="flat" cmpd="sng" w="9525">
-            <a:solidFill>
-              <a:srgbClr val="000000"/>
-            </a:solidFill>
-            <a:prstDash val="solid"/>
-            <a:round/>
-            <a:headEnd len="sm" w="sm" type="none"/>
-            <a:tailEnd len="sm" w="sm" type="none"/>
-          </a:ln>
-        </p:spPr>
-      </p:sp>
-      <p:sp>
-        <p:nvSpPr>
-          <p:cNvPr id="130" name="Google Shape;130;p12:notes"/>
-          <p:cNvSpPr txBox="1"/>
-          <p:nvPr>
-            <p:ph idx="1" type="body"/>
-          </p:nvPr>
-        </p:nvSpPr>
-        <p:spPr>
-          <a:xfrm>
-            <a:off x="685800" y="4343400"/>
-            <a:ext cx="5486400" cy="4114800"/>
-          </a:xfrm>
-          <a:prstGeom prst="rect">
-            <a:avLst/>
-          </a:prstGeom>
-          <a:noFill/>
-          <a:ln>
-            <a:noFill/>
-          </a:ln>
-        </p:spPr>
-        <p:txBody>
-          <a:bodyPr anchorCtr="0" anchor="t" bIns="91425" lIns="91425" spcFirstLastPara="1" rIns="91425" wrap="square" tIns="91425">
-            <a:noAutofit/>
-          </a:bodyPr>
-          <a:lstStyle/>
-          <a:p>
-            <a:pPr indent="0" lvl="0" marL="0" rtl="0" algn="l">
-              <a:lnSpc>
-                <a:spcPct val="100000"/>
-              </a:lnSpc>
-              <a:spcBef>
-                <a:spcPts val="0"/>
-              </a:spcBef>
-              <a:spcAft>
-                <a:spcPts val="0"/>
-              </a:spcAft>
-              <a:buSzPts val="1100"/>
-              <a:buNone/>
-            </a:pPr>
-            <a:r>
-              <a:t/>
-            </a:r>
-            <a:endParaRPr/>
-          </a:p>
-        </p:txBody>
-      </p:sp>
-    </p:spTree>
-  </p:cSld>
-  <p:clrMapOvr>
-    <a:masterClrMapping/>
-  </p:clrMapOvr>
-</p:notes>
-</file>
-
-<file path=ppt/notesSlides/notesSlide12.xml><?xml version="1.0" encoding="utf-8"?>
-<p:notes xmlns:a="http://schemas.openxmlformats.org/drawingml/2006/main" xmlns:r="http://schemas.openxmlformats.org/officeDocument/2006/relationships" xmlns:mc="http://schemas.openxmlformats.org/markup-compatibility/2006" xmlns:mv="urn:schemas-microsoft-com:mac:vml" xmlns:p="http://schemas.openxmlformats.org/presentationml/2006/main" xmlns:c="http://schemas.openxmlformats.org/drawingml/2006/chart" xmlns:dgm="http://schemas.openxmlformats.org/drawingml/2006/diagram" xmlns:o="urn:schemas-microsoft-com:office:office" xmlns:v="urn:schemas-microsoft-com:vml" xmlns:pvml="urn:schemas-microsoft-com:office:powerpoint" xmlns:com="http://schemas.openxmlformats.org/drawingml/2006/compatibility" xmlns:p14="http://schemas.microsoft.com/office/powerpoint/2010/main" xmlns:p15="http://schemas.microsoft.com/office/powerpoint/2012/main" xmlns:ahyp="http://schemas.microsoft.com/office/drawing/2018/hyperlinkcolor" showMasterPhAnim="0" showMasterSp="0">
-  <p:cSld>
-    <p:spTree>
-      <p:nvGrpSpPr>
-        <p:cNvPr id="165" name="Shape 165"/>
-        <p:cNvGrpSpPr/>
-        <p:nvPr/>
-      </p:nvGrpSpPr>
-      <p:grpSpPr>
-        <a:xfrm>
-          <a:off x="0" y="0"/>
-          <a:ext cx="0" cy="0"/>
-          <a:chOff x="0" y="0"/>
-          <a:chExt cx="0" cy="0"/>
-        </a:xfrm>
-      </p:grpSpPr>
-      <p:sp>
-        <p:nvSpPr>
-          <p:cNvPr id="166" name="Google Shape;166;p13:notes"/>
-          <p:cNvSpPr/>
-          <p:nvPr>
-            <p:ph idx="2" type="sldImg"/>
-          </p:nvPr>
-        </p:nvSpPr>
-        <p:spPr>
-          <a:xfrm>
-            <a:off x="381000" y="685800"/>
-            <a:ext cx="6096000" cy="3429000"/>
-          </a:xfrm>
-          <a:custGeom>
-            <a:rect b="b" l="l" r="r" t="t"/>
-            <a:pathLst>
-              <a:path extrusionOk="0" h="120000" w="120000">
-                <a:moveTo>
-                  <a:pt x="0" y="0"/>
-                </a:moveTo>
-                <a:lnTo>
-                  <a:pt x="120000" y="0"/>
-                </a:lnTo>
-                <a:lnTo>
-                  <a:pt x="120000" y="120000"/>
-                </a:lnTo>
-                <a:lnTo>
-                  <a:pt x="0" y="120000"/>
-                </a:lnTo>
-                <a:close/>
-              </a:path>
-            </a:pathLst>
-          </a:custGeom>
-          <a:noFill/>
-          <a:ln cap="flat" cmpd="sng" w="9525">
-            <a:solidFill>
-              <a:srgbClr val="000000"/>
-            </a:solidFill>
-            <a:prstDash val="solid"/>
-            <a:round/>
-            <a:headEnd len="sm" w="sm" type="none"/>
-            <a:tailEnd len="sm" w="sm" type="none"/>
-          </a:ln>
-        </p:spPr>
-      </p:sp>
-      <p:sp>
-        <p:nvSpPr>
-          <p:cNvPr id="167" name="Google Shape;167;p13:notes"/>
-          <p:cNvSpPr txBox="1"/>
-          <p:nvPr>
-            <p:ph idx="1" type="body"/>
-          </p:nvPr>
-        </p:nvSpPr>
-        <p:spPr>
-          <a:xfrm>
-            <a:off x="685800" y="4343400"/>
-            <a:ext cx="5486400" cy="4114800"/>
-          </a:xfrm>
-          <a:prstGeom prst="rect">
-            <a:avLst/>
-          </a:prstGeom>
-          <a:noFill/>
-          <a:ln>
-            <a:noFill/>
-          </a:ln>
-        </p:spPr>
-        <p:txBody>
-          <a:bodyPr anchorCtr="0" anchor="t" bIns="91425" lIns="91425" spcFirstLastPara="1" rIns="91425" wrap="square" tIns="91425">
-            <a:noAutofit/>
-          </a:bodyPr>
-          <a:lstStyle/>
-          <a:p>
-            <a:pPr indent="0" lvl="0" marL="0" rtl="0" algn="l">
-              <a:lnSpc>
-                <a:spcPct val="100000"/>
-              </a:lnSpc>
-              <a:spcBef>
-                <a:spcPts val="0"/>
-              </a:spcBef>
-              <a:spcAft>
-                <a:spcPts val="0"/>
-              </a:spcAft>
-              <a:buSzPts val="1100"/>
-              <a:buNone/>
-            </a:pPr>
-            <a:r>
-              <a:t/>
-            </a:r>
-            <a:endParaRPr/>
-          </a:p>
-        </p:txBody>
-      </p:sp>
-    </p:spTree>
-  </p:cSld>
-  <p:clrMapOvr>
-    <a:masterClrMapping/>
-  </p:clrMapOvr>
-</p:notes>
-</file>
-
-<file path=ppt/notesSlides/notesSlide2.xml><?xml version="1.0" encoding="utf-8"?>
-<p:notes xmlns:a="http://schemas.openxmlformats.org/drawingml/2006/main" xmlns:r="http://schemas.openxmlformats.org/officeDocument/2006/relationships" xmlns:mc="http://schemas.openxmlformats.org/markup-compatibility/2006" xmlns:mv="urn:schemas-microsoft-com:mac:vml" xmlns:p="http://schemas.openxmlformats.org/presentationml/2006/main" xmlns:c="http://schemas.openxmlformats.org/drawingml/2006/chart" xmlns:dgm="http://schemas.openxmlformats.org/drawingml/2006/diagram" xmlns:o="urn:schemas-microsoft-com:office:office" xmlns:v="urn:schemas-microsoft-com:vml" xmlns:pvml="urn:schemas-microsoft-com:office:powerpoint" xmlns:com="http://schemas.openxmlformats.org/drawingml/2006/compatibility" xmlns:p14="http://schemas.microsoft.com/office/powerpoint/2010/main" xmlns:p15="http://schemas.microsoft.com/office/powerpoint/2012/main" xmlns:ahyp="http://schemas.microsoft.com/office/drawing/2018/hyperlinkcolor" showMasterPhAnim="0" showMasterSp="0">
-  <p:cSld>
-    <p:spTree>
-      <p:nvGrpSpPr>
-        <p:cNvPr id="56" name="Shape 56"/>
-        <p:cNvGrpSpPr/>
-        <p:nvPr/>
-      </p:nvGrpSpPr>
-      <p:grpSpPr>
-        <a:xfrm>
-          <a:off x="0" y="0"/>
-          <a:ext cx="0" cy="0"/>
-          <a:chOff x="0" y="0"/>
-          <a:chExt cx="0" cy="0"/>
-        </a:xfrm>
-      </p:grpSpPr>
-      <p:sp>
-        <p:nvSpPr>
-          <p:cNvPr id="57" name="Google Shape;57;p3:notes"/>
-          <p:cNvSpPr/>
-          <p:nvPr>
-            <p:ph idx="2" type="sldImg"/>
-          </p:nvPr>
-        </p:nvSpPr>
-        <p:spPr>
-          <a:xfrm>
-            <a:off x="381000" y="685800"/>
-            <a:ext cx="6096000" cy="3429000"/>
-          </a:xfrm>
-          <a:custGeom>
-            <a:rect b="b" l="l" r="r" t="t"/>
-            <a:pathLst>
-              <a:path extrusionOk="0" h="120000" w="120000">
-                <a:moveTo>
-                  <a:pt x="0" y="0"/>
-                </a:moveTo>
-                <a:lnTo>
-                  <a:pt x="120000" y="0"/>
-                </a:lnTo>
-                <a:lnTo>
-                  <a:pt x="120000" y="120000"/>
-                </a:lnTo>
-                <a:lnTo>
-                  <a:pt x="0" y="120000"/>
-                </a:lnTo>
-                <a:close/>
-              </a:path>
-            </a:pathLst>
-          </a:custGeom>
-          <a:noFill/>
-          <a:ln cap="flat" cmpd="sng" w="9525">
-            <a:solidFill>
-              <a:srgbClr val="000000"/>
-            </a:solidFill>
-            <a:prstDash val="solid"/>
-            <a:round/>
-            <a:headEnd len="sm" w="sm" type="none"/>
-            <a:tailEnd len="sm" w="sm" type="none"/>
-          </a:ln>
-        </p:spPr>
-      </p:sp>
-      <p:sp>
-        <p:nvSpPr>
-          <p:cNvPr id="58" name="Google Shape;58;p3:notes"/>
-          <p:cNvSpPr txBox="1"/>
-          <p:nvPr>
-            <p:ph idx="1" type="body"/>
-          </p:nvPr>
-        </p:nvSpPr>
-        <p:spPr>
-          <a:xfrm>
-            <a:off x="685800" y="4343400"/>
-            <a:ext cx="5486400" cy="4114800"/>
-          </a:xfrm>
-          <a:prstGeom prst="rect">
-            <a:avLst/>
-          </a:prstGeom>
-          <a:noFill/>
-          <a:ln>
-            <a:noFill/>
-          </a:ln>
-        </p:spPr>
-        <p:txBody>
-          <a:bodyPr anchorCtr="0" anchor="t" bIns="91425" lIns="91425" spcFirstLastPara="1" rIns="91425" wrap="square" tIns="91425">
-            <a:noAutofit/>
-          </a:bodyPr>
-          <a:lstStyle/>
-          <a:p>
-            <a:pPr indent="0" lvl="0" marL="0" rtl="0" algn="l">
-              <a:lnSpc>
-                <a:spcPct val="100000"/>
-              </a:lnSpc>
-              <a:spcBef>
-                <a:spcPts val="0"/>
-              </a:spcBef>
-              <a:spcAft>
-                <a:spcPts val="0"/>
-              </a:spcAft>
-              <a:buSzPts val="1100"/>
-              <a:buNone/>
-            </a:pPr>
-            <a:r>
-              <a:t/>
-            </a:r>
-            <a:endParaRPr/>
-          </a:p>
-        </p:txBody>
-      </p:sp>
-    </p:spTree>
-  </p:cSld>
-  <p:clrMapOvr>
-    <a:masterClrMapping/>
-  </p:clrMapOvr>
-</p:notes>
-</file>
-
-<file path=ppt/notesSlides/notesSlide3.xml><?xml version="1.0" encoding="utf-8"?>
-<p:notes xmlns:a="http://schemas.openxmlformats.org/drawingml/2006/main" xmlns:r="http://schemas.openxmlformats.org/officeDocument/2006/relationships" xmlns:mc="http://schemas.openxmlformats.org/markup-compatibility/2006" xmlns:mv="urn:schemas-microsoft-com:mac:vml" xmlns:p="http://schemas.openxmlformats.org/presentationml/2006/main" xmlns:c="http://schemas.openxmlformats.org/drawingml/2006/chart" xmlns:dgm="http://schemas.openxmlformats.org/drawingml/2006/diagram" xmlns:o="urn:schemas-microsoft-com:office:office" xmlns:v="urn:schemas-microsoft-com:vml" xmlns:pvml="urn:schemas-microsoft-com:office:powerpoint" xmlns:com="http://schemas.openxmlformats.org/drawingml/2006/compatibility" xmlns:p14="http://schemas.microsoft.com/office/powerpoint/2010/main" xmlns:p15="http://schemas.microsoft.com/office/powerpoint/2012/main" xmlns:ahyp="http://schemas.microsoft.com/office/drawing/2018/hyperlinkcolor" showMasterPhAnim="0" showMasterSp="0">
-  <p:cSld>
-    <p:spTree>
-      <p:nvGrpSpPr>
-        <p:cNvPr id="65" name="Shape 65"/>
-        <p:cNvGrpSpPr/>
-        <p:nvPr/>
-      </p:nvGrpSpPr>
-      <p:grpSpPr>
-        <a:xfrm>
-          <a:off x="0" y="0"/>
-          <a:ext cx="0" cy="0"/>
-          <a:chOff x="0" y="0"/>
-          <a:chExt cx="0" cy="0"/>
-        </a:xfrm>
-      </p:grpSpPr>
-      <p:sp>
-        <p:nvSpPr>
-          <p:cNvPr id="66" name="Google Shape;66;p4:notes"/>
-          <p:cNvSpPr/>
-          <p:nvPr>
-            <p:ph idx="2" type="sldImg"/>
-          </p:nvPr>
-        </p:nvSpPr>
-        <p:spPr>
-          <a:xfrm>
-            <a:off x="381000" y="685800"/>
-            <a:ext cx="6096000" cy="3429000"/>
-          </a:xfrm>
-          <a:custGeom>
-            <a:rect b="b" l="l" r="r" t="t"/>
-            <a:pathLst>
-              <a:path extrusionOk="0" h="120000" w="120000">
-                <a:moveTo>
-                  <a:pt x="0" y="0"/>
-                </a:moveTo>
-                <a:lnTo>
-                  <a:pt x="120000" y="0"/>
-                </a:lnTo>
-                <a:lnTo>
-                  <a:pt x="120000" y="120000"/>
-                </a:lnTo>
-                <a:lnTo>
-                  <a:pt x="0" y="120000"/>
-                </a:lnTo>
-                <a:close/>
-              </a:path>
-            </a:pathLst>
-          </a:custGeom>
-          <a:noFill/>
-          <a:ln cap="flat" cmpd="sng" w="9525">
-            <a:solidFill>
-              <a:srgbClr val="000000"/>
-            </a:solidFill>
-            <a:prstDash val="solid"/>
-            <a:round/>
-            <a:headEnd len="sm" w="sm" type="none"/>
-            <a:tailEnd len="sm" w="sm" type="none"/>
-          </a:ln>
-        </p:spPr>
-      </p:sp>
-      <p:sp>
-        <p:nvSpPr>
-          <p:cNvPr id="67" name="Google Shape;67;p4:notes"/>
-          <p:cNvSpPr txBox="1"/>
-          <p:nvPr>
-            <p:ph idx="1" type="body"/>
-          </p:nvPr>
-        </p:nvSpPr>
-        <p:spPr>
-          <a:xfrm>
-            <a:off x="685800" y="4343400"/>
-            <a:ext cx="5486400" cy="4114800"/>
-          </a:xfrm>
-          <a:prstGeom prst="rect">
-            <a:avLst/>
-          </a:prstGeom>
-          <a:noFill/>
-          <a:ln>
-            <a:noFill/>
-          </a:ln>
-        </p:spPr>
-        <p:txBody>
-          <a:bodyPr anchorCtr="0" anchor="t" bIns="91425" lIns="91425" spcFirstLastPara="1" rIns="91425" wrap="square" tIns="91425">
-            <a:noAutofit/>
-          </a:bodyPr>
-          <a:lstStyle/>
-          <a:p>
-            <a:pPr indent="0" lvl="0" marL="0" rtl="0" algn="l">
-              <a:lnSpc>
-                <a:spcPct val="100000"/>
-              </a:lnSpc>
-              <a:spcBef>
-                <a:spcPts val="0"/>
-              </a:spcBef>
-              <a:spcAft>
-                <a:spcPts val="0"/>
-              </a:spcAft>
-              <a:buSzPts val="1100"/>
-              <a:buNone/>
-            </a:pPr>
-            <a:r>
-              <a:t/>
-            </a:r>
-            <a:endParaRPr/>
-          </a:p>
-        </p:txBody>
-      </p:sp>
-    </p:spTree>
-  </p:cSld>
-  <p:clrMapOvr>
-    <a:masterClrMapping/>
-  </p:clrMapOvr>
-</p:notes>
-</file>
-
-<file path=ppt/notesSlides/notesSlide4.xml><?xml version="1.0" encoding="utf-8"?>
-<p:notes xmlns:a="http://schemas.openxmlformats.org/drawingml/2006/main" xmlns:r="http://schemas.openxmlformats.org/officeDocument/2006/relationships" xmlns:mc="http://schemas.openxmlformats.org/markup-compatibility/2006" xmlns:mv="urn:schemas-microsoft-com:mac:vml" xmlns:p="http://schemas.openxmlformats.org/presentationml/2006/main" xmlns:c="http://schemas.openxmlformats.org/drawingml/2006/chart" xmlns:dgm="http://schemas.openxmlformats.org/drawingml/2006/diagram" xmlns:o="urn:schemas-microsoft-com:office:office" xmlns:v="urn:schemas-microsoft-com:vml" xmlns:pvml="urn:schemas-microsoft-com:office:powerpoint" xmlns:com="http://schemas.openxmlformats.org/drawingml/2006/compatibility" xmlns:p14="http://schemas.microsoft.com/office/powerpoint/2010/main" xmlns:p15="http://schemas.microsoft.com/office/powerpoint/2012/main" xmlns:ahyp="http://schemas.microsoft.com/office/drawing/2018/hyperlinkcolor" showMasterPhAnim="0" showMasterSp="0">
-  <p:cSld>
-    <p:spTree>
-      <p:nvGrpSpPr>
-        <p:cNvPr id="73" name="Shape 73"/>
-        <p:cNvGrpSpPr/>
-        <p:nvPr/>
-      </p:nvGrpSpPr>
-      <p:grpSpPr>
-        <a:xfrm>
-          <a:off x="0" y="0"/>
-          <a:ext cx="0" cy="0"/>
-          <a:chOff x="0" y="0"/>
-          <a:chExt cx="0" cy="0"/>
-        </a:xfrm>
-      </p:grpSpPr>
-      <p:sp>
-        <p:nvSpPr>
-          <p:cNvPr id="74" name="Google Shape;74;p5:notes"/>
-          <p:cNvSpPr txBox="1"/>
-          <p:nvPr>
-            <p:ph idx="1" type="body"/>
+            <p:ph type="body" idx="1"/>
           </p:nvPr>
         </p:nvSpPr>
         <p:spPr>
@@ -1577,12 +1497,12 @@
           </a:prstGeom>
         </p:spPr>
         <p:txBody>
-          <a:bodyPr anchorCtr="0" anchor="t" bIns="91425" lIns="91425" spcFirstLastPara="1" rIns="91425" wrap="square" tIns="91425">
+          <a:bodyPr spcFirstLastPara="1" wrap="square" lIns="91425" tIns="91425" rIns="91425" bIns="91425" anchor="t" anchorCtr="0">
             <a:noAutofit/>
           </a:bodyPr>
           <a:lstStyle/>
           <a:p>
-            <a:pPr indent="0" lvl="0" marL="0" rtl="0" algn="l">
+            <a:pPr marL="0" lvl="0" indent="0" algn="l" rtl="0">
               <a:spcBef>
                 <a:spcPts val="0"/>
               </a:spcBef>
@@ -1591,19 +1511,18 @@
               </a:spcAft>
               <a:buNone/>
             </a:pPr>
-            <a:r>
-              <a:t/>
-            </a:r>
             <a:endParaRPr/>
           </a:p>
         </p:txBody>
       </p:sp>
       <p:sp>
         <p:nvSpPr>
-          <p:cNvPr id="75" name="Google Shape;75;p5:notes"/>
-          <p:cNvSpPr/>
+          <p:cNvPr id="87" name="Google Shape;87;p6:notes"/>
+          <p:cNvSpPr>
+            <a:spLocks noGrp="1" noRot="1" noChangeAspect="1"/>
+          </p:cNvSpPr>
           <p:nvPr>
-            <p:ph idx="2" type="sldImg"/>
+            <p:ph type="sldImg" idx="2"/>
           </p:nvPr>
         </p:nvSpPr>
         <p:spPr>
@@ -1612,9 +1531,13 @@
             <a:ext cx="6096075" cy="3429000"/>
           </a:xfrm>
           <a:custGeom>
-            <a:rect b="b" l="l" r="r" t="t"/>
+            <a:avLst/>
+            <a:gdLst/>
+            <a:ahLst/>
+            <a:cxnLst/>
+            <a:rect l="l" t="t" r="r" b="b"/>
             <a:pathLst>
-              <a:path extrusionOk="0" h="120000" w="120000">
+              <a:path w="120000" h="120000" extrusionOk="0">
                 <a:moveTo>
                   <a:pt x="0" y="0"/>
                 </a:moveTo>
@@ -1642,11 +1565,11 @@
 </file>
 
 <file path=ppt/notesSlides/notesSlide5.xml><?xml version="1.0" encoding="utf-8"?>
-<p:notes xmlns:a="http://schemas.openxmlformats.org/drawingml/2006/main" xmlns:r="http://schemas.openxmlformats.org/officeDocument/2006/relationships" xmlns:mc="http://schemas.openxmlformats.org/markup-compatibility/2006" xmlns:mv="urn:schemas-microsoft-com:mac:vml" xmlns:p="http://schemas.openxmlformats.org/presentationml/2006/main" xmlns:c="http://schemas.openxmlformats.org/drawingml/2006/chart" xmlns:dgm="http://schemas.openxmlformats.org/drawingml/2006/diagram" xmlns:o="urn:schemas-microsoft-com:office:office" xmlns:v="urn:schemas-microsoft-com:vml" xmlns:pvml="urn:schemas-microsoft-com:office:powerpoint" xmlns:com="http://schemas.openxmlformats.org/drawingml/2006/compatibility" xmlns:p14="http://schemas.microsoft.com/office/powerpoint/2010/main" xmlns:p15="http://schemas.microsoft.com/office/powerpoint/2012/main" xmlns:ahyp="http://schemas.microsoft.com/office/drawing/2018/hyperlinkcolor" showMasterPhAnim="0" showMasterSp="0">
+<p:notes xmlns:a="http://schemas.openxmlformats.org/drawingml/2006/main" xmlns:r="http://schemas.openxmlformats.org/officeDocument/2006/relationships" xmlns:p="http://schemas.openxmlformats.org/presentationml/2006/main" showMasterSp="0" showMasterPhAnim="0">
   <p:cSld>
     <p:spTree>
       <p:nvGrpSpPr>
-        <p:cNvPr id="85" name="Shape 85"/>
+        <p:cNvPr id="1" name="Shape 90"/>
         <p:cNvGrpSpPr/>
         <p:nvPr/>
       </p:nvGrpSpPr>
@@ -1660,10 +1583,12 @@
       </p:grpSpPr>
       <p:sp>
         <p:nvSpPr>
-          <p:cNvPr id="86" name="Google Shape;86;p6:notes"/>
-          <p:cNvSpPr txBox="1"/>
+          <p:cNvPr id="91" name="Google Shape;91;p7:notes"/>
+          <p:cNvSpPr txBox="1">
+            <a:spLocks noGrp="1"/>
+          </p:cNvSpPr>
           <p:nvPr>
-            <p:ph idx="1" type="body"/>
+            <p:ph type="body" idx="1"/>
           </p:nvPr>
         </p:nvSpPr>
         <p:spPr>
@@ -1676,12 +1601,12 @@
           </a:prstGeom>
         </p:spPr>
         <p:txBody>
-          <a:bodyPr anchorCtr="0" anchor="t" bIns="91425" lIns="91425" spcFirstLastPara="1" rIns="91425" wrap="square" tIns="91425">
+          <a:bodyPr spcFirstLastPara="1" wrap="square" lIns="91425" tIns="91425" rIns="91425" bIns="91425" anchor="t" anchorCtr="0">
             <a:noAutofit/>
           </a:bodyPr>
           <a:lstStyle/>
           <a:p>
-            <a:pPr indent="0" lvl="0" marL="0" rtl="0" algn="l">
+            <a:pPr marL="0" lvl="0" indent="0" algn="l" rtl="0">
               <a:spcBef>
                 <a:spcPts val="0"/>
               </a:spcBef>
@@ -1690,19 +1615,18 @@
               </a:spcAft>
               <a:buNone/>
             </a:pPr>
-            <a:r>
-              <a:t/>
-            </a:r>
             <a:endParaRPr/>
           </a:p>
         </p:txBody>
       </p:sp>
       <p:sp>
         <p:nvSpPr>
-          <p:cNvPr id="87" name="Google Shape;87;p6:notes"/>
-          <p:cNvSpPr/>
+          <p:cNvPr id="92" name="Google Shape;92;p7:notes"/>
+          <p:cNvSpPr>
+            <a:spLocks noGrp="1" noRot="1" noChangeAspect="1"/>
+          </p:cNvSpPr>
           <p:nvPr>
-            <p:ph idx="2" type="sldImg"/>
+            <p:ph type="sldImg" idx="2"/>
           </p:nvPr>
         </p:nvSpPr>
         <p:spPr>
@@ -1711,9 +1635,13 @@
             <a:ext cx="6096075" cy="3429000"/>
           </a:xfrm>
           <a:custGeom>
-            <a:rect b="b" l="l" r="r" t="t"/>
+            <a:avLst/>
+            <a:gdLst/>
+            <a:ahLst/>
+            <a:cxnLst/>
+            <a:rect l="l" t="t" r="r" b="b"/>
             <a:pathLst>
-              <a:path extrusionOk="0" h="120000" w="120000">
+              <a:path w="120000" h="120000" extrusionOk="0">
                 <a:moveTo>
                   <a:pt x="0" y="0"/>
                 </a:moveTo>
@@ -1741,11 +1669,11 @@
 </file>
 
 <file path=ppt/notesSlides/notesSlide6.xml><?xml version="1.0" encoding="utf-8"?>
-<p:notes xmlns:a="http://schemas.openxmlformats.org/drawingml/2006/main" xmlns:r="http://schemas.openxmlformats.org/officeDocument/2006/relationships" xmlns:mc="http://schemas.openxmlformats.org/markup-compatibility/2006" xmlns:mv="urn:schemas-microsoft-com:mac:vml" xmlns:p="http://schemas.openxmlformats.org/presentationml/2006/main" xmlns:c="http://schemas.openxmlformats.org/drawingml/2006/chart" xmlns:dgm="http://schemas.openxmlformats.org/drawingml/2006/diagram" xmlns:o="urn:schemas-microsoft-com:office:office" xmlns:v="urn:schemas-microsoft-com:vml" xmlns:pvml="urn:schemas-microsoft-com:office:powerpoint" xmlns:com="http://schemas.openxmlformats.org/drawingml/2006/compatibility" xmlns:p14="http://schemas.microsoft.com/office/powerpoint/2010/main" xmlns:p15="http://schemas.microsoft.com/office/powerpoint/2012/main" xmlns:ahyp="http://schemas.microsoft.com/office/drawing/2018/hyperlinkcolor" showMasterPhAnim="0" showMasterSp="0">
+<p:notes xmlns:a="http://schemas.openxmlformats.org/drawingml/2006/main" xmlns:r="http://schemas.openxmlformats.org/officeDocument/2006/relationships" xmlns:p="http://schemas.openxmlformats.org/presentationml/2006/main" showMasterSp="0" showMasterPhAnim="0">
   <p:cSld>
     <p:spTree>
       <p:nvGrpSpPr>
-        <p:cNvPr id="90" name="Shape 90"/>
+        <p:cNvPr id="1" name="Shape 100"/>
         <p:cNvGrpSpPr/>
         <p:nvPr/>
       </p:nvGrpSpPr>
@@ -1759,10 +1687,12 @@
       </p:grpSpPr>
       <p:sp>
         <p:nvSpPr>
-          <p:cNvPr id="91" name="Google Shape;91;p7:notes"/>
-          <p:cNvSpPr txBox="1"/>
+          <p:cNvPr id="101" name="Google Shape;101;p8:notes"/>
+          <p:cNvSpPr txBox="1">
+            <a:spLocks noGrp="1"/>
+          </p:cNvSpPr>
           <p:nvPr>
-            <p:ph idx="1" type="body"/>
+            <p:ph type="body" idx="1"/>
           </p:nvPr>
         </p:nvSpPr>
         <p:spPr>
@@ -1775,12 +1705,12 @@
           </a:prstGeom>
         </p:spPr>
         <p:txBody>
-          <a:bodyPr anchorCtr="0" anchor="t" bIns="91425" lIns="91425" spcFirstLastPara="1" rIns="91425" wrap="square" tIns="91425">
+          <a:bodyPr spcFirstLastPara="1" wrap="square" lIns="91425" tIns="91425" rIns="91425" bIns="91425" anchor="t" anchorCtr="0">
             <a:noAutofit/>
           </a:bodyPr>
           <a:lstStyle/>
           <a:p>
-            <a:pPr indent="0" lvl="0" marL="0" rtl="0" algn="l">
+            <a:pPr marL="0" lvl="0" indent="0" algn="l" rtl="0">
               <a:spcBef>
                 <a:spcPts val="0"/>
               </a:spcBef>
@@ -1789,30 +1719,33 @@
               </a:spcAft>
               <a:buNone/>
             </a:pPr>
-            <a:r>
-              <a:t/>
-            </a:r>
             <a:endParaRPr/>
           </a:p>
         </p:txBody>
       </p:sp>
       <p:sp>
         <p:nvSpPr>
-          <p:cNvPr id="92" name="Google Shape;92;p7:notes"/>
-          <p:cNvSpPr/>
+          <p:cNvPr id="102" name="Google Shape;102;p8:notes"/>
+          <p:cNvSpPr>
+            <a:spLocks noGrp="1" noRot="1" noChangeAspect="1"/>
+          </p:cNvSpPr>
           <p:nvPr>
-            <p:ph idx="2" type="sldImg"/>
+            <p:ph type="sldImg" idx="2"/>
           </p:nvPr>
         </p:nvSpPr>
         <p:spPr>
           <a:xfrm>
-            <a:off x="381300" y="685800"/>
-            <a:ext cx="6096075" cy="3429000"/>
+            <a:off x="381000" y="685800"/>
+            <a:ext cx="6096000" cy="3429000"/>
           </a:xfrm>
           <a:custGeom>
-            <a:rect b="b" l="l" r="r" t="t"/>
+            <a:avLst/>
+            <a:gdLst/>
+            <a:ahLst/>
+            <a:cxnLst/>
+            <a:rect l="l" t="t" r="r" b="b"/>
             <a:pathLst>
-              <a:path extrusionOk="0" h="120000" w="120000">
+              <a:path w="120000" h="120000" extrusionOk="0">
                 <a:moveTo>
                   <a:pt x="0" y="0"/>
                 </a:moveTo>
@@ -1840,11 +1773,11 @@
 </file>
 
 <file path=ppt/notesSlides/notesSlide7.xml><?xml version="1.0" encoding="utf-8"?>
-<p:notes xmlns:a="http://schemas.openxmlformats.org/drawingml/2006/main" xmlns:r="http://schemas.openxmlformats.org/officeDocument/2006/relationships" xmlns:mc="http://schemas.openxmlformats.org/markup-compatibility/2006" xmlns:mv="urn:schemas-microsoft-com:mac:vml" xmlns:p="http://schemas.openxmlformats.org/presentationml/2006/main" xmlns:c="http://schemas.openxmlformats.org/drawingml/2006/chart" xmlns:dgm="http://schemas.openxmlformats.org/drawingml/2006/diagram" xmlns:o="urn:schemas-microsoft-com:office:office" xmlns:v="urn:schemas-microsoft-com:vml" xmlns:pvml="urn:schemas-microsoft-com:office:powerpoint" xmlns:com="http://schemas.openxmlformats.org/drawingml/2006/compatibility" xmlns:p14="http://schemas.microsoft.com/office/powerpoint/2010/main" xmlns:p15="http://schemas.microsoft.com/office/powerpoint/2012/main" xmlns:ahyp="http://schemas.microsoft.com/office/drawing/2018/hyperlinkcolor" showMasterPhAnim="0" showMasterSp="0">
+<p:notes xmlns:a="http://schemas.openxmlformats.org/drawingml/2006/main" xmlns:r="http://schemas.openxmlformats.org/officeDocument/2006/relationships" xmlns:p="http://schemas.openxmlformats.org/presentationml/2006/main" showMasterSp="0" showMasterPhAnim="0">
   <p:cSld>
     <p:spTree>
       <p:nvGrpSpPr>
-        <p:cNvPr id="100" name="Shape 100"/>
+        <p:cNvPr id="1" name="Shape 105"/>
         <p:cNvGrpSpPr/>
         <p:nvPr/>
       </p:nvGrpSpPr>
@@ -1858,10 +1791,256 @@
       </p:grpSpPr>
       <p:sp>
         <p:nvSpPr>
-          <p:cNvPr id="101" name="Google Shape;101;p8:notes"/>
-          <p:cNvSpPr txBox="1"/>
+          <p:cNvPr id="106" name="Google Shape;106;p9:notes"/>
+          <p:cNvSpPr>
+            <a:spLocks noGrp="1" noRot="1" noChangeAspect="1"/>
+          </p:cNvSpPr>
           <p:nvPr>
-            <p:ph idx="1" type="body"/>
+            <p:ph type="sldImg" idx="2"/>
+          </p:nvPr>
+        </p:nvSpPr>
+        <p:spPr>
+          <a:xfrm>
+            <a:off x="381000" y="685800"/>
+            <a:ext cx="6096000" cy="3429000"/>
+          </a:xfrm>
+          <a:custGeom>
+            <a:avLst/>
+            <a:gdLst/>
+            <a:ahLst/>
+            <a:cxnLst/>
+            <a:rect l="l" t="t" r="r" b="b"/>
+            <a:pathLst>
+              <a:path w="120000" h="120000" extrusionOk="0">
+                <a:moveTo>
+                  <a:pt x="0" y="0"/>
+                </a:moveTo>
+                <a:lnTo>
+                  <a:pt x="120000" y="0"/>
+                </a:lnTo>
+                <a:lnTo>
+                  <a:pt x="120000" y="120000"/>
+                </a:lnTo>
+                <a:lnTo>
+                  <a:pt x="0" y="120000"/>
+                </a:lnTo>
+                <a:close/>
+              </a:path>
+            </a:pathLst>
+          </a:custGeom>
+          <a:noFill/>
+          <a:ln w="9525" cap="flat" cmpd="sng">
+            <a:solidFill>
+              <a:srgbClr val="000000"/>
+            </a:solidFill>
+            <a:prstDash val="solid"/>
+            <a:round/>
+            <a:headEnd type="none" w="sm" len="sm"/>
+            <a:tailEnd type="none" w="sm" len="sm"/>
+          </a:ln>
+        </p:spPr>
+      </p:sp>
+      <p:sp>
+        <p:nvSpPr>
+          <p:cNvPr id="107" name="Google Shape;107;p9:notes"/>
+          <p:cNvSpPr txBox="1">
+            <a:spLocks noGrp="1"/>
+          </p:cNvSpPr>
+          <p:nvPr>
+            <p:ph type="body" idx="1"/>
+          </p:nvPr>
+        </p:nvSpPr>
+        <p:spPr>
+          <a:xfrm>
+            <a:off x="685800" y="4343400"/>
+            <a:ext cx="5486400" cy="4114800"/>
+          </a:xfrm>
+          <a:prstGeom prst="rect">
+            <a:avLst/>
+          </a:prstGeom>
+          <a:noFill/>
+          <a:ln>
+            <a:noFill/>
+          </a:ln>
+        </p:spPr>
+        <p:txBody>
+          <a:bodyPr spcFirstLastPara="1" wrap="square" lIns="91425" tIns="91425" rIns="91425" bIns="91425" anchor="t" anchorCtr="0">
+            <a:noAutofit/>
+          </a:bodyPr>
+          <a:lstStyle/>
+          <a:p>
+            <a:pPr marL="0" lvl="0" indent="0" algn="l" rtl="0">
+              <a:lnSpc>
+                <a:spcPct val="100000"/>
+              </a:lnSpc>
+              <a:spcBef>
+                <a:spcPts val="0"/>
+              </a:spcBef>
+              <a:spcAft>
+                <a:spcPts val="0"/>
+              </a:spcAft>
+              <a:buSzPts val="1100"/>
+              <a:buNone/>
+            </a:pPr>
+            <a:endParaRPr/>
+          </a:p>
+        </p:txBody>
+      </p:sp>
+    </p:spTree>
+  </p:cSld>
+  <p:clrMapOvr>
+    <a:masterClrMapping/>
+  </p:clrMapOvr>
+</p:notes>
+</file>
+
+<file path=ppt/notesSlides/notesSlide8.xml><?xml version="1.0" encoding="utf-8"?>
+<p:notes xmlns:a="http://schemas.openxmlformats.org/drawingml/2006/main" xmlns:r="http://schemas.openxmlformats.org/officeDocument/2006/relationships" xmlns:p="http://schemas.openxmlformats.org/presentationml/2006/main" showMasterSp="0" showMasterPhAnim="0">
+  <p:cSld>
+    <p:spTree>
+      <p:nvGrpSpPr>
+        <p:cNvPr id="1" name="Shape 112"/>
+        <p:cNvGrpSpPr/>
+        <p:nvPr/>
+      </p:nvGrpSpPr>
+      <p:grpSpPr>
+        <a:xfrm>
+          <a:off x="0" y="0"/>
+          <a:ext cx="0" cy="0"/>
+          <a:chOff x="0" y="0"/>
+          <a:chExt cx="0" cy="0"/>
+        </a:xfrm>
+      </p:grpSpPr>
+      <p:sp>
+        <p:nvSpPr>
+          <p:cNvPr id="113" name="Google Shape;113;p10:notes"/>
+          <p:cNvSpPr>
+            <a:spLocks noGrp="1" noRot="1" noChangeAspect="1"/>
+          </p:cNvSpPr>
+          <p:nvPr>
+            <p:ph type="sldImg" idx="2"/>
+          </p:nvPr>
+        </p:nvSpPr>
+        <p:spPr>
+          <a:xfrm>
+            <a:off x="381000" y="685800"/>
+            <a:ext cx="6096000" cy="3429000"/>
+          </a:xfrm>
+          <a:custGeom>
+            <a:avLst/>
+            <a:gdLst/>
+            <a:ahLst/>
+            <a:cxnLst/>
+            <a:rect l="l" t="t" r="r" b="b"/>
+            <a:pathLst>
+              <a:path w="120000" h="120000" extrusionOk="0">
+                <a:moveTo>
+                  <a:pt x="0" y="0"/>
+                </a:moveTo>
+                <a:lnTo>
+                  <a:pt x="120000" y="0"/>
+                </a:lnTo>
+                <a:lnTo>
+                  <a:pt x="120000" y="120000"/>
+                </a:lnTo>
+                <a:lnTo>
+                  <a:pt x="0" y="120000"/>
+                </a:lnTo>
+                <a:close/>
+              </a:path>
+            </a:pathLst>
+          </a:custGeom>
+          <a:noFill/>
+          <a:ln w="9525" cap="flat" cmpd="sng">
+            <a:solidFill>
+              <a:srgbClr val="000000"/>
+            </a:solidFill>
+            <a:prstDash val="solid"/>
+            <a:round/>
+            <a:headEnd type="none" w="sm" len="sm"/>
+            <a:tailEnd type="none" w="sm" len="sm"/>
+          </a:ln>
+        </p:spPr>
+      </p:sp>
+      <p:sp>
+        <p:nvSpPr>
+          <p:cNvPr id="114" name="Google Shape;114;p10:notes"/>
+          <p:cNvSpPr txBox="1">
+            <a:spLocks noGrp="1"/>
+          </p:cNvSpPr>
+          <p:nvPr>
+            <p:ph type="body" idx="1"/>
+          </p:nvPr>
+        </p:nvSpPr>
+        <p:spPr>
+          <a:xfrm>
+            <a:off x="685800" y="4343400"/>
+            <a:ext cx="5486400" cy="4114800"/>
+          </a:xfrm>
+          <a:prstGeom prst="rect">
+            <a:avLst/>
+          </a:prstGeom>
+          <a:noFill/>
+          <a:ln>
+            <a:noFill/>
+          </a:ln>
+        </p:spPr>
+        <p:txBody>
+          <a:bodyPr spcFirstLastPara="1" wrap="square" lIns="91425" tIns="91425" rIns="91425" bIns="91425" anchor="t" anchorCtr="0">
+            <a:noAutofit/>
+          </a:bodyPr>
+          <a:lstStyle/>
+          <a:p>
+            <a:pPr marL="0" lvl="0" indent="0" algn="l" rtl="0">
+              <a:lnSpc>
+                <a:spcPct val="100000"/>
+              </a:lnSpc>
+              <a:spcBef>
+                <a:spcPts val="0"/>
+              </a:spcBef>
+              <a:spcAft>
+                <a:spcPts val="0"/>
+              </a:spcAft>
+              <a:buSzPts val="1100"/>
+              <a:buNone/>
+            </a:pPr>
+            <a:endParaRPr/>
+          </a:p>
+        </p:txBody>
+      </p:sp>
+    </p:spTree>
+  </p:cSld>
+  <p:clrMapOvr>
+    <a:masterClrMapping/>
+  </p:clrMapOvr>
+</p:notes>
+</file>
+
+<file path=ppt/notesSlides/notesSlide9.xml><?xml version="1.0" encoding="utf-8"?>
+<p:notes xmlns:a="http://schemas.openxmlformats.org/drawingml/2006/main" xmlns:r="http://schemas.openxmlformats.org/officeDocument/2006/relationships" xmlns:p="http://schemas.openxmlformats.org/presentationml/2006/main" showMasterSp="0" showMasterPhAnim="0">
+  <p:cSld>
+    <p:spTree>
+      <p:nvGrpSpPr>
+        <p:cNvPr id="1" name="Shape 123"/>
+        <p:cNvGrpSpPr/>
+        <p:nvPr/>
+      </p:nvGrpSpPr>
+      <p:grpSpPr>
+        <a:xfrm>
+          <a:off x="0" y="0"/>
+          <a:ext cx="0" cy="0"/>
+          <a:chOff x="0" y="0"/>
+          <a:chExt cx="0" cy="0"/>
+        </a:xfrm>
+      </p:grpSpPr>
+      <p:sp>
+        <p:nvSpPr>
+          <p:cNvPr id="124" name="Google Shape;124;p11:notes"/>
+          <p:cNvSpPr txBox="1">
+            <a:spLocks noGrp="1"/>
+          </p:cNvSpPr>
+          <p:nvPr>
+            <p:ph type="body" idx="1"/>
           </p:nvPr>
         </p:nvSpPr>
         <p:spPr>
@@ -1874,12 +2053,12 @@
           </a:prstGeom>
         </p:spPr>
         <p:txBody>
-          <a:bodyPr anchorCtr="0" anchor="t" bIns="91425" lIns="91425" spcFirstLastPara="1" rIns="91425" wrap="square" tIns="91425">
+          <a:bodyPr spcFirstLastPara="1" wrap="square" lIns="91425" tIns="91425" rIns="91425" bIns="91425" anchor="t" anchorCtr="0">
             <a:noAutofit/>
           </a:bodyPr>
           <a:lstStyle/>
           <a:p>
-            <a:pPr indent="0" lvl="0" marL="0" rtl="0" algn="l">
+            <a:pPr marL="0" lvl="0" indent="0" algn="l" rtl="0">
               <a:spcBef>
                 <a:spcPts val="0"/>
               </a:spcBef>
@@ -1888,19 +2067,18 @@
               </a:spcAft>
               <a:buNone/>
             </a:pPr>
-            <a:r>
-              <a:t/>
-            </a:r>
             <a:endParaRPr/>
           </a:p>
         </p:txBody>
       </p:sp>
       <p:sp>
         <p:nvSpPr>
-          <p:cNvPr id="102" name="Google Shape;102;p8:notes"/>
-          <p:cNvSpPr/>
+          <p:cNvPr id="125" name="Google Shape;125;p11:notes"/>
+          <p:cNvSpPr>
+            <a:spLocks noGrp="1" noRot="1" noChangeAspect="1"/>
+          </p:cNvSpPr>
           <p:nvPr>
-            <p:ph idx="2" type="sldImg"/>
+            <p:ph type="sldImg" idx="2"/>
           </p:nvPr>
         </p:nvSpPr>
         <p:spPr>
@@ -1909,9 +2087,13 @@
             <a:ext cx="6096075" cy="3429000"/>
           </a:xfrm>
           <a:custGeom>
-            <a:rect b="b" l="l" r="r" t="t"/>
+            <a:avLst/>
+            <a:gdLst/>
+            <a:ahLst/>
+            <a:cxnLst/>
+            <a:rect l="l" t="t" r="r" b="b"/>
             <a:pathLst>
-              <a:path extrusionOk="0" h="120000" w="120000">
+              <a:path w="120000" h="120000" extrusionOk="0">
                 <a:moveTo>
                   <a:pt x="0" y="0"/>
                 </a:moveTo>
@@ -1938,246 +2120,12 @@
 </p:notes>
 </file>
 
-<file path=ppt/notesSlides/notesSlide8.xml><?xml version="1.0" encoding="utf-8"?>
-<p:notes xmlns:a="http://schemas.openxmlformats.org/drawingml/2006/main" xmlns:r="http://schemas.openxmlformats.org/officeDocument/2006/relationships" xmlns:mc="http://schemas.openxmlformats.org/markup-compatibility/2006" xmlns:mv="urn:schemas-microsoft-com:mac:vml" xmlns:p="http://schemas.openxmlformats.org/presentationml/2006/main" xmlns:c="http://schemas.openxmlformats.org/drawingml/2006/chart" xmlns:dgm="http://schemas.openxmlformats.org/drawingml/2006/diagram" xmlns:o="urn:schemas-microsoft-com:office:office" xmlns:v="urn:schemas-microsoft-com:vml" xmlns:pvml="urn:schemas-microsoft-com:office:powerpoint" xmlns:com="http://schemas.openxmlformats.org/drawingml/2006/compatibility" xmlns:p14="http://schemas.microsoft.com/office/powerpoint/2010/main" xmlns:p15="http://schemas.microsoft.com/office/powerpoint/2012/main" xmlns:ahyp="http://schemas.microsoft.com/office/drawing/2018/hyperlinkcolor" showMasterPhAnim="0" showMasterSp="0">
-  <p:cSld>
-    <p:spTree>
-      <p:nvGrpSpPr>
-        <p:cNvPr id="105" name="Shape 105"/>
-        <p:cNvGrpSpPr/>
-        <p:nvPr/>
-      </p:nvGrpSpPr>
-      <p:grpSpPr>
-        <a:xfrm>
-          <a:off x="0" y="0"/>
-          <a:ext cx="0" cy="0"/>
-          <a:chOff x="0" y="0"/>
-          <a:chExt cx="0" cy="0"/>
-        </a:xfrm>
-      </p:grpSpPr>
-      <p:sp>
-        <p:nvSpPr>
-          <p:cNvPr id="106" name="Google Shape;106;p9:notes"/>
-          <p:cNvSpPr/>
-          <p:nvPr>
-            <p:ph idx="2" type="sldImg"/>
-          </p:nvPr>
-        </p:nvSpPr>
-        <p:spPr>
-          <a:xfrm>
-            <a:off x="381000" y="685800"/>
-            <a:ext cx="6096000" cy="3429000"/>
-          </a:xfrm>
-          <a:custGeom>
-            <a:rect b="b" l="l" r="r" t="t"/>
-            <a:pathLst>
-              <a:path extrusionOk="0" h="120000" w="120000">
-                <a:moveTo>
-                  <a:pt x="0" y="0"/>
-                </a:moveTo>
-                <a:lnTo>
-                  <a:pt x="120000" y="0"/>
-                </a:lnTo>
-                <a:lnTo>
-                  <a:pt x="120000" y="120000"/>
-                </a:lnTo>
-                <a:lnTo>
-                  <a:pt x="0" y="120000"/>
-                </a:lnTo>
-                <a:close/>
-              </a:path>
-            </a:pathLst>
-          </a:custGeom>
-          <a:noFill/>
-          <a:ln cap="flat" cmpd="sng" w="9525">
-            <a:solidFill>
-              <a:srgbClr val="000000"/>
-            </a:solidFill>
-            <a:prstDash val="solid"/>
-            <a:round/>
-            <a:headEnd len="sm" w="sm" type="none"/>
-            <a:tailEnd len="sm" w="sm" type="none"/>
-          </a:ln>
-        </p:spPr>
-      </p:sp>
-      <p:sp>
-        <p:nvSpPr>
-          <p:cNvPr id="107" name="Google Shape;107;p9:notes"/>
-          <p:cNvSpPr txBox="1"/>
-          <p:nvPr>
-            <p:ph idx="1" type="body"/>
-          </p:nvPr>
-        </p:nvSpPr>
-        <p:spPr>
-          <a:xfrm>
-            <a:off x="685800" y="4343400"/>
-            <a:ext cx="5486400" cy="4114800"/>
-          </a:xfrm>
-          <a:prstGeom prst="rect">
-            <a:avLst/>
-          </a:prstGeom>
-          <a:noFill/>
-          <a:ln>
-            <a:noFill/>
-          </a:ln>
-        </p:spPr>
-        <p:txBody>
-          <a:bodyPr anchorCtr="0" anchor="t" bIns="91425" lIns="91425" spcFirstLastPara="1" rIns="91425" wrap="square" tIns="91425">
-            <a:noAutofit/>
-          </a:bodyPr>
-          <a:lstStyle/>
-          <a:p>
-            <a:pPr indent="0" lvl="0" marL="0" rtl="0" algn="l">
-              <a:lnSpc>
-                <a:spcPct val="100000"/>
-              </a:lnSpc>
-              <a:spcBef>
-                <a:spcPts val="0"/>
-              </a:spcBef>
-              <a:spcAft>
-                <a:spcPts val="0"/>
-              </a:spcAft>
-              <a:buSzPts val="1100"/>
-              <a:buNone/>
-            </a:pPr>
-            <a:r>
-              <a:t/>
-            </a:r>
-            <a:endParaRPr/>
-          </a:p>
-        </p:txBody>
-      </p:sp>
-    </p:spTree>
-  </p:cSld>
-  <p:clrMapOvr>
-    <a:masterClrMapping/>
-  </p:clrMapOvr>
-</p:notes>
-</file>
-
-<file path=ppt/notesSlides/notesSlide9.xml><?xml version="1.0" encoding="utf-8"?>
-<p:notes xmlns:a="http://schemas.openxmlformats.org/drawingml/2006/main" xmlns:r="http://schemas.openxmlformats.org/officeDocument/2006/relationships" xmlns:mc="http://schemas.openxmlformats.org/markup-compatibility/2006" xmlns:mv="urn:schemas-microsoft-com:mac:vml" xmlns:p="http://schemas.openxmlformats.org/presentationml/2006/main" xmlns:c="http://schemas.openxmlformats.org/drawingml/2006/chart" xmlns:dgm="http://schemas.openxmlformats.org/drawingml/2006/diagram" xmlns:o="urn:schemas-microsoft-com:office:office" xmlns:v="urn:schemas-microsoft-com:vml" xmlns:pvml="urn:schemas-microsoft-com:office:powerpoint" xmlns:com="http://schemas.openxmlformats.org/drawingml/2006/compatibility" xmlns:p14="http://schemas.microsoft.com/office/powerpoint/2010/main" xmlns:p15="http://schemas.microsoft.com/office/powerpoint/2012/main" xmlns:ahyp="http://schemas.microsoft.com/office/drawing/2018/hyperlinkcolor" showMasterPhAnim="0" showMasterSp="0">
-  <p:cSld>
-    <p:spTree>
-      <p:nvGrpSpPr>
-        <p:cNvPr id="112" name="Shape 112"/>
-        <p:cNvGrpSpPr/>
-        <p:nvPr/>
-      </p:nvGrpSpPr>
-      <p:grpSpPr>
-        <a:xfrm>
-          <a:off x="0" y="0"/>
-          <a:ext cx="0" cy="0"/>
-          <a:chOff x="0" y="0"/>
-          <a:chExt cx="0" cy="0"/>
-        </a:xfrm>
-      </p:grpSpPr>
-      <p:sp>
-        <p:nvSpPr>
-          <p:cNvPr id="113" name="Google Shape;113;p10:notes"/>
-          <p:cNvSpPr/>
-          <p:nvPr>
-            <p:ph idx="2" type="sldImg"/>
-          </p:nvPr>
-        </p:nvSpPr>
-        <p:spPr>
-          <a:xfrm>
-            <a:off x="381000" y="685800"/>
-            <a:ext cx="6096000" cy="3429000"/>
-          </a:xfrm>
-          <a:custGeom>
-            <a:rect b="b" l="l" r="r" t="t"/>
-            <a:pathLst>
-              <a:path extrusionOk="0" h="120000" w="120000">
-                <a:moveTo>
-                  <a:pt x="0" y="0"/>
-                </a:moveTo>
-                <a:lnTo>
-                  <a:pt x="120000" y="0"/>
-                </a:lnTo>
-                <a:lnTo>
-                  <a:pt x="120000" y="120000"/>
-                </a:lnTo>
-                <a:lnTo>
-                  <a:pt x="0" y="120000"/>
-                </a:lnTo>
-                <a:close/>
-              </a:path>
-            </a:pathLst>
-          </a:custGeom>
-          <a:noFill/>
-          <a:ln cap="flat" cmpd="sng" w="9525">
-            <a:solidFill>
-              <a:srgbClr val="000000"/>
-            </a:solidFill>
-            <a:prstDash val="solid"/>
-            <a:round/>
-            <a:headEnd len="sm" w="sm" type="none"/>
-            <a:tailEnd len="sm" w="sm" type="none"/>
-          </a:ln>
-        </p:spPr>
-      </p:sp>
-      <p:sp>
-        <p:nvSpPr>
-          <p:cNvPr id="114" name="Google Shape;114;p10:notes"/>
-          <p:cNvSpPr txBox="1"/>
-          <p:nvPr>
-            <p:ph idx="1" type="body"/>
-          </p:nvPr>
-        </p:nvSpPr>
-        <p:spPr>
-          <a:xfrm>
-            <a:off x="685800" y="4343400"/>
-            <a:ext cx="5486400" cy="4114800"/>
-          </a:xfrm>
-          <a:prstGeom prst="rect">
-            <a:avLst/>
-          </a:prstGeom>
-          <a:noFill/>
-          <a:ln>
-            <a:noFill/>
-          </a:ln>
-        </p:spPr>
-        <p:txBody>
-          <a:bodyPr anchorCtr="0" anchor="t" bIns="91425" lIns="91425" spcFirstLastPara="1" rIns="91425" wrap="square" tIns="91425">
-            <a:noAutofit/>
-          </a:bodyPr>
-          <a:lstStyle/>
-          <a:p>
-            <a:pPr indent="0" lvl="0" marL="0" rtl="0" algn="l">
-              <a:lnSpc>
-                <a:spcPct val="100000"/>
-              </a:lnSpc>
-              <a:spcBef>
-                <a:spcPts val="0"/>
-              </a:spcBef>
-              <a:spcAft>
-                <a:spcPts val="0"/>
-              </a:spcAft>
-              <a:buSzPts val="1100"/>
-              <a:buNone/>
-            </a:pPr>
-            <a:r>
-              <a:t/>
-            </a:r>
-            <a:endParaRPr/>
-          </a:p>
-        </p:txBody>
-      </p:sp>
-    </p:spTree>
-  </p:cSld>
-  <p:clrMapOvr>
-    <a:masterClrMapping/>
-  </p:clrMapOvr>
-</p:notes>
-</file>
-
 <file path=ppt/slideLayouts/slideLayout1.xml><?xml version="1.0" encoding="utf-8"?>
-<p:sldLayout xmlns:a="http://schemas.openxmlformats.org/drawingml/2006/main" xmlns:r="http://schemas.openxmlformats.org/officeDocument/2006/relationships" xmlns:mc="http://schemas.openxmlformats.org/markup-compatibility/2006" xmlns:mv="urn:schemas-microsoft-com:mac:vml" xmlns:p="http://schemas.openxmlformats.org/presentationml/2006/main" xmlns:c="http://schemas.openxmlformats.org/drawingml/2006/chart" xmlns:dgm="http://schemas.openxmlformats.org/drawingml/2006/diagram" xmlns:o="urn:schemas-microsoft-com:office:office" xmlns:v="urn:schemas-microsoft-com:vml" xmlns:pvml="urn:schemas-microsoft-com:office:powerpoint" xmlns:com="http://schemas.openxmlformats.org/drawingml/2006/compatibility" xmlns:p14="http://schemas.microsoft.com/office/powerpoint/2010/main" xmlns:p15="http://schemas.microsoft.com/office/powerpoint/2012/main" xmlns:ahyp="http://schemas.microsoft.com/office/drawing/2018/hyperlinkcolor" matchingName="Title only" type="titleOnly">
+<p:sldLayout xmlns:a="http://schemas.openxmlformats.org/drawingml/2006/main" xmlns:r="http://schemas.openxmlformats.org/officeDocument/2006/relationships" xmlns:p="http://schemas.openxmlformats.org/presentationml/2006/main" matchingName="Title only" type="titleOnly">
   <p:cSld name="TITLE_ONLY">
     <p:spTree>
       <p:nvGrpSpPr>
-        <p:cNvPr id="8" name="Shape 8"/>
+        <p:cNvPr id="1" name="Shape 8"/>
         <p:cNvGrpSpPr/>
         <p:nvPr/>
       </p:nvGrpSpPr>
@@ -2192,7 +2140,9 @@
       <p:sp>
         <p:nvSpPr>
           <p:cNvPr id="9" name="Google Shape;9;p15"/>
-          <p:cNvSpPr txBox="1"/>
+          <p:cNvSpPr txBox="1">
+            <a:spLocks noGrp="1"/>
+          </p:cNvSpPr>
           <p:nvPr>
             <p:ph type="title"/>
           </p:nvPr>
@@ -2211,7 +2161,7 @@
           </a:ln>
         </p:spPr>
         <p:txBody>
-          <a:bodyPr anchorCtr="0" anchor="t" bIns="91425" lIns="91425" spcFirstLastPara="1" rIns="91425" wrap="square" tIns="91425">
+          <a:bodyPr spcFirstLastPara="1" wrap="square" lIns="91425" tIns="91425" rIns="91425" bIns="91425" anchor="t" anchorCtr="0">
             <a:noAutofit/>
           </a:bodyPr>
           <a:lstStyle>
@@ -2342,7 +2292,9 @@
               <a:defRPr/>
             </a:lvl9pPr>
           </a:lstStyle>
-          <a:p/>
+          <a:p>
+            <a:endParaRPr/>
+          </a:p>
         </p:txBody>
       </p:sp>
       <p:sp>
@@ -2360,23 +2312,23 @@
             <a:avLst/>
           </a:prstGeom>
           <a:noFill/>
-          <a:ln cap="flat" cmpd="sng" w="28575">
+          <a:ln w="28575" cap="flat" cmpd="sng">
             <a:solidFill>
               <a:schemeClr val="dk1"/>
             </a:solidFill>
             <a:prstDash val="solid"/>
             <a:round/>
-            <a:headEnd len="sm" w="sm" type="none"/>
-            <a:tailEnd len="sm" w="sm" type="none"/>
+            <a:headEnd type="none" w="sm" len="sm"/>
+            <a:tailEnd type="none" w="sm" len="sm"/>
           </a:ln>
         </p:spPr>
         <p:txBody>
-          <a:bodyPr anchorCtr="0" anchor="ctr" bIns="91425" lIns="91425" spcFirstLastPara="1" rIns="91425" wrap="square" tIns="91425">
+          <a:bodyPr spcFirstLastPara="1" wrap="square" lIns="91425" tIns="91425" rIns="91425" bIns="91425" anchor="ctr" anchorCtr="0">
             <a:noAutofit/>
           </a:bodyPr>
           <a:lstStyle/>
           <a:p>
-            <a:pPr indent="0" lvl="0" marL="0" marR="0" rtl="0" algn="l">
+            <a:pPr marL="0" marR="0" lvl="0" indent="0" algn="l" rtl="0">
               <a:lnSpc>
                 <a:spcPct val="100000"/>
               </a:lnSpc>
@@ -2393,10 +2345,7 @@
               <a:buFont typeface="Arial"/>
               <a:buNone/>
             </a:pPr>
-            <a:r>
-              <a:t/>
-            </a:r>
-            <a:endParaRPr b="0" i="0" sz="1400" u="none" cap="none" strike="noStrike">
+            <a:endParaRPr sz="1400" b="0" i="0" u="none" strike="noStrike" cap="none">
               <a:solidFill>
                 <a:srgbClr val="000000"/>
               </a:solidFill>
@@ -2417,11 +2366,11 @@
 </file>
 
 <file path=ppt/slideLayouts/slideLayout10.xml><?xml version="1.0" encoding="utf-8"?>
-<p:sldLayout xmlns:a="http://schemas.openxmlformats.org/drawingml/2006/main" xmlns:r="http://schemas.openxmlformats.org/officeDocument/2006/relationships" xmlns:mc="http://schemas.openxmlformats.org/markup-compatibility/2006" xmlns:mv="urn:schemas-microsoft-com:mac:vml" xmlns:p="http://schemas.openxmlformats.org/presentationml/2006/main" xmlns:c="http://schemas.openxmlformats.org/drawingml/2006/chart" xmlns:dgm="http://schemas.openxmlformats.org/drawingml/2006/diagram" xmlns:o="urn:schemas-microsoft-com:office:office" xmlns:v="urn:schemas-microsoft-com:vml" xmlns:pvml="urn:schemas-microsoft-com:office:powerpoint" xmlns:com="http://schemas.openxmlformats.org/drawingml/2006/compatibility" xmlns:p14="http://schemas.microsoft.com/office/powerpoint/2010/main" xmlns:p15="http://schemas.microsoft.com/office/powerpoint/2012/main" xmlns:ahyp="http://schemas.microsoft.com/office/drawing/2018/hyperlinkcolor" matchingName="Background">
+<p:sldLayout xmlns:a="http://schemas.openxmlformats.org/drawingml/2006/main" xmlns:r="http://schemas.openxmlformats.org/officeDocument/2006/relationships" xmlns:p="http://schemas.openxmlformats.org/presentationml/2006/main" matchingName="Background">
   <p:cSld name="CUSTOM_9">
     <p:spTree>
       <p:nvGrpSpPr>
-        <p:cNvPr id="44" name="Shape 44"/>
+        <p:cNvPr id="1" name="Shape 44"/>
         <p:cNvGrpSpPr/>
         <p:nvPr/>
       </p:nvGrpSpPr>
@@ -2442,11 +2391,11 @@
 </file>
 
 <file path=ppt/slideLayouts/slideLayout11.xml><?xml version="1.0" encoding="utf-8"?>
-<p:sldLayout xmlns:a="http://schemas.openxmlformats.org/drawingml/2006/main" xmlns:r="http://schemas.openxmlformats.org/officeDocument/2006/relationships" xmlns:mc="http://schemas.openxmlformats.org/markup-compatibility/2006" xmlns:mv="urn:schemas-microsoft-com:mac:vml" xmlns:p="http://schemas.openxmlformats.org/presentationml/2006/main" xmlns:c="http://schemas.openxmlformats.org/drawingml/2006/chart" xmlns:dgm="http://schemas.openxmlformats.org/drawingml/2006/diagram" xmlns:o="urn:schemas-microsoft-com:office:office" xmlns:v="urn:schemas-microsoft-com:vml" xmlns:pvml="urn:schemas-microsoft-com:office:powerpoint" xmlns:com="http://schemas.openxmlformats.org/drawingml/2006/compatibility" xmlns:p14="http://schemas.microsoft.com/office/powerpoint/2010/main" xmlns:p15="http://schemas.microsoft.com/office/powerpoint/2012/main" xmlns:ahyp="http://schemas.microsoft.com/office/drawing/2018/hyperlinkcolor" matchingName="Background 1">
+<p:sldLayout xmlns:a="http://schemas.openxmlformats.org/drawingml/2006/main" xmlns:r="http://schemas.openxmlformats.org/officeDocument/2006/relationships" xmlns:p="http://schemas.openxmlformats.org/presentationml/2006/main" matchingName="Background 1">
   <p:cSld name="CUSTOM_9_1">
     <p:spTree>
       <p:nvGrpSpPr>
-        <p:cNvPr id="45" name="Shape 45"/>
+        <p:cNvPr id="1" name="Shape 45"/>
         <p:cNvGrpSpPr/>
         <p:nvPr/>
       </p:nvGrpSpPr>
@@ -2473,23 +2422,23 @@
             <a:avLst/>
           </a:prstGeom>
           <a:noFill/>
-          <a:ln cap="flat" cmpd="sng" w="28575">
+          <a:ln w="28575" cap="flat" cmpd="sng">
             <a:solidFill>
               <a:schemeClr val="dk1"/>
             </a:solidFill>
             <a:prstDash val="solid"/>
             <a:round/>
-            <a:headEnd len="sm" w="sm" type="none"/>
-            <a:tailEnd len="sm" w="sm" type="none"/>
+            <a:headEnd type="none" w="sm" len="sm"/>
+            <a:tailEnd type="none" w="sm" len="sm"/>
           </a:ln>
         </p:spPr>
         <p:txBody>
-          <a:bodyPr anchorCtr="0" anchor="ctr" bIns="91425" lIns="91425" spcFirstLastPara="1" rIns="91425" wrap="square" tIns="91425">
+          <a:bodyPr spcFirstLastPara="1" wrap="square" lIns="91425" tIns="91425" rIns="91425" bIns="91425" anchor="ctr" anchorCtr="0">
             <a:noAutofit/>
           </a:bodyPr>
           <a:lstStyle/>
           <a:p>
-            <a:pPr indent="0" lvl="0" marL="0" marR="0" rtl="0" algn="l">
+            <a:pPr marL="0" marR="0" lvl="0" indent="0" algn="l" rtl="0">
               <a:lnSpc>
                 <a:spcPct val="100000"/>
               </a:lnSpc>
@@ -2506,10 +2455,7 @@
               <a:buFont typeface="Arial"/>
               <a:buNone/>
             </a:pPr>
-            <a:r>
-              <a:t/>
-            </a:r>
-            <a:endParaRPr b="0" i="0" sz="1400" u="none" cap="none" strike="noStrike">
+            <a:endParaRPr sz="1400" b="0" i="0" u="none" strike="noStrike" cap="none">
               <a:solidFill>
                 <a:srgbClr val="000000"/>
               </a:solidFill>
@@ -2530,11 +2476,11 @@
 </file>
 
 <file path=ppt/slideLayouts/slideLayout2.xml><?xml version="1.0" encoding="utf-8"?>
-<p:sldLayout xmlns:a="http://schemas.openxmlformats.org/drawingml/2006/main" xmlns:r="http://schemas.openxmlformats.org/officeDocument/2006/relationships" xmlns:mc="http://schemas.openxmlformats.org/markup-compatibility/2006" xmlns:mv="urn:schemas-microsoft-com:mac:vml" xmlns:p="http://schemas.openxmlformats.org/presentationml/2006/main" xmlns:c="http://schemas.openxmlformats.org/drawingml/2006/chart" xmlns:dgm="http://schemas.openxmlformats.org/drawingml/2006/diagram" xmlns:o="urn:schemas-microsoft-com:office:office" xmlns:v="urn:schemas-microsoft-com:vml" xmlns:pvml="urn:schemas-microsoft-com:office:powerpoint" xmlns:com="http://schemas.openxmlformats.org/drawingml/2006/compatibility" xmlns:p14="http://schemas.microsoft.com/office/powerpoint/2010/main" xmlns:p15="http://schemas.microsoft.com/office/powerpoint/2012/main" xmlns:ahyp="http://schemas.microsoft.com/office/drawing/2018/hyperlinkcolor" matchingName="Title slide" type="title">
+<p:sldLayout xmlns:a="http://schemas.openxmlformats.org/drawingml/2006/main" xmlns:r="http://schemas.openxmlformats.org/officeDocument/2006/relationships" xmlns:p="http://schemas.openxmlformats.org/presentationml/2006/main" matchingName="Title slide" type="title">
   <p:cSld name="TITLE">
     <p:spTree>
       <p:nvGrpSpPr>
-        <p:cNvPr id="11" name="Shape 11"/>
+        <p:cNvPr id="1" name="Shape 11"/>
         <p:cNvGrpSpPr/>
         <p:nvPr/>
       </p:nvGrpSpPr>
@@ -2549,7 +2495,9 @@
       <p:sp>
         <p:nvSpPr>
           <p:cNvPr id="12" name="Google Shape;12;p16"/>
-          <p:cNvSpPr txBox="1"/>
+          <p:cNvSpPr txBox="1">
+            <a:spLocks noGrp="1"/>
+          </p:cNvSpPr>
           <p:nvPr>
             <p:ph type="ctrTitle"/>
           </p:nvPr>
@@ -2568,7 +2516,7 @@
           </a:ln>
         </p:spPr>
         <p:txBody>
-          <a:bodyPr anchorCtr="0" anchor="b" bIns="91425" lIns="91425" spcFirstLastPara="1" rIns="91425" wrap="square" tIns="91425">
+          <a:bodyPr spcFirstLastPara="1" wrap="square" lIns="91425" tIns="91425" rIns="91425" bIns="91425" anchor="b" anchorCtr="0">
             <a:noAutofit/>
           </a:bodyPr>
           <a:lstStyle>
@@ -2758,15 +2706,19 @@
               </a:defRPr>
             </a:lvl9pPr>
           </a:lstStyle>
-          <a:p/>
+          <a:p>
+            <a:endParaRPr/>
+          </a:p>
         </p:txBody>
       </p:sp>
       <p:sp>
         <p:nvSpPr>
           <p:cNvPr id="13" name="Google Shape;13;p16"/>
-          <p:cNvSpPr txBox="1"/>
+          <p:cNvSpPr txBox="1">
+            <a:spLocks noGrp="1"/>
+          </p:cNvSpPr>
           <p:nvPr>
-            <p:ph idx="1" type="subTitle"/>
+            <p:ph type="subTitle" idx="1"/>
           </p:nvPr>
         </p:nvSpPr>
         <p:spPr>
@@ -2783,7 +2735,7 @@
           </a:ln>
         </p:spPr>
         <p:txBody>
-          <a:bodyPr anchorCtr="0" anchor="t" bIns="91425" lIns="91425" spcFirstLastPara="1" rIns="91425" wrap="square" tIns="91425">
+          <a:bodyPr spcFirstLastPara="1" wrap="square" lIns="91425" tIns="91425" rIns="91425" bIns="91425" anchor="t" anchorCtr="0">
             <a:noAutofit/>
           </a:bodyPr>
           <a:lstStyle>
@@ -2967,7 +2919,9 @@
               </a:defRPr>
             </a:lvl9pPr>
           </a:lstStyle>
-          <a:p/>
+          <a:p>
+            <a:endParaRPr/>
+          </a:p>
         </p:txBody>
       </p:sp>
       <p:sp>
@@ -2985,23 +2939,23 @@
             <a:avLst/>
           </a:prstGeom>
           <a:noFill/>
-          <a:ln cap="flat" cmpd="sng" w="28575">
+          <a:ln w="28575" cap="flat" cmpd="sng">
             <a:solidFill>
               <a:schemeClr val="dk1"/>
             </a:solidFill>
             <a:prstDash val="solid"/>
             <a:round/>
-            <a:headEnd len="sm" w="sm" type="none"/>
-            <a:tailEnd len="sm" w="sm" type="none"/>
+            <a:headEnd type="none" w="sm" len="sm"/>
+            <a:tailEnd type="none" w="sm" len="sm"/>
           </a:ln>
         </p:spPr>
         <p:txBody>
-          <a:bodyPr anchorCtr="0" anchor="ctr" bIns="91425" lIns="91425" spcFirstLastPara="1" rIns="91425" wrap="square" tIns="91425">
+          <a:bodyPr spcFirstLastPara="1" wrap="square" lIns="91425" tIns="91425" rIns="91425" bIns="91425" anchor="ctr" anchorCtr="0">
             <a:noAutofit/>
           </a:bodyPr>
           <a:lstStyle/>
           <a:p>
-            <a:pPr indent="0" lvl="0" marL="0" marR="0" rtl="0" algn="l">
+            <a:pPr marL="0" marR="0" lvl="0" indent="0" algn="l" rtl="0">
               <a:lnSpc>
                 <a:spcPct val="100000"/>
               </a:lnSpc>
@@ -3018,10 +2972,7 @@
               <a:buFont typeface="Arial"/>
               <a:buNone/>
             </a:pPr>
-            <a:r>
-              <a:t/>
-            </a:r>
-            <a:endParaRPr b="0" i="0" sz="1400" u="none" cap="none" strike="noStrike">
+            <a:endParaRPr sz="1400" b="0" i="0" u="none" strike="noStrike" cap="none">
               <a:solidFill>
                 <a:srgbClr val="000000"/>
               </a:solidFill>
@@ -3042,11 +2993,11 @@
 </file>
 
 <file path=ppt/slideLayouts/slideLayout3.xml><?xml version="1.0" encoding="utf-8"?>
-<p:sldLayout xmlns:a="http://schemas.openxmlformats.org/drawingml/2006/main" xmlns:r="http://schemas.openxmlformats.org/officeDocument/2006/relationships" xmlns:mc="http://schemas.openxmlformats.org/markup-compatibility/2006" xmlns:mv="urn:schemas-microsoft-com:mac:vml" xmlns:p="http://schemas.openxmlformats.org/presentationml/2006/main" xmlns:c="http://schemas.openxmlformats.org/drawingml/2006/chart" xmlns:dgm="http://schemas.openxmlformats.org/drawingml/2006/diagram" xmlns:o="urn:schemas-microsoft-com:office:office" xmlns:v="urn:schemas-microsoft-com:vml" xmlns:pvml="urn:schemas-microsoft-com:office:powerpoint" xmlns:com="http://schemas.openxmlformats.org/drawingml/2006/compatibility" xmlns:p14="http://schemas.microsoft.com/office/powerpoint/2010/main" xmlns:p15="http://schemas.microsoft.com/office/powerpoint/2012/main" xmlns:ahyp="http://schemas.microsoft.com/office/drawing/2018/hyperlinkcolor" matchingName="Section title and description">
+<p:sldLayout xmlns:a="http://schemas.openxmlformats.org/drawingml/2006/main" xmlns:r="http://schemas.openxmlformats.org/officeDocument/2006/relationships" xmlns:p="http://schemas.openxmlformats.org/presentationml/2006/main" matchingName="Section title and description">
   <p:cSld name="SECTION_TITLE_AND_DESCRIPTION">
     <p:spTree>
       <p:nvGrpSpPr>
-        <p:cNvPr id="15" name="Shape 15"/>
+        <p:cNvPr id="1" name="Shape 15"/>
         <p:cNvGrpSpPr/>
         <p:nvPr/>
       </p:nvGrpSpPr>
@@ -3061,7 +3012,9 @@
       <p:sp>
         <p:nvSpPr>
           <p:cNvPr id="16" name="Google Shape;16;p17"/>
-          <p:cNvSpPr txBox="1"/>
+          <p:cNvSpPr txBox="1">
+            <a:spLocks noGrp="1"/>
+          </p:cNvSpPr>
           <p:nvPr>
             <p:ph type="title"/>
           </p:nvPr>
@@ -3080,7 +3033,7 @@
           </a:ln>
         </p:spPr>
         <p:txBody>
-          <a:bodyPr anchorCtr="0" anchor="b" bIns="91425" lIns="91425" spcFirstLastPara="1" rIns="91425" wrap="square" tIns="91425">
+          <a:bodyPr spcFirstLastPara="1" wrap="square" lIns="91425" tIns="91425" rIns="91425" bIns="91425" anchor="b" anchorCtr="0">
             <a:noAutofit/>
           </a:bodyPr>
           <a:lstStyle>
@@ -3211,15 +3164,19 @@
               <a:defRPr/>
             </a:lvl9pPr>
           </a:lstStyle>
-          <a:p/>
+          <a:p>
+            <a:endParaRPr/>
+          </a:p>
         </p:txBody>
       </p:sp>
       <p:sp>
         <p:nvSpPr>
           <p:cNvPr id="17" name="Google Shape;17;p17"/>
-          <p:cNvSpPr txBox="1"/>
+          <p:cNvSpPr txBox="1">
+            <a:spLocks noGrp="1"/>
+          </p:cNvSpPr>
           <p:nvPr>
-            <p:ph idx="1" type="subTitle"/>
+            <p:ph type="subTitle" idx="1"/>
           </p:nvPr>
         </p:nvSpPr>
         <p:spPr>
@@ -3236,7 +3193,7 @@
           </a:ln>
         </p:spPr>
         <p:txBody>
-          <a:bodyPr anchorCtr="0" anchor="t" bIns="91425" lIns="91425" spcFirstLastPara="1" rIns="91425" wrap="square" tIns="91425">
+          <a:bodyPr spcFirstLastPara="1" wrap="square" lIns="91425" tIns="91425" rIns="91425" bIns="91425" anchor="t" anchorCtr="0">
             <a:noAutofit/>
           </a:bodyPr>
           <a:lstStyle>
@@ -3367,7 +3324,9 @@
               <a:defRPr/>
             </a:lvl9pPr>
           </a:lstStyle>
-          <a:p/>
+          <a:p>
+            <a:endParaRPr/>
+          </a:p>
         </p:txBody>
       </p:sp>
       <p:sp>
@@ -3385,23 +3344,23 @@
             <a:avLst/>
           </a:prstGeom>
           <a:noFill/>
-          <a:ln cap="flat" cmpd="sng" w="28575">
+          <a:ln w="28575" cap="flat" cmpd="sng">
             <a:solidFill>
               <a:schemeClr val="dk1"/>
             </a:solidFill>
             <a:prstDash val="solid"/>
             <a:round/>
-            <a:headEnd len="sm" w="sm" type="none"/>
-            <a:tailEnd len="sm" w="sm" type="none"/>
+            <a:headEnd type="none" w="sm" len="sm"/>
+            <a:tailEnd type="none" w="sm" len="sm"/>
           </a:ln>
         </p:spPr>
         <p:txBody>
-          <a:bodyPr anchorCtr="0" anchor="ctr" bIns="91425" lIns="91425" spcFirstLastPara="1" rIns="91425" wrap="square" tIns="91425">
+          <a:bodyPr spcFirstLastPara="1" wrap="square" lIns="91425" tIns="91425" rIns="91425" bIns="91425" anchor="ctr" anchorCtr="0">
             <a:noAutofit/>
           </a:bodyPr>
           <a:lstStyle/>
           <a:p>
-            <a:pPr indent="0" lvl="0" marL="0" marR="0" rtl="0" algn="l">
+            <a:pPr marL="0" marR="0" lvl="0" indent="0" algn="l" rtl="0">
               <a:lnSpc>
                 <a:spcPct val="100000"/>
               </a:lnSpc>
@@ -3418,10 +3377,7 @@
               <a:buFont typeface="Arial"/>
               <a:buNone/>
             </a:pPr>
-            <a:r>
-              <a:t/>
-            </a:r>
-            <a:endParaRPr b="0" i="0" sz="1400" u="none" cap="none" strike="noStrike">
+            <a:endParaRPr sz="1400" b="0" i="0" u="none" strike="noStrike" cap="none">
               <a:solidFill>
                 <a:srgbClr val="000000"/>
               </a:solidFill>
@@ -3442,11 +3398,11 @@
 </file>
 
 <file path=ppt/slideLayouts/slideLayout4.xml><?xml version="1.0" encoding="utf-8"?>
-<p:sldLayout xmlns:a="http://schemas.openxmlformats.org/drawingml/2006/main" xmlns:r="http://schemas.openxmlformats.org/officeDocument/2006/relationships" xmlns:mc="http://schemas.openxmlformats.org/markup-compatibility/2006" xmlns:mv="urn:schemas-microsoft-com:mac:vml" xmlns:p="http://schemas.openxmlformats.org/presentationml/2006/main" xmlns:c="http://schemas.openxmlformats.org/drawingml/2006/chart" xmlns:dgm="http://schemas.openxmlformats.org/drawingml/2006/diagram" xmlns:o="urn:schemas-microsoft-com:office:office" xmlns:v="urn:schemas-microsoft-com:vml" xmlns:pvml="urn:schemas-microsoft-com:office:powerpoint" xmlns:com="http://schemas.openxmlformats.org/drawingml/2006/compatibility" xmlns:p14="http://schemas.microsoft.com/office/powerpoint/2010/main" xmlns:p15="http://schemas.microsoft.com/office/powerpoint/2012/main" xmlns:ahyp="http://schemas.microsoft.com/office/drawing/2018/hyperlinkcolor" matchingName="Big number">
+<p:sldLayout xmlns:a="http://schemas.openxmlformats.org/drawingml/2006/main" xmlns:r="http://schemas.openxmlformats.org/officeDocument/2006/relationships" xmlns:p="http://schemas.openxmlformats.org/presentationml/2006/main" matchingName="Big number">
   <p:cSld name="BIG_NUMBER">
     <p:spTree>
       <p:nvGrpSpPr>
-        <p:cNvPr id="19" name="Shape 19"/>
+        <p:cNvPr id="1" name="Shape 19"/>
         <p:cNvGrpSpPr/>
         <p:nvPr/>
       </p:nvGrpSpPr>
@@ -3461,9 +3417,11 @@
       <p:sp>
         <p:nvSpPr>
           <p:cNvPr id="20" name="Google Shape;20;p18"/>
-          <p:cNvSpPr txBox="1"/>
+          <p:cNvSpPr txBox="1">
+            <a:spLocks noGrp="1"/>
+          </p:cNvSpPr>
           <p:nvPr>
-            <p:ph hasCustomPrompt="1" type="title"/>
+            <p:ph type="title" hasCustomPrompt="1"/>
           </p:nvPr>
         </p:nvSpPr>
         <p:spPr>
@@ -3480,7 +3438,7 @@
           </a:ln>
         </p:spPr>
         <p:txBody>
-          <a:bodyPr anchorCtr="0" anchor="b" bIns="91425" lIns="91425" spcFirstLastPara="1" rIns="91425" wrap="square" tIns="91425">
+          <a:bodyPr spcFirstLastPara="1" wrap="square" lIns="91425" tIns="91425" rIns="91425" bIns="91425" anchor="b" anchorCtr="0">
             <a:noAutofit/>
           </a:bodyPr>
           <a:lstStyle>
@@ -3621,9 +3579,11 @@
       <p:sp>
         <p:nvSpPr>
           <p:cNvPr id="21" name="Google Shape;21;p18"/>
-          <p:cNvSpPr txBox="1"/>
+          <p:cNvSpPr txBox="1">
+            <a:spLocks noGrp="1"/>
+          </p:cNvSpPr>
           <p:nvPr>
-            <p:ph idx="1" type="subTitle"/>
+            <p:ph type="subTitle" idx="1"/>
           </p:nvPr>
         </p:nvSpPr>
         <p:spPr>
@@ -3640,7 +3600,7 @@
           </a:ln>
         </p:spPr>
         <p:txBody>
-          <a:bodyPr anchorCtr="0" anchor="t" bIns="91425" lIns="91425" spcFirstLastPara="1" rIns="91425" wrap="square" tIns="91425">
+          <a:bodyPr spcFirstLastPara="1" wrap="square" lIns="91425" tIns="91425" rIns="91425" bIns="91425" anchor="t" anchorCtr="0">
             <a:noAutofit/>
           </a:bodyPr>
           <a:lstStyle>
@@ -3771,7 +3731,9 @@
               <a:defRPr sz="1600"/>
             </a:lvl9pPr>
           </a:lstStyle>
-          <a:p/>
+          <a:p>
+            <a:endParaRPr/>
+          </a:p>
         </p:txBody>
       </p:sp>
       <p:sp>
@@ -3789,23 +3751,23 @@
             <a:avLst/>
           </a:prstGeom>
           <a:noFill/>
-          <a:ln cap="flat" cmpd="sng" w="28575">
+          <a:ln w="28575" cap="flat" cmpd="sng">
             <a:solidFill>
               <a:schemeClr val="dk1"/>
             </a:solidFill>
             <a:prstDash val="solid"/>
             <a:round/>
-            <a:headEnd len="sm" w="sm" type="none"/>
-            <a:tailEnd len="sm" w="sm" type="none"/>
+            <a:headEnd type="none" w="sm" len="sm"/>
+            <a:tailEnd type="none" w="sm" len="sm"/>
           </a:ln>
         </p:spPr>
         <p:txBody>
-          <a:bodyPr anchorCtr="0" anchor="ctr" bIns="91425" lIns="91425" spcFirstLastPara="1" rIns="91425" wrap="square" tIns="91425">
+          <a:bodyPr spcFirstLastPara="1" wrap="square" lIns="91425" tIns="91425" rIns="91425" bIns="91425" anchor="ctr" anchorCtr="0">
             <a:noAutofit/>
           </a:bodyPr>
           <a:lstStyle/>
           <a:p>
-            <a:pPr indent="0" lvl="0" marL="0" marR="0" rtl="0" algn="l">
+            <a:pPr marL="0" marR="0" lvl="0" indent="0" algn="l" rtl="0">
               <a:lnSpc>
                 <a:spcPct val="100000"/>
               </a:lnSpc>
@@ -3822,10 +3784,7 @@
               <a:buFont typeface="Arial"/>
               <a:buNone/>
             </a:pPr>
-            <a:r>
-              <a:t/>
-            </a:r>
-            <a:endParaRPr b="0" i="0" sz="1400" u="none" cap="none" strike="noStrike">
+            <a:endParaRPr sz="1400" b="0" i="0" u="none" strike="noStrike" cap="none">
               <a:solidFill>
                 <a:srgbClr val="000000"/>
               </a:solidFill>
@@ -3846,11 +3805,11 @@
 </file>
 
 <file path=ppt/slideLayouts/slideLayout5.xml><?xml version="1.0" encoding="utf-8"?>
-<p:sldLayout xmlns:a="http://schemas.openxmlformats.org/drawingml/2006/main" xmlns:r="http://schemas.openxmlformats.org/officeDocument/2006/relationships" xmlns:mc="http://schemas.openxmlformats.org/markup-compatibility/2006" xmlns:mv="urn:schemas-microsoft-com:mac:vml" xmlns:p="http://schemas.openxmlformats.org/presentationml/2006/main" xmlns:c="http://schemas.openxmlformats.org/drawingml/2006/chart" xmlns:dgm="http://schemas.openxmlformats.org/drawingml/2006/diagram" xmlns:o="urn:schemas-microsoft-com:office:office" xmlns:v="urn:schemas-microsoft-com:vml" xmlns:pvml="urn:schemas-microsoft-com:office:powerpoint" xmlns:com="http://schemas.openxmlformats.org/drawingml/2006/compatibility" xmlns:p14="http://schemas.microsoft.com/office/powerpoint/2010/main" xmlns:p15="http://schemas.microsoft.com/office/powerpoint/2012/main" xmlns:ahyp="http://schemas.microsoft.com/office/drawing/2018/hyperlinkcolor" matchingName="Main point">
+<p:sldLayout xmlns:a="http://schemas.openxmlformats.org/drawingml/2006/main" xmlns:r="http://schemas.openxmlformats.org/officeDocument/2006/relationships" xmlns:p="http://schemas.openxmlformats.org/presentationml/2006/main" matchingName="Main point">
   <p:cSld name="MAIN_POINT">
     <p:spTree>
       <p:nvGrpSpPr>
-        <p:cNvPr id="23" name="Shape 23"/>
+        <p:cNvPr id="1" name="Shape 23"/>
         <p:cNvGrpSpPr/>
         <p:nvPr/>
       </p:nvGrpSpPr>
@@ -3865,7 +3824,9 @@
       <p:sp>
         <p:nvSpPr>
           <p:cNvPr id="24" name="Google Shape;24;p19"/>
-          <p:cNvSpPr txBox="1"/>
+          <p:cNvSpPr txBox="1">
+            <a:spLocks noGrp="1"/>
+          </p:cNvSpPr>
           <p:nvPr>
             <p:ph type="title"/>
           </p:nvPr>
@@ -3884,7 +3845,7 @@
           </a:ln>
         </p:spPr>
         <p:txBody>
-          <a:bodyPr anchorCtr="0" anchor="ctr" bIns="91425" lIns="91425" spcFirstLastPara="1" rIns="91425" wrap="square" tIns="91425">
+          <a:bodyPr spcFirstLastPara="1" wrap="square" lIns="91425" tIns="91425" rIns="91425" bIns="91425" anchor="ctr" anchorCtr="0">
             <a:noAutofit/>
           </a:bodyPr>
           <a:lstStyle>
@@ -4015,7 +3976,9 @@
               <a:defRPr sz="4800"/>
             </a:lvl9pPr>
           </a:lstStyle>
-          <a:p/>
+          <a:p>
+            <a:endParaRPr/>
+          </a:p>
         </p:txBody>
       </p:sp>
       <p:sp>
@@ -4033,23 +3996,23 @@
             <a:avLst/>
           </a:prstGeom>
           <a:noFill/>
-          <a:ln cap="flat" cmpd="sng" w="28575">
+          <a:ln w="28575" cap="flat" cmpd="sng">
             <a:solidFill>
               <a:schemeClr val="dk1"/>
             </a:solidFill>
             <a:prstDash val="solid"/>
             <a:round/>
-            <a:headEnd len="sm" w="sm" type="none"/>
-            <a:tailEnd len="sm" w="sm" type="none"/>
+            <a:headEnd type="none" w="sm" len="sm"/>
+            <a:tailEnd type="none" w="sm" len="sm"/>
           </a:ln>
         </p:spPr>
         <p:txBody>
-          <a:bodyPr anchorCtr="0" anchor="ctr" bIns="91425" lIns="91425" spcFirstLastPara="1" rIns="91425" wrap="square" tIns="91425">
+          <a:bodyPr spcFirstLastPara="1" wrap="square" lIns="91425" tIns="91425" rIns="91425" bIns="91425" anchor="ctr" anchorCtr="0">
             <a:noAutofit/>
           </a:bodyPr>
           <a:lstStyle/>
           <a:p>
-            <a:pPr indent="0" lvl="0" marL="0" marR="0" rtl="0" algn="l">
+            <a:pPr marL="0" marR="0" lvl="0" indent="0" algn="l" rtl="0">
               <a:lnSpc>
                 <a:spcPct val="100000"/>
               </a:lnSpc>
@@ -4066,10 +4029,7 @@
               <a:buFont typeface="Arial"/>
               <a:buNone/>
             </a:pPr>
-            <a:r>
-              <a:t/>
-            </a:r>
-            <a:endParaRPr b="0" i="0" sz="1400" u="none" cap="none" strike="noStrike">
+            <a:endParaRPr sz="1400" b="0" i="0" u="none" strike="noStrike" cap="none">
               <a:solidFill>
                 <a:srgbClr val="000000"/>
               </a:solidFill>
@@ -4090,11 +4050,11 @@
 </file>
 
 <file path=ppt/slideLayouts/slideLayout6.xml><?xml version="1.0" encoding="utf-8"?>
-<p:sldLayout xmlns:a="http://schemas.openxmlformats.org/drawingml/2006/main" xmlns:r="http://schemas.openxmlformats.org/officeDocument/2006/relationships" xmlns:mc="http://schemas.openxmlformats.org/markup-compatibility/2006" xmlns:mv="urn:schemas-microsoft-com:mac:vml" xmlns:p="http://schemas.openxmlformats.org/presentationml/2006/main" xmlns:c="http://schemas.openxmlformats.org/drawingml/2006/chart" xmlns:dgm="http://schemas.openxmlformats.org/drawingml/2006/diagram" xmlns:o="urn:schemas-microsoft-com:office:office" xmlns:v="urn:schemas-microsoft-com:vml" xmlns:pvml="urn:schemas-microsoft-com:office:powerpoint" xmlns:com="http://schemas.openxmlformats.org/drawingml/2006/compatibility" xmlns:p14="http://schemas.microsoft.com/office/powerpoint/2010/main" xmlns:p15="http://schemas.microsoft.com/office/powerpoint/2012/main" xmlns:ahyp="http://schemas.microsoft.com/office/drawing/2018/hyperlinkcolor" matchingName="Section header" type="secHead">
+<p:sldLayout xmlns:a="http://schemas.openxmlformats.org/drawingml/2006/main" xmlns:r="http://schemas.openxmlformats.org/officeDocument/2006/relationships" xmlns:p="http://schemas.openxmlformats.org/presentationml/2006/main" matchingName="Section header" type="secHead">
   <p:cSld name="SECTION_HEADER">
     <p:spTree>
       <p:nvGrpSpPr>
-        <p:cNvPr id="26" name="Shape 26"/>
+        <p:cNvPr id="1" name="Shape 26"/>
         <p:cNvGrpSpPr/>
         <p:nvPr/>
       </p:nvGrpSpPr>
@@ -4109,7 +4069,9 @@
       <p:sp>
         <p:nvSpPr>
           <p:cNvPr id="27" name="Google Shape;27;p20"/>
-          <p:cNvSpPr txBox="1"/>
+          <p:cNvSpPr txBox="1">
+            <a:spLocks noGrp="1"/>
+          </p:cNvSpPr>
           <p:nvPr>
             <p:ph type="title"/>
           </p:nvPr>
@@ -4128,7 +4090,7 @@
           </a:ln>
         </p:spPr>
         <p:txBody>
-          <a:bodyPr anchorCtr="0" anchor="ctr" bIns="91425" lIns="91425" spcFirstLastPara="1" rIns="91425" wrap="square" tIns="91425">
+          <a:bodyPr spcFirstLastPara="1" wrap="square" lIns="91425" tIns="91425" rIns="91425" bIns="91425" anchor="ctr" anchorCtr="0">
             <a:noAutofit/>
           </a:bodyPr>
           <a:lstStyle>
@@ -4259,15 +4221,19 @@
               <a:defRPr sz="3600"/>
             </a:lvl9pPr>
           </a:lstStyle>
-          <a:p/>
+          <a:p>
+            <a:endParaRPr/>
+          </a:p>
         </p:txBody>
       </p:sp>
       <p:sp>
         <p:nvSpPr>
           <p:cNvPr id="28" name="Google Shape;28;p20"/>
-          <p:cNvSpPr txBox="1"/>
+          <p:cNvSpPr txBox="1">
+            <a:spLocks noGrp="1"/>
+          </p:cNvSpPr>
           <p:nvPr>
-            <p:ph idx="2" type="title"/>
+            <p:ph type="title" idx="2"/>
           </p:nvPr>
         </p:nvSpPr>
         <p:spPr>
@@ -4286,7 +4252,7 @@
           </a:ln>
         </p:spPr>
         <p:txBody>
-          <a:bodyPr anchorCtr="0" anchor="ctr" bIns="91425" lIns="91425" spcFirstLastPara="1" rIns="91425" wrap="square" tIns="91425">
+          <a:bodyPr spcFirstLastPara="1" wrap="square" lIns="91425" tIns="91425" rIns="91425" bIns="91425" anchor="ctr" anchorCtr="0">
             <a:noAutofit/>
           </a:bodyPr>
           <a:lstStyle>
@@ -4476,15 +4442,19 @@
               </a:defRPr>
             </a:lvl9pPr>
           </a:lstStyle>
-          <a:p/>
+          <a:p>
+            <a:endParaRPr/>
+          </a:p>
         </p:txBody>
       </p:sp>
       <p:sp>
         <p:nvSpPr>
           <p:cNvPr id="29" name="Google Shape;29;p20"/>
-          <p:cNvSpPr txBox="1"/>
+          <p:cNvSpPr txBox="1">
+            <a:spLocks noGrp="1"/>
+          </p:cNvSpPr>
           <p:nvPr>
-            <p:ph idx="1" type="subTitle"/>
+            <p:ph type="subTitle" idx="1"/>
           </p:nvPr>
         </p:nvSpPr>
         <p:spPr>
@@ -4501,7 +4471,7 @@
           </a:ln>
         </p:spPr>
         <p:txBody>
-          <a:bodyPr anchorCtr="0" anchor="t" bIns="91425" lIns="91425" spcFirstLastPara="1" rIns="91425" wrap="square" tIns="91425">
+          <a:bodyPr spcFirstLastPara="1" wrap="square" lIns="91425" tIns="91425" rIns="91425" bIns="91425" anchor="t" anchorCtr="0">
             <a:noAutofit/>
           </a:bodyPr>
           <a:lstStyle>
@@ -4632,7 +4602,9 @@
               <a:defRPr/>
             </a:lvl9pPr>
           </a:lstStyle>
-          <a:p/>
+          <a:p>
+            <a:endParaRPr/>
+          </a:p>
         </p:txBody>
       </p:sp>
       <p:sp>
@@ -4650,23 +4622,23 @@
             <a:avLst/>
           </a:prstGeom>
           <a:noFill/>
-          <a:ln cap="flat" cmpd="sng" w="28575">
+          <a:ln w="28575" cap="flat" cmpd="sng">
             <a:solidFill>
               <a:schemeClr val="dk1"/>
             </a:solidFill>
             <a:prstDash val="solid"/>
             <a:round/>
-            <a:headEnd len="sm" w="sm" type="none"/>
-            <a:tailEnd len="sm" w="sm" type="none"/>
+            <a:headEnd type="none" w="sm" len="sm"/>
+            <a:tailEnd type="none" w="sm" len="sm"/>
           </a:ln>
         </p:spPr>
         <p:txBody>
-          <a:bodyPr anchorCtr="0" anchor="ctr" bIns="91425" lIns="91425" spcFirstLastPara="1" rIns="91425" wrap="square" tIns="91425">
+          <a:bodyPr spcFirstLastPara="1" wrap="square" lIns="91425" tIns="91425" rIns="91425" bIns="91425" anchor="ctr" anchorCtr="0">
             <a:noAutofit/>
           </a:bodyPr>
           <a:lstStyle/>
           <a:p>
-            <a:pPr indent="0" lvl="0" marL="0" marR="0" rtl="0" algn="l">
+            <a:pPr marL="0" marR="0" lvl="0" indent="0" algn="l" rtl="0">
               <a:lnSpc>
                 <a:spcPct val="100000"/>
               </a:lnSpc>
@@ -4683,10 +4655,7 @@
               <a:buFont typeface="Arial"/>
               <a:buNone/>
             </a:pPr>
-            <a:r>
-              <a:t/>
-            </a:r>
-            <a:endParaRPr b="0" i="0" sz="1400" u="none" cap="none" strike="noStrike">
+            <a:endParaRPr sz="1400" b="0" i="0" u="none" strike="noStrike" cap="none">
               <a:solidFill>
                 <a:srgbClr val="000000"/>
               </a:solidFill>
@@ -4707,11 +4676,11 @@
 </file>
 
 <file path=ppt/slideLayouts/slideLayout7.xml><?xml version="1.0" encoding="utf-8"?>
-<p:sldLayout xmlns:a="http://schemas.openxmlformats.org/drawingml/2006/main" xmlns:r="http://schemas.openxmlformats.org/officeDocument/2006/relationships" xmlns:mc="http://schemas.openxmlformats.org/markup-compatibility/2006" xmlns:mv="urn:schemas-microsoft-com:mac:vml" xmlns:p="http://schemas.openxmlformats.org/presentationml/2006/main" xmlns:c="http://schemas.openxmlformats.org/drawingml/2006/chart" xmlns:dgm="http://schemas.openxmlformats.org/drawingml/2006/diagram" xmlns:o="urn:schemas-microsoft-com:office:office" xmlns:v="urn:schemas-microsoft-com:vml" xmlns:pvml="urn:schemas-microsoft-com:office:powerpoint" xmlns:com="http://schemas.openxmlformats.org/drawingml/2006/compatibility" xmlns:p14="http://schemas.microsoft.com/office/powerpoint/2010/main" xmlns:p15="http://schemas.microsoft.com/office/powerpoint/2012/main" xmlns:ahyp="http://schemas.microsoft.com/office/drawing/2018/hyperlinkcolor" matchingName="Title and three columns">
+<p:sldLayout xmlns:a="http://schemas.openxmlformats.org/drawingml/2006/main" xmlns:r="http://schemas.openxmlformats.org/officeDocument/2006/relationships" xmlns:p="http://schemas.openxmlformats.org/presentationml/2006/main" matchingName="Title and three columns">
   <p:cSld name="CUSTOM_6">
     <p:spTree>
       <p:nvGrpSpPr>
-        <p:cNvPr id="31" name="Shape 31"/>
+        <p:cNvPr id="1" name="Shape 31"/>
         <p:cNvGrpSpPr/>
         <p:nvPr/>
       </p:nvGrpSpPr>
@@ -4726,7 +4695,9 @@
       <p:sp>
         <p:nvSpPr>
           <p:cNvPr id="32" name="Google Shape;32;p21"/>
-          <p:cNvSpPr txBox="1"/>
+          <p:cNvSpPr txBox="1">
+            <a:spLocks noGrp="1"/>
+          </p:cNvSpPr>
           <p:nvPr>
             <p:ph type="title"/>
           </p:nvPr>
@@ -4745,7 +4716,7 @@
           </a:ln>
         </p:spPr>
         <p:txBody>
-          <a:bodyPr anchorCtr="0" anchor="t" bIns="91425" lIns="91425" spcFirstLastPara="1" rIns="91425" wrap="square" tIns="91425">
+          <a:bodyPr spcFirstLastPara="1" wrap="square" lIns="91425" tIns="91425" rIns="91425" bIns="91425" anchor="t" anchorCtr="0">
             <a:noAutofit/>
           </a:bodyPr>
           <a:lstStyle>
@@ -4876,15 +4847,19 @@
               <a:defRPr/>
             </a:lvl9pPr>
           </a:lstStyle>
-          <a:p/>
+          <a:p>
+            <a:endParaRPr/>
+          </a:p>
         </p:txBody>
       </p:sp>
       <p:sp>
         <p:nvSpPr>
           <p:cNvPr id="33" name="Google Shape;33;p21"/>
-          <p:cNvSpPr txBox="1"/>
+          <p:cNvSpPr txBox="1">
+            <a:spLocks noGrp="1"/>
+          </p:cNvSpPr>
           <p:nvPr>
-            <p:ph idx="1" type="subTitle"/>
+            <p:ph type="subTitle" idx="1"/>
           </p:nvPr>
         </p:nvSpPr>
         <p:spPr>
@@ -4901,7 +4876,7 @@
           </a:ln>
         </p:spPr>
         <p:txBody>
-          <a:bodyPr anchorCtr="0" anchor="t" bIns="91425" lIns="91425" spcFirstLastPara="1" rIns="91425" wrap="square" tIns="91425">
+          <a:bodyPr spcFirstLastPara="1" wrap="square" lIns="91425" tIns="91425" rIns="91425" bIns="91425" anchor="t" anchorCtr="0">
             <a:noAutofit/>
           </a:bodyPr>
           <a:lstStyle>
@@ -5032,15 +5007,19 @@
               <a:defRPr/>
             </a:lvl9pPr>
           </a:lstStyle>
-          <a:p/>
+          <a:p>
+            <a:endParaRPr/>
+          </a:p>
         </p:txBody>
       </p:sp>
       <p:sp>
         <p:nvSpPr>
           <p:cNvPr id="34" name="Google Shape;34;p21"/>
-          <p:cNvSpPr txBox="1"/>
+          <p:cNvSpPr txBox="1">
+            <a:spLocks noGrp="1"/>
+          </p:cNvSpPr>
           <p:nvPr>
-            <p:ph idx="2" type="subTitle"/>
+            <p:ph type="subTitle" idx="2"/>
           </p:nvPr>
         </p:nvSpPr>
         <p:spPr>
@@ -5057,7 +5036,7 @@
           </a:ln>
         </p:spPr>
         <p:txBody>
-          <a:bodyPr anchorCtr="0" anchor="t" bIns="91425" lIns="91425" spcFirstLastPara="1" rIns="91425" wrap="square" tIns="91425">
+          <a:bodyPr spcFirstLastPara="1" wrap="square" lIns="91425" tIns="91425" rIns="91425" bIns="91425" anchor="t" anchorCtr="0">
             <a:noAutofit/>
           </a:bodyPr>
           <a:lstStyle>
@@ -5188,15 +5167,19 @@
               <a:defRPr/>
             </a:lvl9pPr>
           </a:lstStyle>
-          <a:p/>
+          <a:p>
+            <a:endParaRPr/>
+          </a:p>
         </p:txBody>
       </p:sp>
       <p:sp>
         <p:nvSpPr>
           <p:cNvPr id="35" name="Google Shape;35;p21"/>
-          <p:cNvSpPr txBox="1"/>
+          <p:cNvSpPr txBox="1">
+            <a:spLocks noGrp="1"/>
+          </p:cNvSpPr>
           <p:nvPr>
-            <p:ph idx="3" type="subTitle"/>
+            <p:ph type="subTitle" idx="3"/>
           </p:nvPr>
         </p:nvSpPr>
         <p:spPr>
@@ -5213,7 +5196,7 @@
           </a:ln>
         </p:spPr>
         <p:txBody>
-          <a:bodyPr anchorCtr="0" anchor="t" bIns="91425" lIns="91425" spcFirstLastPara="1" rIns="91425" wrap="square" tIns="91425">
+          <a:bodyPr spcFirstLastPara="1" wrap="square" lIns="91425" tIns="91425" rIns="91425" bIns="91425" anchor="t" anchorCtr="0">
             <a:noAutofit/>
           </a:bodyPr>
           <a:lstStyle>
@@ -5344,15 +5327,19 @@
               <a:defRPr/>
             </a:lvl9pPr>
           </a:lstStyle>
-          <a:p/>
+          <a:p>
+            <a:endParaRPr/>
+          </a:p>
         </p:txBody>
       </p:sp>
       <p:sp>
         <p:nvSpPr>
           <p:cNvPr id="36" name="Google Shape;36;p21"/>
-          <p:cNvSpPr txBox="1"/>
+          <p:cNvSpPr txBox="1">
+            <a:spLocks noGrp="1"/>
+          </p:cNvSpPr>
           <p:nvPr>
-            <p:ph idx="4" type="subTitle"/>
+            <p:ph type="subTitle" idx="4"/>
           </p:nvPr>
         </p:nvSpPr>
         <p:spPr>
@@ -5369,7 +5356,7 @@
           </a:ln>
         </p:spPr>
         <p:txBody>
-          <a:bodyPr anchorCtr="0" anchor="b" bIns="91425" lIns="91425" spcFirstLastPara="1" rIns="91425" wrap="square" tIns="91425">
+          <a:bodyPr spcFirstLastPara="1" wrap="square" lIns="91425" tIns="91425" rIns="91425" bIns="91425" anchor="b" anchorCtr="0">
             <a:noAutofit/>
           </a:bodyPr>
           <a:lstStyle>
@@ -5557,15 +5544,19 @@
               </a:defRPr>
             </a:lvl9pPr>
           </a:lstStyle>
-          <a:p/>
+          <a:p>
+            <a:endParaRPr/>
+          </a:p>
         </p:txBody>
       </p:sp>
       <p:sp>
         <p:nvSpPr>
           <p:cNvPr id="37" name="Google Shape;37;p21"/>
-          <p:cNvSpPr txBox="1"/>
+          <p:cNvSpPr txBox="1">
+            <a:spLocks noGrp="1"/>
+          </p:cNvSpPr>
           <p:nvPr>
-            <p:ph idx="5" type="subTitle"/>
+            <p:ph type="subTitle" idx="5"/>
           </p:nvPr>
         </p:nvSpPr>
         <p:spPr>
@@ -5582,7 +5573,7 @@
           </a:ln>
         </p:spPr>
         <p:txBody>
-          <a:bodyPr anchorCtr="0" anchor="b" bIns="91425" lIns="91425" spcFirstLastPara="1" rIns="91425" wrap="square" tIns="91425">
+          <a:bodyPr spcFirstLastPara="1" wrap="square" lIns="91425" tIns="91425" rIns="91425" bIns="91425" anchor="b" anchorCtr="0">
             <a:noAutofit/>
           </a:bodyPr>
           <a:lstStyle>
@@ -5770,15 +5761,19 @@
               </a:defRPr>
             </a:lvl9pPr>
           </a:lstStyle>
-          <a:p/>
+          <a:p>
+            <a:endParaRPr/>
+          </a:p>
         </p:txBody>
       </p:sp>
       <p:sp>
         <p:nvSpPr>
           <p:cNvPr id="38" name="Google Shape;38;p21"/>
-          <p:cNvSpPr txBox="1"/>
+          <p:cNvSpPr txBox="1">
+            <a:spLocks noGrp="1"/>
+          </p:cNvSpPr>
           <p:nvPr>
-            <p:ph idx="6" type="subTitle"/>
+            <p:ph type="subTitle" idx="6"/>
           </p:nvPr>
         </p:nvSpPr>
         <p:spPr>
@@ -5795,7 +5790,7 @@
           </a:ln>
         </p:spPr>
         <p:txBody>
-          <a:bodyPr anchorCtr="0" anchor="b" bIns="91425" lIns="91425" spcFirstLastPara="1" rIns="91425" wrap="square" tIns="91425">
+          <a:bodyPr spcFirstLastPara="1" wrap="square" lIns="91425" tIns="91425" rIns="91425" bIns="91425" anchor="b" anchorCtr="0">
             <a:noAutofit/>
           </a:bodyPr>
           <a:lstStyle>
@@ -5983,7 +5978,9 @@
               </a:defRPr>
             </a:lvl9pPr>
           </a:lstStyle>
-          <a:p/>
+          <a:p>
+            <a:endParaRPr/>
+          </a:p>
         </p:txBody>
       </p:sp>
       <p:sp>
@@ -6001,23 +5998,23 @@
             <a:avLst/>
           </a:prstGeom>
           <a:noFill/>
-          <a:ln cap="flat" cmpd="sng" w="28575">
+          <a:ln w="28575" cap="flat" cmpd="sng">
             <a:solidFill>
               <a:schemeClr val="dk1"/>
             </a:solidFill>
             <a:prstDash val="solid"/>
             <a:round/>
-            <a:headEnd len="sm" w="sm" type="none"/>
-            <a:tailEnd len="sm" w="sm" type="none"/>
+            <a:headEnd type="none" w="sm" len="sm"/>
+            <a:tailEnd type="none" w="sm" len="sm"/>
           </a:ln>
         </p:spPr>
         <p:txBody>
-          <a:bodyPr anchorCtr="0" anchor="ctr" bIns="91425" lIns="91425" spcFirstLastPara="1" rIns="91425" wrap="square" tIns="91425">
+          <a:bodyPr spcFirstLastPara="1" wrap="square" lIns="91425" tIns="91425" rIns="91425" bIns="91425" anchor="ctr" anchorCtr="0">
             <a:noAutofit/>
           </a:bodyPr>
           <a:lstStyle/>
           <a:p>
-            <a:pPr indent="0" lvl="0" marL="0" marR="0" rtl="0" algn="l">
+            <a:pPr marL="0" marR="0" lvl="0" indent="0" algn="l" rtl="0">
               <a:lnSpc>
                 <a:spcPct val="100000"/>
               </a:lnSpc>
@@ -6034,10 +6031,7 @@
               <a:buFont typeface="Arial"/>
               <a:buNone/>
             </a:pPr>
-            <a:r>
-              <a:t/>
-            </a:r>
-            <a:endParaRPr b="0" i="0" sz="1400" u="none" cap="none" strike="noStrike">
+            <a:endParaRPr sz="1400" b="0" i="0" u="none" strike="noStrike" cap="none">
               <a:solidFill>
                 <a:srgbClr val="000000"/>
               </a:solidFill>
@@ -6058,11 +6052,11 @@
 </file>
 
 <file path=ppt/slideLayouts/slideLayout8.xml><?xml version="1.0" encoding="utf-8"?>
-<p:sldLayout xmlns:a="http://schemas.openxmlformats.org/drawingml/2006/main" xmlns:r="http://schemas.openxmlformats.org/officeDocument/2006/relationships" xmlns:mc="http://schemas.openxmlformats.org/markup-compatibility/2006" xmlns:mv="urn:schemas-microsoft-com:mac:vml" xmlns:p="http://schemas.openxmlformats.org/presentationml/2006/main" xmlns:c="http://schemas.openxmlformats.org/drawingml/2006/chart" xmlns:dgm="http://schemas.openxmlformats.org/drawingml/2006/diagram" xmlns:o="urn:schemas-microsoft-com:office:office" xmlns:v="urn:schemas-microsoft-com:vml" xmlns:pvml="urn:schemas-microsoft-com:office:powerpoint" xmlns:com="http://schemas.openxmlformats.org/drawingml/2006/compatibility" xmlns:p14="http://schemas.microsoft.com/office/powerpoint/2010/main" xmlns:p15="http://schemas.microsoft.com/office/powerpoint/2012/main" xmlns:ahyp="http://schemas.microsoft.com/office/drawing/2018/hyperlinkcolor" matchingName="Caption">
+<p:sldLayout xmlns:a="http://schemas.openxmlformats.org/drawingml/2006/main" xmlns:r="http://schemas.openxmlformats.org/officeDocument/2006/relationships" xmlns:p="http://schemas.openxmlformats.org/presentationml/2006/main" matchingName="Caption">
   <p:cSld name="CAPTION_ONLY">
     <p:spTree>
       <p:nvGrpSpPr>
-        <p:cNvPr id="40" name="Shape 40"/>
+        <p:cNvPr id="1" name="Shape 40"/>
         <p:cNvGrpSpPr/>
         <p:nvPr/>
       </p:nvGrpSpPr>
@@ -6077,9 +6071,11 @@
       <p:sp>
         <p:nvSpPr>
           <p:cNvPr id="41" name="Google Shape;41;p22"/>
-          <p:cNvSpPr/>
+          <p:cNvSpPr>
+            <a:spLocks noGrp="1"/>
+          </p:cNvSpPr>
           <p:nvPr>
-            <p:ph idx="2" type="pic"/>
+            <p:ph type="pic" idx="2"/>
           </p:nvPr>
         </p:nvSpPr>
         <p:spPr>
@@ -6099,7 +6095,9 @@
       <p:sp>
         <p:nvSpPr>
           <p:cNvPr id="42" name="Google Shape;42;p22"/>
-          <p:cNvSpPr txBox="1"/>
+          <p:cNvSpPr txBox="1">
+            <a:spLocks noGrp="1"/>
+          </p:cNvSpPr>
           <p:nvPr>
             <p:ph type="title"/>
           </p:nvPr>
@@ -6120,7 +6118,7 @@
           </a:ln>
         </p:spPr>
         <p:txBody>
-          <a:bodyPr anchorCtr="0" anchor="t" bIns="91425" lIns="91425" spcFirstLastPara="1" rIns="91425" wrap="square" tIns="91425">
+          <a:bodyPr spcFirstLastPara="1" wrap="square" lIns="91425" tIns="91425" rIns="91425" bIns="91425" anchor="t" anchorCtr="0">
             <a:noAutofit/>
           </a:bodyPr>
           <a:lstStyle>
@@ -6255,7 +6253,9 @@
               <a:defRPr/>
             </a:lvl9pPr>
           </a:lstStyle>
-          <a:p/>
+          <a:p>
+            <a:endParaRPr/>
+          </a:p>
         </p:txBody>
       </p:sp>
     </p:spTree>
@@ -6267,16 +6267,17 @@
 </file>
 
 <file path=ppt/slideLayouts/slideLayout9.xml><?xml version="1.0" encoding="utf-8"?>
-<p:sldLayout xmlns:a="http://schemas.openxmlformats.org/drawingml/2006/main" xmlns:r="http://schemas.openxmlformats.org/officeDocument/2006/relationships" xmlns:mc="http://schemas.openxmlformats.org/markup-compatibility/2006" xmlns:mv="urn:schemas-microsoft-com:mac:vml" xmlns:p="http://schemas.openxmlformats.org/presentationml/2006/main" xmlns:c="http://schemas.openxmlformats.org/drawingml/2006/chart" xmlns:dgm="http://schemas.openxmlformats.org/drawingml/2006/diagram" xmlns:o="urn:schemas-microsoft-com:office:office" xmlns:v="urn:schemas-microsoft-com:vml" xmlns:pvml="urn:schemas-microsoft-com:office:powerpoint" xmlns:com="http://schemas.openxmlformats.org/drawingml/2006/compatibility" xmlns:p14="http://schemas.microsoft.com/office/powerpoint/2010/main" xmlns:p15="http://schemas.microsoft.com/office/powerpoint/2012/main" xmlns:ahyp="http://schemas.microsoft.com/office/drawing/2018/hyperlinkcolor" matchingName="Blank" type="blank">
+<p:sldLayout xmlns:a="http://schemas.openxmlformats.org/drawingml/2006/main" xmlns:r="http://schemas.openxmlformats.org/officeDocument/2006/relationships" xmlns:p="http://schemas.openxmlformats.org/presentationml/2006/main" matchingName="Blank" type="blank">
   <p:cSld name="BLANK">
     <p:bg>
       <p:bgPr>
         <a:noFill/>
+        <a:effectLst/>
       </p:bgPr>
     </p:bg>
     <p:spTree>
       <p:nvGrpSpPr>
-        <p:cNvPr id="43" name="Shape 43"/>
+        <p:cNvPr id="1" name="Shape 43"/>
         <p:cNvGrpSpPr/>
         <p:nvPr/>
       </p:nvGrpSpPr>
@@ -6297,18 +6298,19 @@
 </file>
 
 <file path=ppt/slideMasters/slideMaster1.xml><?xml version="1.0" encoding="utf-8"?>
-<p:sldMaster xmlns:a="http://schemas.openxmlformats.org/drawingml/2006/main" xmlns:r="http://schemas.openxmlformats.org/officeDocument/2006/relationships" xmlns:mc="http://schemas.openxmlformats.org/markup-compatibility/2006" xmlns:mv="urn:schemas-microsoft-com:mac:vml" xmlns:p="http://schemas.openxmlformats.org/presentationml/2006/main" xmlns:c="http://schemas.openxmlformats.org/drawingml/2006/chart" xmlns:dgm="http://schemas.openxmlformats.org/drawingml/2006/diagram" xmlns:o="urn:schemas-microsoft-com:office:office" xmlns:v="urn:schemas-microsoft-com:vml" xmlns:pvml="urn:schemas-microsoft-com:office:powerpoint" xmlns:com="http://schemas.openxmlformats.org/drawingml/2006/compatibility" xmlns:p14="http://schemas.microsoft.com/office/powerpoint/2010/main" xmlns:p15="http://schemas.microsoft.com/office/powerpoint/2012/main" xmlns:ahyp="http://schemas.microsoft.com/office/drawing/2018/hyperlinkcolor">
+<p:sldMaster xmlns:a="http://schemas.openxmlformats.org/drawingml/2006/main" xmlns:r="http://schemas.openxmlformats.org/officeDocument/2006/relationships" xmlns:p="http://schemas.openxmlformats.org/presentationml/2006/main">
   <p:cSld name="simple-light-2">
     <p:bg>
       <p:bgPr>
         <a:solidFill>
           <a:schemeClr val="lt1"/>
         </a:solidFill>
+        <a:effectLst/>
       </p:bgPr>
     </p:bg>
     <p:spTree>
       <p:nvGrpSpPr>
-        <p:cNvPr id="5" name="Shape 5"/>
+        <p:cNvPr id="1" name="Shape 5"/>
         <p:cNvGrpSpPr/>
         <p:nvPr/>
       </p:nvGrpSpPr>
@@ -6323,7 +6325,9 @@
       <p:sp>
         <p:nvSpPr>
           <p:cNvPr id="6" name="Google Shape;6;p14"/>
-          <p:cNvSpPr txBox="1"/>
+          <p:cNvSpPr txBox="1">
+            <a:spLocks noGrp="1"/>
+          </p:cNvSpPr>
           <p:nvPr>
             <p:ph type="title"/>
           </p:nvPr>
@@ -6342,11 +6346,11 @@
           </a:ln>
         </p:spPr>
         <p:txBody>
-          <a:bodyPr anchorCtr="0" anchor="t" bIns="91425" lIns="91425" spcFirstLastPara="1" rIns="91425" wrap="square" tIns="91425">
+          <a:bodyPr spcFirstLastPara="1" wrap="square" lIns="91425" tIns="91425" rIns="91425" bIns="91425" anchor="t" anchorCtr="0">
             <a:noAutofit/>
           </a:bodyPr>
           <a:lstStyle>
-            <a:lvl1pPr lvl="0" marR="0" rtl="0" algn="l">
+            <a:lvl1pPr marR="0" lvl="0" algn="l" rtl="0">
               <a:lnSpc>
                 <a:spcPct val="100000"/>
               </a:lnSpc>
@@ -6362,7 +6366,7 @@
               <a:buSzPts val="3500"/>
               <a:buFont typeface="Lexend"/>
               <a:buNone/>
-              <a:defRPr b="0" i="0" sz="3500" u="none" cap="none" strike="noStrike">
+              <a:defRPr sz="3500" b="0" i="0" u="none" strike="noStrike" cap="none">
                 <a:solidFill>
                   <a:schemeClr val="dk1"/>
                 </a:solidFill>
@@ -6372,7 +6376,7 @@
                 <a:sym typeface="Lexend"/>
               </a:defRPr>
             </a:lvl1pPr>
-            <a:lvl2pPr lvl="1" marR="0" rtl="0" algn="l">
+            <a:lvl2pPr marR="0" lvl="1" algn="l" rtl="0">
               <a:lnSpc>
                 <a:spcPct val="100000"/>
               </a:lnSpc>
@@ -6388,7 +6392,7 @@
               <a:buSzPts val="3500"/>
               <a:buFont typeface="Lexend"/>
               <a:buNone/>
-              <a:defRPr b="0" i="0" sz="3500" u="none" cap="none" strike="noStrike">
+              <a:defRPr sz="3500" b="0" i="0" u="none" strike="noStrike" cap="none">
                 <a:solidFill>
                   <a:schemeClr val="dk1"/>
                 </a:solidFill>
@@ -6398,7 +6402,7 @@
                 <a:sym typeface="Lexend"/>
               </a:defRPr>
             </a:lvl2pPr>
-            <a:lvl3pPr lvl="2" marR="0" rtl="0" algn="l">
+            <a:lvl3pPr marR="0" lvl="2" algn="l" rtl="0">
               <a:lnSpc>
                 <a:spcPct val="100000"/>
               </a:lnSpc>
@@ -6414,7 +6418,7 @@
               <a:buSzPts val="3500"/>
               <a:buFont typeface="Lexend"/>
               <a:buNone/>
-              <a:defRPr b="0" i="0" sz="3500" u="none" cap="none" strike="noStrike">
+              <a:defRPr sz="3500" b="0" i="0" u="none" strike="noStrike" cap="none">
                 <a:solidFill>
                   <a:schemeClr val="dk1"/>
                 </a:solidFill>
@@ -6424,7 +6428,7 @@
                 <a:sym typeface="Lexend"/>
               </a:defRPr>
             </a:lvl3pPr>
-            <a:lvl4pPr lvl="3" marR="0" rtl="0" algn="l">
+            <a:lvl4pPr marR="0" lvl="3" algn="l" rtl="0">
               <a:lnSpc>
                 <a:spcPct val="100000"/>
               </a:lnSpc>
@@ -6440,7 +6444,7 @@
               <a:buSzPts val="3500"/>
               <a:buFont typeface="Lexend"/>
               <a:buNone/>
-              <a:defRPr b="0" i="0" sz="3500" u="none" cap="none" strike="noStrike">
+              <a:defRPr sz="3500" b="0" i="0" u="none" strike="noStrike" cap="none">
                 <a:solidFill>
                   <a:schemeClr val="dk1"/>
                 </a:solidFill>
@@ -6450,7 +6454,7 @@
                 <a:sym typeface="Lexend"/>
               </a:defRPr>
             </a:lvl4pPr>
-            <a:lvl5pPr lvl="4" marR="0" rtl="0" algn="l">
+            <a:lvl5pPr marR="0" lvl="4" algn="l" rtl="0">
               <a:lnSpc>
                 <a:spcPct val="100000"/>
               </a:lnSpc>
@@ -6466,7 +6470,7 @@
               <a:buSzPts val="3500"/>
               <a:buFont typeface="Lexend"/>
               <a:buNone/>
-              <a:defRPr b="0" i="0" sz="3500" u="none" cap="none" strike="noStrike">
+              <a:defRPr sz="3500" b="0" i="0" u="none" strike="noStrike" cap="none">
                 <a:solidFill>
                   <a:schemeClr val="dk1"/>
                 </a:solidFill>
@@ -6476,7 +6480,7 @@
                 <a:sym typeface="Lexend"/>
               </a:defRPr>
             </a:lvl5pPr>
-            <a:lvl6pPr lvl="5" marR="0" rtl="0" algn="l">
+            <a:lvl6pPr marR="0" lvl="5" algn="l" rtl="0">
               <a:lnSpc>
                 <a:spcPct val="100000"/>
               </a:lnSpc>
@@ -6492,7 +6496,7 @@
               <a:buSzPts val="3500"/>
               <a:buFont typeface="Lexend"/>
               <a:buNone/>
-              <a:defRPr b="0" i="0" sz="3500" u="none" cap="none" strike="noStrike">
+              <a:defRPr sz="3500" b="0" i="0" u="none" strike="noStrike" cap="none">
                 <a:solidFill>
                   <a:schemeClr val="dk1"/>
                 </a:solidFill>
@@ -6502,7 +6506,7 @@
                 <a:sym typeface="Lexend"/>
               </a:defRPr>
             </a:lvl6pPr>
-            <a:lvl7pPr lvl="6" marR="0" rtl="0" algn="l">
+            <a:lvl7pPr marR="0" lvl="6" algn="l" rtl="0">
               <a:lnSpc>
                 <a:spcPct val="100000"/>
               </a:lnSpc>
@@ -6518,7 +6522,7 @@
               <a:buSzPts val="3500"/>
               <a:buFont typeface="Lexend"/>
               <a:buNone/>
-              <a:defRPr b="0" i="0" sz="3500" u="none" cap="none" strike="noStrike">
+              <a:defRPr sz="3500" b="0" i="0" u="none" strike="noStrike" cap="none">
                 <a:solidFill>
                   <a:schemeClr val="dk1"/>
                 </a:solidFill>
@@ -6528,7 +6532,7 @@
                 <a:sym typeface="Lexend"/>
               </a:defRPr>
             </a:lvl7pPr>
-            <a:lvl8pPr lvl="7" marR="0" rtl="0" algn="l">
+            <a:lvl8pPr marR="0" lvl="7" algn="l" rtl="0">
               <a:lnSpc>
                 <a:spcPct val="100000"/>
               </a:lnSpc>
@@ -6544,7 +6548,7 @@
               <a:buSzPts val="3500"/>
               <a:buFont typeface="Lexend"/>
               <a:buNone/>
-              <a:defRPr b="0" i="0" sz="3500" u="none" cap="none" strike="noStrike">
+              <a:defRPr sz="3500" b="0" i="0" u="none" strike="noStrike" cap="none">
                 <a:solidFill>
                   <a:schemeClr val="dk1"/>
                 </a:solidFill>
@@ -6554,7 +6558,7 @@
                 <a:sym typeface="Lexend"/>
               </a:defRPr>
             </a:lvl8pPr>
-            <a:lvl9pPr lvl="8" marR="0" rtl="0" algn="l">
+            <a:lvl9pPr marR="0" lvl="8" algn="l" rtl="0">
               <a:lnSpc>
                 <a:spcPct val="100000"/>
               </a:lnSpc>
@@ -6570,7 +6574,7 @@
               <a:buSzPts val="3500"/>
               <a:buFont typeface="Lexend"/>
               <a:buNone/>
-              <a:defRPr b="0" i="0" sz="3500" u="none" cap="none" strike="noStrike">
+              <a:defRPr sz="3500" b="0" i="0" u="none" strike="noStrike" cap="none">
                 <a:solidFill>
                   <a:schemeClr val="dk1"/>
                 </a:solidFill>
@@ -6581,15 +6585,19 @@
               </a:defRPr>
             </a:lvl9pPr>
           </a:lstStyle>
-          <a:p/>
+          <a:p>
+            <a:endParaRPr/>
+          </a:p>
         </p:txBody>
       </p:sp>
       <p:sp>
         <p:nvSpPr>
           <p:cNvPr id="7" name="Google Shape;7;p14"/>
-          <p:cNvSpPr txBox="1"/>
+          <p:cNvSpPr txBox="1">
+            <a:spLocks noGrp="1"/>
+          </p:cNvSpPr>
           <p:nvPr>
-            <p:ph idx="1" type="body"/>
+            <p:ph type="body" idx="1"/>
           </p:nvPr>
         </p:nvSpPr>
         <p:spPr>
@@ -6606,11 +6614,11 @@
           </a:ln>
         </p:spPr>
         <p:txBody>
-          <a:bodyPr anchorCtr="0" anchor="t" bIns="91425" lIns="91425" spcFirstLastPara="1" rIns="91425" wrap="square" tIns="91425">
+          <a:bodyPr spcFirstLastPara="1" wrap="square" lIns="91425" tIns="91425" rIns="91425" bIns="91425" anchor="t" anchorCtr="0">
             <a:noAutofit/>
           </a:bodyPr>
           <a:lstStyle>
-            <a:lvl1pPr indent="-304800" lvl="0" marL="457200" marR="0" rtl="0" algn="l">
+            <a:lvl1pPr marL="457200" marR="0" lvl="0" indent="-304800" algn="l" rtl="0">
               <a:lnSpc>
                 <a:spcPct val="100000"/>
               </a:lnSpc>
@@ -6626,7 +6634,7 @@
               <a:buSzPts val="1200"/>
               <a:buFont typeface="Inter"/>
               <a:buChar char="●"/>
-              <a:defRPr b="0" i="0" sz="1200" u="none" cap="none" strike="noStrike">
+              <a:defRPr sz="1200" b="0" i="0" u="none" strike="noStrike" cap="none">
                 <a:solidFill>
                   <a:schemeClr val="dk1"/>
                 </a:solidFill>
@@ -6636,7 +6644,7 @@
                 <a:sym typeface="Inter"/>
               </a:defRPr>
             </a:lvl1pPr>
-            <a:lvl2pPr indent="-304800" lvl="1" marL="914400" marR="0" rtl="0" algn="l">
+            <a:lvl2pPr marL="914400" marR="0" lvl="1" indent="-304800" algn="l" rtl="0">
               <a:lnSpc>
                 <a:spcPct val="100000"/>
               </a:lnSpc>
@@ -6652,7 +6660,7 @@
               <a:buSzPts val="1200"/>
               <a:buFont typeface="Inter"/>
               <a:buChar char="○"/>
-              <a:defRPr b="0" i="0" sz="1200" u="none" cap="none" strike="noStrike">
+              <a:defRPr sz="1200" b="0" i="0" u="none" strike="noStrike" cap="none">
                 <a:solidFill>
                   <a:schemeClr val="dk1"/>
                 </a:solidFill>
@@ -6662,7 +6670,7 @@
                 <a:sym typeface="Inter"/>
               </a:defRPr>
             </a:lvl2pPr>
-            <a:lvl3pPr indent="-304800" lvl="2" marL="1371600" marR="0" rtl="0" algn="l">
+            <a:lvl3pPr marL="1371600" marR="0" lvl="2" indent="-304800" algn="l" rtl="0">
               <a:lnSpc>
                 <a:spcPct val="100000"/>
               </a:lnSpc>
@@ -6678,7 +6686,7 @@
               <a:buSzPts val="1200"/>
               <a:buFont typeface="Inter"/>
               <a:buChar char="■"/>
-              <a:defRPr b="0" i="0" sz="1200" u="none" cap="none" strike="noStrike">
+              <a:defRPr sz="1200" b="0" i="0" u="none" strike="noStrike" cap="none">
                 <a:solidFill>
                   <a:schemeClr val="dk1"/>
                 </a:solidFill>
@@ -6688,7 +6696,7 @@
                 <a:sym typeface="Inter"/>
               </a:defRPr>
             </a:lvl3pPr>
-            <a:lvl4pPr indent="-304800" lvl="3" marL="1828800" marR="0" rtl="0" algn="l">
+            <a:lvl4pPr marL="1828800" marR="0" lvl="3" indent="-304800" algn="l" rtl="0">
               <a:lnSpc>
                 <a:spcPct val="100000"/>
               </a:lnSpc>
@@ -6704,7 +6712,7 @@
               <a:buSzPts val="1200"/>
               <a:buFont typeface="Inter"/>
               <a:buChar char="●"/>
-              <a:defRPr b="0" i="0" sz="1200" u="none" cap="none" strike="noStrike">
+              <a:defRPr sz="1200" b="0" i="0" u="none" strike="noStrike" cap="none">
                 <a:solidFill>
                   <a:schemeClr val="dk1"/>
                 </a:solidFill>
@@ -6714,7 +6722,7 @@
                 <a:sym typeface="Inter"/>
               </a:defRPr>
             </a:lvl4pPr>
-            <a:lvl5pPr indent="-304800" lvl="4" marL="2286000" marR="0" rtl="0" algn="l">
+            <a:lvl5pPr marL="2286000" marR="0" lvl="4" indent="-304800" algn="l" rtl="0">
               <a:lnSpc>
                 <a:spcPct val="100000"/>
               </a:lnSpc>
@@ -6730,7 +6738,7 @@
               <a:buSzPts val="1200"/>
               <a:buFont typeface="Inter"/>
               <a:buChar char="○"/>
-              <a:defRPr b="0" i="0" sz="1200" u="none" cap="none" strike="noStrike">
+              <a:defRPr sz="1200" b="0" i="0" u="none" strike="noStrike" cap="none">
                 <a:solidFill>
                   <a:schemeClr val="dk1"/>
                 </a:solidFill>
@@ -6740,7 +6748,7 @@
                 <a:sym typeface="Inter"/>
               </a:defRPr>
             </a:lvl5pPr>
-            <a:lvl6pPr indent="-304800" lvl="5" marL="2743200" marR="0" rtl="0" algn="l">
+            <a:lvl6pPr marL="2743200" marR="0" lvl="5" indent="-304800" algn="l" rtl="0">
               <a:lnSpc>
                 <a:spcPct val="100000"/>
               </a:lnSpc>
@@ -6756,7 +6764,7 @@
               <a:buSzPts val="1200"/>
               <a:buFont typeface="Inter"/>
               <a:buChar char="■"/>
-              <a:defRPr b="0" i="0" sz="1200" u="none" cap="none" strike="noStrike">
+              <a:defRPr sz="1200" b="0" i="0" u="none" strike="noStrike" cap="none">
                 <a:solidFill>
                   <a:schemeClr val="dk1"/>
                 </a:solidFill>
@@ -6766,7 +6774,7 @@
                 <a:sym typeface="Inter"/>
               </a:defRPr>
             </a:lvl6pPr>
-            <a:lvl7pPr indent="-304800" lvl="6" marL="3200400" marR="0" rtl="0" algn="l">
+            <a:lvl7pPr marL="3200400" marR="0" lvl="6" indent="-304800" algn="l" rtl="0">
               <a:lnSpc>
                 <a:spcPct val="100000"/>
               </a:lnSpc>
@@ -6782,7 +6790,7 @@
               <a:buSzPts val="1200"/>
               <a:buFont typeface="Inter"/>
               <a:buChar char="●"/>
-              <a:defRPr b="0" i="0" sz="1200" u="none" cap="none" strike="noStrike">
+              <a:defRPr sz="1200" b="0" i="0" u="none" strike="noStrike" cap="none">
                 <a:solidFill>
                   <a:schemeClr val="dk1"/>
                 </a:solidFill>
@@ -6792,7 +6800,7 @@
                 <a:sym typeface="Inter"/>
               </a:defRPr>
             </a:lvl7pPr>
-            <a:lvl8pPr indent="-304800" lvl="7" marL="3657600" marR="0" rtl="0" algn="l">
+            <a:lvl8pPr marL="3657600" marR="0" lvl="7" indent="-304800" algn="l" rtl="0">
               <a:lnSpc>
                 <a:spcPct val="100000"/>
               </a:lnSpc>
@@ -6808,7 +6816,7 @@
               <a:buSzPts val="1200"/>
               <a:buFont typeface="Inter"/>
               <a:buChar char="○"/>
-              <a:defRPr b="0" i="0" sz="1200" u="none" cap="none" strike="noStrike">
+              <a:defRPr sz="1200" b="0" i="0" u="none" strike="noStrike" cap="none">
                 <a:solidFill>
                   <a:schemeClr val="dk1"/>
                 </a:solidFill>
@@ -6818,7 +6826,7 @@
                 <a:sym typeface="Inter"/>
               </a:defRPr>
             </a:lvl8pPr>
-            <a:lvl9pPr indent="-304800" lvl="8" marL="4114800" marR="0" rtl="0" algn="l">
+            <a:lvl9pPr marL="4114800" marR="0" lvl="8" indent="-304800" algn="l" rtl="0">
               <a:lnSpc>
                 <a:spcPct val="100000"/>
               </a:lnSpc>
@@ -6834,7 +6842,7 @@
               <a:buSzPts val="1200"/>
               <a:buFont typeface="Inter"/>
               <a:buChar char="■"/>
-              <a:defRPr b="0" i="0" sz="1200" u="none" cap="none" strike="noStrike">
+              <a:defRPr sz="1200" b="0" i="0" u="none" strike="noStrike" cap="none">
                 <a:solidFill>
                   <a:schemeClr val="dk1"/>
                 </a:solidFill>
@@ -6845,12 +6853,14 @@
               </a:defRPr>
             </a:lvl9pPr>
           </a:lstStyle>
-          <a:p/>
+          <a:p>
+            <a:endParaRPr/>
+          </a:p>
         </p:txBody>
       </p:sp>
     </p:spTree>
   </p:cSld>
-  <p:clrMap accent1="accent1" accent2="accent2" accent3="accent3" accent4="accent4" accent5="accent5" accent6="accent6" bg1="lt1" bg2="dk2" tx1="dk1" tx2="lt2" folHlink="folHlink" hlink="hlink"/>
+  <p:clrMap bg1="lt1" tx1="dk1" bg2="dk2" tx2="lt2" accent1="accent1" accent2="accent2" accent3="accent3" accent4="accent4" accent5="accent5" accent6="accent6" hlink="hlink" folHlink="folHlink"/>
   <p:sldLayoutIdLst>
     <p:sldLayoutId id="2147483649" r:id="rId1"/>
     <p:sldLayoutId id="2147483650" r:id="rId2"/>
@@ -6864,10 +6874,10 @@
     <p:sldLayoutId id="2147483658" r:id="rId10"/>
     <p:sldLayoutId id="2147483659" r:id="rId11"/>
   </p:sldLayoutIdLst>
-  <p:hf dt="0" ftr="0" hdr="0"/>
+  <p:hf hdr="0" ftr="0" dt="0"/>
   <p:txStyles>
     <p:titleStyle>
-      <a:defPPr lvl="0" marR="0" rtl="0" algn="l">
+      <a:defPPr marR="0" lvl="0" algn="l" rtl="0">
         <a:lnSpc>
           <a:spcPct val="100000"/>
         </a:lnSpc>
@@ -6878,7 +6888,7 @@
           <a:spcPts val="0"/>
         </a:spcAft>
       </a:defPPr>
-      <a:lvl1pPr lvl="0" marR="0" rtl="0" algn="l">
+      <a:lvl1pPr marR="0" lvl="0" algn="l" rtl="0">
         <a:lnSpc>
           <a:spcPct val="100000"/>
         </a:lnSpc>
@@ -6892,7 +6902,7 @@
           <a:srgbClr val="000000"/>
         </a:buClr>
         <a:buFont typeface="Arial"/>
-        <a:defRPr b="0" i="0" sz="1400" u="none" cap="none" strike="noStrike">
+        <a:defRPr sz="1400" b="0" i="0" u="none" strike="noStrike" cap="none">
           <a:solidFill>
             <a:srgbClr val="000000"/>
           </a:solidFill>
@@ -6902,7 +6912,7 @@
           <a:sym typeface="Arial"/>
         </a:defRPr>
       </a:lvl1pPr>
-      <a:lvl2pPr lvl="1" marR="0" rtl="0" algn="l">
+      <a:lvl2pPr marR="0" lvl="1" algn="l" rtl="0">
         <a:lnSpc>
           <a:spcPct val="100000"/>
         </a:lnSpc>
@@ -6916,7 +6926,7 @@
           <a:srgbClr val="000000"/>
         </a:buClr>
         <a:buFont typeface="Arial"/>
-        <a:defRPr b="0" i="0" sz="1400" u="none" cap="none" strike="noStrike">
+        <a:defRPr sz="1400" b="0" i="0" u="none" strike="noStrike" cap="none">
           <a:solidFill>
             <a:srgbClr val="000000"/>
           </a:solidFill>
@@ -6926,7 +6936,7 @@
           <a:sym typeface="Arial"/>
         </a:defRPr>
       </a:lvl2pPr>
-      <a:lvl3pPr lvl="2" marR="0" rtl="0" algn="l">
+      <a:lvl3pPr marR="0" lvl="2" algn="l" rtl="0">
         <a:lnSpc>
           <a:spcPct val="100000"/>
         </a:lnSpc>
@@ -6940,7 +6950,7 @@
           <a:srgbClr val="000000"/>
         </a:buClr>
         <a:buFont typeface="Arial"/>
-        <a:defRPr b="0" i="0" sz="1400" u="none" cap="none" strike="noStrike">
+        <a:defRPr sz="1400" b="0" i="0" u="none" strike="noStrike" cap="none">
           <a:solidFill>
             <a:srgbClr val="000000"/>
           </a:solidFill>
@@ -6950,7 +6960,7 @@
           <a:sym typeface="Arial"/>
         </a:defRPr>
       </a:lvl3pPr>
-      <a:lvl4pPr lvl="3" marR="0" rtl="0" algn="l">
+      <a:lvl4pPr marR="0" lvl="3" algn="l" rtl="0">
         <a:lnSpc>
           <a:spcPct val="100000"/>
         </a:lnSpc>
@@ -6964,7 +6974,7 @@
           <a:srgbClr val="000000"/>
         </a:buClr>
         <a:buFont typeface="Arial"/>
-        <a:defRPr b="0" i="0" sz="1400" u="none" cap="none" strike="noStrike">
+        <a:defRPr sz="1400" b="0" i="0" u="none" strike="noStrike" cap="none">
           <a:solidFill>
             <a:srgbClr val="000000"/>
           </a:solidFill>
@@ -6974,7 +6984,7 @@
           <a:sym typeface="Arial"/>
         </a:defRPr>
       </a:lvl4pPr>
-      <a:lvl5pPr lvl="4" marR="0" rtl="0" algn="l">
+      <a:lvl5pPr marR="0" lvl="4" algn="l" rtl="0">
         <a:lnSpc>
           <a:spcPct val="100000"/>
         </a:lnSpc>
@@ -6988,7 +6998,7 @@
           <a:srgbClr val="000000"/>
         </a:buClr>
         <a:buFont typeface="Arial"/>
-        <a:defRPr b="0" i="0" sz="1400" u="none" cap="none" strike="noStrike">
+        <a:defRPr sz="1400" b="0" i="0" u="none" strike="noStrike" cap="none">
           <a:solidFill>
             <a:srgbClr val="000000"/>
           </a:solidFill>
@@ -6998,7 +7008,7 @@
           <a:sym typeface="Arial"/>
         </a:defRPr>
       </a:lvl5pPr>
-      <a:lvl6pPr lvl="5" marR="0" rtl="0" algn="l">
+      <a:lvl6pPr marR="0" lvl="5" algn="l" rtl="0">
         <a:lnSpc>
           <a:spcPct val="100000"/>
         </a:lnSpc>
@@ -7012,7 +7022,7 @@
           <a:srgbClr val="000000"/>
         </a:buClr>
         <a:buFont typeface="Arial"/>
-        <a:defRPr b="0" i="0" sz="1400" u="none" cap="none" strike="noStrike">
+        <a:defRPr sz="1400" b="0" i="0" u="none" strike="noStrike" cap="none">
           <a:solidFill>
             <a:srgbClr val="000000"/>
           </a:solidFill>
@@ -7022,7 +7032,7 @@
           <a:sym typeface="Arial"/>
         </a:defRPr>
       </a:lvl6pPr>
-      <a:lvl7pPr lvl="6" marR="0" rtl="0" algn="l">
+      <a:lvl7pPr marR="0" lvl="6" algn="l" rtl="0">
         <a:lnSpc>
           <a:spcPct val="100000"/>
         </a:lnSpc>
@@ -7036,7 +7046,7 @@
           <a:srgbClr val="000000"/>
         </a:buClr>
         <a:buFont typeface="Arial"/>
-        <a:defRPr b="0" i="0" sz="1400" u="none" cap="none" strike="noStrike">
+        <a:defRPr sz="1400" b="0" i="0" u="none" strike="noStrike" cap="none">
           <a:solidFill>
             <a:srgbClr val="000000"/>
           </a:solidFill>
@@ -7046,7 +7056,7 @@
           <a:sym typeface="Arial"/>
         </a:defRPr>
       </a:lvl7pPr>
-      <a:lvl8pPr lvl="7" marR="0" rtl="0" algn="l">
+      <a:lvl8pPr marR="0" lvl="7" algn="l" rtl="0">
         <a:lnSpc>
           <a:spcPct val="100000"/>
         </a:lnSpc>
@@ -7060,7 +7070,7 @@
           <a:srgbClr val="000000"/>
         </a:buClr>
         <a:buFont typeface="Arial"/>
-        <a:defRPr b="0" i="0" sz="1400" u="none" cap="none" strike="noStrike">
+        <a:defRPr sz="1400" b="0" i="0" u="none" strike="noStrike" cap="none">
           <a:solidFill>
             <a:srgbClr val="000000"/>
           </a:solidFill>
@@ -7070,7 +7080,7 @@
           <a:sym typeface="Arial"/>
         </a:defRPr>
       </a:lvl8pPr>
-      <a:lvl9pPr lvl="8" marR="0" rtl="0" algn="l">
+      <a:lvl9pPr marR="0" lvl="8" algn="l" rtl="0">
         <a:lnSpc>
           <a:spcPct val="100000"/>
         </a:lnSpc>
@@ -7084,7 +7094,7 @@
           <a:srgbClr val="000000"/>
         </a:buClr>
         <a:buFont typeface="Arial"/>
-        <a:defRPr b="0" i="0" sz="1400" u="none" cap="none" strike="noStrike">
+        <a:defRPr sz="1400" b="0" i="0" u="none" strike="noStrike" cap="none">
           <a:solidFill>
             <a:srgbClr val="000000"/>
           </a:solidFill>
@@ -7096,7 +7106,7 @@
       </a:lvl9pPr>
     </p:titleStyle>
     <p:bodyStyle>
-      <a:defPPr lvl="0" marR="0" rtl="0" algn="l">
+      <a:defPPr marR="0" lvl="0" algn="l" rtl="0">
         <a:lnSpc>
           <a:spcPct val="100000"/>
         </a:lnSpc>
@@ -7107,7 +7117,7 @@
           <a:spcPts val="0"/>
         </a:spcAft>
       </a:defPPr>
-      <a:lvl1pPr lvl="0" marR="0" rtl="0" algn="l">
+      <a:lvl1pPr marR="0" lvl="0" algn="l" rtl="0">
         <a:lnSpc>
           <a:spcPct val="100000"/>
         </a:lnSpc>
@@ -7121,7 +7131,7 @@
           <a:srgbClr val="000000"/>
         </a:buClr>
         <a:buFont typeface="Arial"/>
-        <a:defRPr b="0" i="0" sz="1400" u="none" cap="none" strike="noStrike">
+        <a:defRPr sz="1400" b="0" i="0" u="none" strike="noStrike" cap="none">
           <a:solidFill>
             <a:srgbClr val="000000"/>
           </a:solidFill>
@@ -7131,7 +7141,7 @@
           <a:sym typeface="Arial"/>
         </a:defRPr>
       </a:lvl1pPr>
-      <a:lvl2pPr lvl="1" marR="0" rtl="0" algn="l">
+      <a:lvl2pPr marR="0" lvl="1" algn="l" rtl="0">
         <a:lnSpc>
           <a:spcPct val="100000"/>
         </a:lnSpc>
@@ -7145,7 +7155,7 @@
           <a:srgbClr val="000000"/>
         </a:buClr>
         <a:buFont typeface="Arial"/>
-        <a:defRPr b="0" i="0" sz="1400" u="none" cap="none" strike="noStrike">
+        <a:defRPr sz="1400" b="0" i="0" u="none" strike="noStrike" cap="none">
           <a:solidFill>
             <a:srgbClr val="000000"/>
           </a:solidFill>
@@ -7155,7 +7165,7 @@
           <a:sym typeface="Arial"/>
         </a:defRPr>
       </a:lvl2pPr>
-      <a:lvl3pPr lvl="2" marR="0" rtl="0" algn="l">
+      <a:lvl3pPr marR="0" lvl="2" algn="l" rtl="0">
         <a:lnSpc>
           <a:spcPct val="100000"/>
         </a:lnSpc>
@@ -7169,7 +7179,7 @@
           <a:srgbClr val="000000"/>
         </a:buClr>
         <a:buFont typeface="Arial"/>
-        <a:defRPr b="0" i="0" sz="1400" u="none" cap="none" strike="noStrike">
+        <a:defRPr sz="1400" b="0" i="0" u="none" strike="noStrike" cap="none">
           <a:solidFill>
             <a:srgbClr val="000000"/>
           </a:solidFill>
@@ -7179,7 +7189,7 @@
           <a:sym typeface="Arial"/>
         </a:defRPr>
       </a:lvl3pPr>
-      <a:lvl4pPr lvl="3" marR="0" rtl="0" algn="l">
+      <a:lvl4pPr marR="0" lvl="3" algn="l" rtl="0">
         <a:lnSpc>
           <a:spcPct val="100000"/>
         </a:lnSpc>
@@ -7193,7 +7203,7 @@
           <a:srgbClr val="000000"/>
         </a:buClr>
         <a:buFont typeface="Arial"/>
-        <a:defRPr b="0" i="0" sz="1400" u="none" cap="none" strike="noStrike">
+        <a:defRPr sz="1400" b="0" i="0" u="none" strike="noStrike" cap="none">
           <a:solidFill>
             <a:srgbClr val="000000"/>
           </a:solidFill>
@@ -7203,7 +7213,7 @@
           <a:sym typeface="Arial"/>
         </a:defRPr>
       </a:lvl4pPr>
-      <a:lvl5pPr lvl="4" marR="0" rtl="0" algn="l">
+      <a:lvl5pPr marR="0" lvl="4" algn="l" rtl="0">
         <a:lnSpc>
           <a:spcPct val="100000"/>
         </a:lnSpc>
@@ -7217,7 +7227,7 @@
           <a:srgbClr val="000000"/>
         </a:buClr>
         <a:buFont typeface="Arial"/>
-        <a:defRPr b="0" i="0" sz="1400" u="none" cap="none" strike="noStrike">
+        <a:defRPr sz="1400" b="0" i="0" u="none" strike="noStrike" cap="none">
           <a:solidFill>
             <a:srgbClr val="000000"/>
           </a:solidFill>
@@ -7227,7 +7237,7 @@
           <a:sym typeface="Arial"/>
         </a:defRPr>
       </a:lvl5pPr>
-      <a:lvl6pPr lvl="5" marR="0" rtl="0" algn="l">
+      <a:lvl6pPr marR="0" lvl="5" algn="l" rtl="0">
         <a:lnSpc>
           <a:spcPct val="100000"/>
         </a:lnSpc>
@@ -7241,7 +7251,7 @@
           <a:srgbClr val="000000"/>
         </a:buClr>
         <a:buFont typeface="Arial"/>
-        <a:defRPr b="0" i="0" sz="1400" u="none" cap="none" strike="noStrike">
+        <a:defRPr sz="1400" b="0" i="0" u="none" strike="noStrike" cap="none">
           <a:solidFill>
             <a:srgbClr val="000000"/>
           </a:solidFill>
@@ -7251,7 +7261,7 @@
           <a:sym typeface="Arial"/>
         </a:defRPr>
       </a:lvl6pPr>
-      <a:lvl7pPr lvl="6" marR="0" rtl="0" algn="l">
+      <a:lvl7pPr marR="0" lvl="6" algn="l" rtl="0">
         <a:lnSpc>
           <a:spcPct val="100000"/>
         </a:lnSpc>
@@ -7265,7 +7275,7 @@
           <a:srgbClr val="000000"/>
         </a:buClr>
         <a:buFont typeface="Arial"/>
-        <a:defRPr b="0" i="0" sz="1400" u="none" cap="none" strike="noStrike">
+        <a:defRPr sz="1400" b="0" i="0" u="none" strike="noStrike" cap="none">
           <a:solidFill>
             <a:srgbClr val="000000"/>
           </a:solidFill>
@@ -7275,7 +7285,7 @@
           <a:sym typeface="Arial"/>
         </a:defRPr>
       </a:lvl7pPr>
-      <a:lvl8pPr lvl="7" marR="0" rtl="0" algn="l">
+      <a:lvl8pPr marR="0" lvl="7" algn="l" rtl="0">
         <a:lnSpc>
           <a:spcPct val="100000"/>
         </a:lnSpc>
@@ -7289,7 +7299,7 @@
           <a:srgbClr val="000000"/>
         </a:buClr>
         <a:buFont typeface="Arial"/>
-        <a:defRPr b="0" i="0" sz="1400" u="none" cap="none" strike="noStrike">
+        <a:defRPr sz="1400" b="0" i="0" u="none" strike="noStrike" cap="none">
           <a:solidFill>
             <a:srgbClr val="000000"/>
           </a:solidFill>
@@ -7299,7 +7309,7 @@
           <a:sym typeface="Arial"/>
         </a:defRPr>
       </a:lvl8pPr>
-      <a:lvl9pPr lvl="8" marR="0" rtl="0" algn="l">
+      <a:lvl9pPr marR="0" lvl="8" algn="l" rtl="0">
         <a:lnSpc>
           <a:spcPct val="100000"/>
         </a:lnSpc>
@@ -7313,7 +7323,7 @@
           <a:srgbClr val="000000"/>
         </a:buClr>
         <a:buFont typeface="Arial"/>
-        <a:defRPr b="0" i="0" sz="1400" u="none" cap="none" strike="noStrike">
+        <a:defRPr sz="1400" b="0" i="0" u="none" strike="noStrike" cap="none">
           <a:solidFill>
             <a:srgbClr val="000000"/>
           </a:solidFill>
@@ -7325,7 +7335,7 @@
       </a:lvl9pPr>
     </p:bodyStyle>
     <p:otherStyle>
-      <a:defPPr lvl="0" marR="0" rtl="0" algn="l">
+      <a:defPPr marR="0" lvl="0" algn="l" rtl="0">
         <a:lnSpc>
           <a:spcPct val="100000"/>
         </a:lnSpc>
@@ -7336,7 +7346,7 @@
           <a:spcPts val="0"/>
         </a:spcAft>
       </a:defPPr>
-      <a:lvl1pPr lvl="0" marR="0" rtl="0" algn="l">
+      <a:lvl1pPr marR="0" lvl="0" algn="l" rtl="0">
         <a:lnSpc>
           <a:spcPct val="100000"/>
         </a:lnSpc>
@@ -7350,7 +7360,7 @@
           <a:srgbClr val="000000"/>
         </a:buClr>
         <a:buFont typeface="Arial"/>
-        <a:defRPr b="0" i="0" sz="1400" u="none" cap="none" strike="noStrike">
+        <a:defRPr sz="1400" b="0" i="0" u="none" strike="noStrike" cap="none">
           <a:solidFill>
             <a:srgbClr val="000000"/>
           </a:solidFill>
@@ -7360,7 +7370,7 @@
           <a:sym typeface="Arial"/>
         </a:defRPr>
       </a:lvl1pPr>
-      <a:lvl2pPr lvl="1" marR="0" rtl="0" algn="l">
+      <a:lvl2pPr marR="0" lvl="1" algn="l" rtl="0">
         <a:lnSpc>
           <a:spcPct val="100000"/>
         </a:lnSpc>
@@ -7374,7 +7384,7 @@
           <a:srgbClr val="000000"/>
         </a:buClr>
         <a:buFont typeface="Arial"/>
-        <a:defRPr b="0" i="0" sz="1400" u="none" cap="none" strike="noStrike">
+        <a:defRPr sz="1400" b="0" i="0" u="none" strike="noStrike" cap="none">
           <a:solidFill>
             <a:srgbClr val="000000"/>
           </a:solidFill>
@@ -7384,7 +7394,7 @@
           <a:sym typeface="Arial"/>
         </a:defRPr>
       </a:lvl2pPr>
-      <a:lvl3pPr lvl="2" marR="0" rtl="0" algn="l">
+      <a:lvl3pPr marR="0" lvl="2" algn="l" rtl="0">
         <a:lnSpc>
           <a:spcPct val="100000"/>
         </a:lnSpc>
@@ -7398,7 +7408,7 @@
           <a:srgbClr val="000000"/>
         </a:buClr>
         <a:buFont typeface="Arial"/>
-        <a:defRPr b="0" i="0" sz="1400" u="none" cap="none" strike="noStrike">
+        <a:defRPr sz="1400" b="0" i="0" u="none" strike="noStrike" cap="none">
           <a:solidFill>
             <a:srgbClr val="000000"/>
           </a:solidFill>
@@ -7408,7 +7418,7 @@
           <a:sym typeface="Arial"/>
         </a:defRPr>
       </a:lvl3pPr>
-      <a:lvl4pPr lvl="3" marR="0" rtl="0" algn="l">
+      <a:lvl4pPr marR="0" lvl="3" algn="l" rtl="0">
         <a:lnSpc>
           <a:spcPct val="100000"/>
         </a:lnSpc>
@@ -7422,7 +7432,7 @@
           <a:srgbClr val="000000"/>
         </a:buClr>
         <a:buFont typeface="Arial"/>
-        <a:defRPr b="0" i="0" sz="1400" u="none" cap="none" strike="noStrike">
+        <a:defRPr sz="1400" b="0" i="0" u="none" strike="noStrike" cap="none">
           <a:solidFill>
             <a:srgbClr val="000000"/>
           </a:solidFill>
@@ -7432,7 +7442,7 @@
           <a:sym typeface="Arial"/>
         </a:defRPr>
       </a:lvl4pPr>
-      <a:lvl5pPr lvl="4" marR="0" rtl="0" algn="l">
+      <a:lvl5pPr marR="0" lvl="4" algn="l" rtl="0">
         <a:lnSpc>
           <a:spcPct val="100000"/>
         </a:lnSpc>
@@ -7446,7 +7456,7 @@
           <a:srgbClr val="000000"/>
         </a:buClr>
         <a:buFont typeface="Arial"/>
-        <a:defRPr b="0" i="0" sz="1400" u="none" cap="none" strike="noStrike">
+        <a:defRPr sz="1400" b="0" i="0" u="none" strike="noStrike" cap="none">
           <a:solidFill>
             <a:srgbClr val="000000"/>
           </a:solidFill>
@@ -7456,7 +7466,7 @@
           <a:sym typeface="Arial"/>
         </a:defRPr>
       </a:lvl5pPr>
-      <a:lvl6pPr lvl="5" marR="0" rtl="0" algn="l">
+      <a:lvl6pPr marR="0" lvl="5" algn="l" rtl="0">
         <a:lnSpc>
           <a:spcPct val="100000"/>
         </a:lnSpc>
@@ -7470,7 +7480,7 @@
           <a:srgbClr val="000000"/>
         </a:buClr>
         <a:buFont typeface="Arial"/>
-        <a:defRPr b="0" i="0" sz="1400" u="none" cap="none" strike="noStrike">
+        <a:defRPr sz="1400" b="0" i="0" u="none" strike="noStrike" cap="none">
           <a:solidFill>
             <a:srgbClr val="000000"/>
           </a:solidFill>
@@ -7480,7 +7490,7 @@
           <a:sym typeface="Arial"/>
         </a:defRPr>
       </a:lvl6pPr>
-      <a:lvl7pPr lvl="6" marR="0" rtl="0" algn="l">
+      <a:lvl7pPr marR="0" lvl="6" algn="l" rtl="0">
         <a:lnSpc>
           <a:spcPct val="100000"/>
         </a:lnSpc>
@@ -7494,7 +7504,7 @@
           <a:srgbClr val="000000"/>
         </a:buClr>
         <a:buFont typeface="Arial"/>
-        <a:defRPr b="0" i="0" sz="1400" u="none" cap="none" strike="noStrike">
+        <a:defRPr sz="1400" b="0" i="0" u="none" strike="noStrike" cap="none">
           <a:solidFill>
             <a:srgbClr val="000000"/>
           </a:solidFill>
@@ -7504,7 +7514,7 @@
           <a:sym typeface="Arial"/>
         </a:defRPr>
       </a:lvl7pPr>
-      <a:lvl8pPr lvl="7" marR="0" rtl="0" algn="l">
+      <a:lvl8pPr marR="0" lvl="7" algn="l" rtl="0">
         <a:lnSpc>
           <a:spcPct val="100000"/>
         </a:lnSpc>
@@ -7518,7 +7528,7 @@
           <a:srgbClr val="000000"/>
         </a:buClr>
         <a:buFont typeface="Arial"/>
-        <a:defRPr b="0" i="0" sz="1400" u="none" cap="none" strike="noStrike">
+        <a:defRPr sz="1400" b="0" i="0" u="none" strike="noStrike" cap="none">
           <a:solidFill>
             <a:srgbClr val="000000"/>
           </a:solidFill>
@@ -7528,7 +7538,7 @@
           <a:sym typeface="Arial"/>
         </a:defRPr>
       </a:lvl8pPr>
-      <a:lvl9pPr lvl="8" marR="0" rtl="0" algn="l">
+      <a:lvl9pPr marR="0" lvl="8" algn="l" rtl="0">
         <a:lnSpc>
           <a:spcPct val="100000"/>
         </a:lnSpc>
@@ -7542,7 +7552,7 @@
           <a:srgbClr val="000000"/>
         </a:buClr>
         <a:buFont typeface="Arial"/>
-        <a:defRPr b="0" i="0" sz="1400" u="none" cap="none" strike="noStrike">
+        <a:defRPr sz="1400" b="0" i="0" u="none" strike="noStrike" cap="none">
           <a:solidFill>
             <a:srgbClr val="000000"/>
           </a:solidFill>
@@ -7558,11 +7568,11 @@
 </file>
 
 <file path=ppt/slides/slide1.xml><?xml version="1.0" encoding="utf-8"?>
-<p:sld xmlns:a="http://schemas.openxmlformats.org/drawingml/2006/main" xmlns:r="http://schemas.openxmlformats.org/officeDocument/2006/relationships" xmlns:mc="http://schemas.openxmlformats.org/markup-compatibility/2006" xmlns:mv="urn:schemas-microsoft-com:mac:vml" xmlns:p="http://schemas.openxmlformats.org/presentationml/2006/main" xmlns:c="http://schemas.openxmlformats.org/drawingml/2006/chart" xmlns:dgm="http://schemas.openxmlformats.org/drawingml/2006/diagram" xmlns:o="urn:schemas-microsoft-com:office:office" xmlns:v="urn:schemas-microsoft-com:vml" xmlns:pvml="urn:schemas-microsoft-com:office:powerpoint" xmlns:com="http://schemas.openxmlformats.org/drawingml/2006/compatibility" xmlns:p14="http://schemas.microsoft.com/office/powerpoint/2010/main" xmlns:p15="http://schemas.microsoft.com/office/powerpoint/2012/main" xmlns:ahyp="http://schemas.microsoft.com/office/drawing/2018/hyperlinkcolor">
+<p:sld xmlns:a="http://schemas.openxmlformats.org/drawingml/2006/main" xmlns:r="http://schemas.openxmlformats.org/officeDocument/2006/relationships" xmlns:p="http://schemas.openxmlformats.org/presentationml/2006/main">
   <p:cSld>
     <p:spTree>
       <p:nvGrpSpPr>
-        <p:cNvPr id="50" name="Shape 50"/>
+        <p:cNvPr id="1" name="Shape 50"/>
         <p:cNvGrpSpPr/>
         <p:nvPr/>
       </p:nvGrpSpPr>
@@ -7577,7 +7587,9 @@
       <p:sp>
         <p:nvSpPr>
           <p:cNvPr id="51" name="Google Shape;51;p2"/>
-          <p:cNvSpPr txBox="1"/>
+          <p:cNvSpPr txBox="1">
+            <a:spLocks noGrp="1"/>
+          </p:cNvSpPr>
           <p:nvPr>
             <p:ph type="ctrTitle"/>
           </p:nvPr>
@@ -7596,12 +7608,12 @@
           </a:ln>
         </p:spPr>
         <p:txBody>
-          <a:bodyPr anchorCtr="0" anchor="b" bIns="91425" lIns="91425" spcFirstLastPara="1" rIns="91425" wrap="square" tIns="91425">
+          <a:bodyPr spcFirstLastPara="1" wrap="square" lIns="91425" tIns="91425" rIns="91425" bIns="91425" anchor="b" anchorCtr="0">
             <a:noAutofit/>
           </a:bodyPr>
           <a:lstStyle/>
           <a:p>
-            <a:pPr indent="0" lvl="0" marL="0" rtl="0" algn="l">
+            <a:pPr marL="0" lvl="0" indent="0" algn="l" rtl="0">
               <a:lnSpc>
                 <a:spcPct val="100000"/>
               </a:lnSpc>
@@ -7625,9 +7637,11 @@
       <p:sp>
         <p:nvSpPr>
           <p:cNvPr id="52" name="Google Shape;52;p2"/>
-          <p:cNvSpPr txBox="1"/>
+          <p:cNvSpPr txBox="1">
+            <a:spLocks noGrp="1"/>
+          </p:cNvSpPr>
           <p:nvPr>
-            <p:ph idx="1" type="subTitle"/>
+            <p:ph type="subTitle" idx="1"/>
           </p:nvPr>
         </p:nvSpPr>
         <p:spPr>
@@ -7644,12 +7658,12 @@
           </a:ln>
         </p:spPr>
         <p:txBody>
-          <a:bodyPr anchorCtr="0" anchor="t" bIns="91425" lIns="91425" spcFirstLastPara="1" rIns="91425" wrap="square" tIns="91425">
+          <a:bodyPr spcFirstLastPara="1" wrap="square" lIns="91425" tIns="91425" rIns="91425" bIns="91425" anchor="t" anchorCtr="0">
             <a:noAutofit/>
           </a:bodyPr>
           <a:lstStyle/>
           <a:p>
-            <a:pPr indent="0" lvl="0" marL="0" rtl="0" algn="l">
+            <a:pPr marL="0" lvl="0" indent="0" algn="l" rtl="0">
               <a:lnSpc>
                 <a:spcPct val="100000"/>
               </a:lnSpc>
@@ -7685,20 +7699,20 @@
             <a:avLst/>
           </a:prstGeom>
           <a:noFill/>
-          <a:ln cap="flat" cmpd="sng" w="28575">
+          <a:ln w="28575" cap="flat" cmpd="sng">
             <a:solidFill>
               <a:schemeClr val="dk1"/>
             </a:solidFill>
             <a:prstDash val="solid"/>
             <a:round/>
-            <a:headEnd len="sm" w="sm" type="none"/>
-            <a:tailEnd len="sm" w="sm" type="none"/>
+            <a:headEnd type="none" w="sm" len="sm"/>
+            <a:tailEnd type="none" w="sm" len="sm"/>
           </a:ln>
         </p:spPr>
       </p:cxnSp>
       <p:pic>
         <p:nvPicPr>
-          <p:cNvPr descr="PhotozoOMER logo&#10;" id="54" name="Google Shape;54;p2"/>
+          <p:cNvPr id="54" name="Google Shape;54;p2" descr="PhotozoOMER logo&#10;"/>
           <p:cNvPicPr preferRelativeResize="0"/>
           <p:nvPr/>
         </p:nvPicPr>
@@ -7706,7 +7720,7 @@
           <a:blip r:embed="rId3">
             <a:alphaModFix/>
           </a:blip>
-          <a:srcRect b="0" l="0" r="0" t="0"/>
+          <a:srcRect/>
           <a:stretch/>
         </p:blipFill>
         <p:spPr>
@@ -7725,7 +7739,7 @@
       </p:pic>
       <p:pic>
         <p:nvPicPr>
-          <p:cNvPr descr="Efrei Logo" id="55" name="Google Shape;55;p2"/>
+          <p:cNvPr id="55" name="Google Shape;55;p2" descr="Efrei Logo"/>
           <p:cNvPicPr preferRelativeResize="0"/>
           <p:nvPr/>
         </p:nvPicPr>
@@ -7733,7 +7747,7 @@
           <a:blip r:embed="rId4">
             <a:alphaModFix/>
           </a:blip>
-          <a:srcRect b="0" l="0" r="0" t="0"/>
+          <a:srcRect/>
           <a:stretch/>
         </p:blipFill>
         <p:spPr>
@@ -7759,84 +7773,11 @@
 </file>
 
 <file path=ppt/slides/slide10.xml><?xml version="1.0" encoding="utf-8"?>
-<p:sld xmlns:a="http://schemas.openxmlformats.org/drawingml/2006/main" xmlns:r="http://schemas.openxmlformats.org/officeDocument/2006/relationships" xmlns:mc="http://schemas.openxmlformats.org/markup-compatibility/2006" xmlns:mv="urn:schemas-microsoft-com:mac:vml" xmlns:p="http://schemas.openxmlformats.org/presentationml/2006/main" xmlns:c="http://schemas.openxmlformats.org/drawingml/2006/chart" xmlns:dgm="http://schemas.openxmlformats.org/drawingml/2006/diagram" xmlns:o="urn:schemas-microsoft-com:office:office" xmlns:v="urn:schemas-microsoft-com:vml" xmlns:pvml="urn:schemas-microsoft-com:office:powerpoint" xmlns:com="http://schemas.openxmlformats.org/drawingml/2006/compatibility" xmlns:p14="http://schemas.microsoft.com/office/powerpoint/2010/main" xmlns:p15="http://schemas.microsoft.com/office/powerpoint/2012/main" xmlns:ahyp="http://schemas.microsoft.com/office/drawing/2018/hyperlinkcolor">
+<p:sld xmlns:a="http://schemas.openxmlformats.org/drawingml/2006/main" xmlns:r="http://schemas.openxmlformats.org/officeDocument/2006/relationships" xmlns:p="http://schemas.openxmlformats.org/presentationml/2006/main">
   <p:cSld>
     <p:spTree>
       <p:nvGrpSpPr>
-        <p:cNvPr id="126" name="Shape 126"/>
-        <p:cNvGrpSpPr/>
-        <p:nvPr/>
-      </p:nvGrpSpPr>
-      <p:grpSpPr>
-        <a:xfrm>
-          <a:off x="0" y="0"/>
-          <a:ext cx="0" cy="0"/>
-          <a:chOff x="0" y="0"/>
-          <a:chExt cx="0" cy="0"/>
-        </a:xfrm>
-      </p:grpSpPr>
-      <p:sp>
-        <p:nvSpPr>
-          <p:cNvPr id="127" name="Google Shape;127;p11"/>
-          <p:cNvSpPr txBox="1"/>
-          <p:nvPr>
-            <p:ph type="title"/>
-          </p:nvPr>
-        </p:nvSpPr>
-        <p:spPr>
-          <a:xfrm>
-            <a:off x="913606" y="2019624"/>
-            <a:ext cx="7316788" cy="1104251"/>
-          </a:xfrm>
-          <a:prstGeom prst="rect">
-            <a:avLst/>
-          </a:prstGeom>
-          <a:noFill/>
-          <a:ln>
-            <a:noFill/>
-          </a:ln>
-        </p:spPr>
-        <p:txBody>
-          <a:bodyPr anchorCtr="0" anchor="b" bIns="91425" lIns="91425" spcFirstLastPara="1" rIns="91425" wrap="square" tIns="91425">
-            <a:noAutofit/>
-          </a:bodyPr>
-          <a:lstStyle/>
-          <a:p>
-            <a:pPr indent="0" lvl="0" marL="0" rtl="0" algn="l">
-              <a:lnSpc>
-                <a:spcPct val="100000"/>
-              </a:lnSpc>
-              <a:spcBef>
-                <a:spcPts val="0"/>
-              </a:spcBef>
-              <a:spcAft>
-                <a:spcPts val="0"/>
-              </a:spcAft>
-              <a:buSzPts val="3500"/>
-              <a:buNone/>
-            </a:pPr>
-            <a:r>
-              <a:rPr lang="en-GB" sz="6600"/>
-              <a:t>Les améliorations</a:t>
-            </a:r>
-            <a:endParaRPr sz="6600"/>
-          </a:p>
-        </p:txBody>
-      </p:sp>
-    </p:spTree>
-  </p:cSld>
-  <p:clrMapOvr>
-    <a:masterClrMapping/>
-  </p:clrMapOvr>
-</p:sld>
-</file>
-
-<file path=ppt/slides/slide11.xml><?xml version="1.0" encoding="utf-8"?>
-<p:sld xmlns:a="http://schemas.openxmlformats.org/drawingml/2006/main" xmlns:r="http://schemas.openxmlformats.org/officeDocument/2006/relationships" xmlns:mc="http://schemas.openxmlformats.org/markup-compatibility/2006" xmlns:mv="urn:schemas-microsoft-com:mac:vml" xmlns:p="http://schemas.openxmlformats.org/presentationml/2006/main" xmlns:c="http://schemas.openxmlformats.org/drawingml/2006/chart" xmlns:dgm="http://schemas.openxmlformats.org/drawingml/2006/diagram" xmlns:o="urn:schemas-microsoft-com:office:office" xmlns:v="urn:schemas-microsoft-com:vml" xmlns:pvml="urn:schemas-microsoft-com:office:powerpoint" xmlns:com="http://schemas.openxmlformats.org/drawingml/2006/compatibility" xmlns:p14="http://schemas.microsoft.com/office/powerpoint/2010/main" xmlns:p15="http://schemas.microsoft.com/office/powerpoint/2012/main" xmlns:ahyp="http://schemas.microsoft.com/office/drawing/2018/hyperlinkcolor">
-  <p:cSld>
-    <p:spTree>
-      <p:nvGrpSpPr>
-        <p:cNvPr id="131" name="Shape 131"/>
+        <p:cNvPr id="1" name="Shape 131"/>
         <p:cNvGrpSpPr/>
         <p:nvPr/>
       </p:nvGrpSpPr>
@@ -7851,9 +7792,11 @@
       <p:sp>
         <p:nvSpPr>
           <p:cNvPr id="132" name="Google Shape;132;p12"/>
-          <p:cNvSpPr txBox="1"/>
+          <p:cNvSpPr txBox="1">
+            <a:spLocks noGrp="1"/>
+          </p:cNvSpPr>
           <p:nvPr>
-            <p:ph idx="1" type="subTitle"/>
+            <p:ph type="subTitle" idx="1"/>
           </p:nvPr>
         </p:nvSpPr>
         <p:spPr>
@@ -7870,12 +7813,12 @@
           </a:ln>
         </p:spPr>
         <p:txBody>
-          <a:bodyPr anchorCtr="0" anchor="t" bIns="91425" lIns="91425" spcFirstLastPara="1" rIns="91425" wrap="square" tIns="91425">
+          <a:bodyPr spcFirstLastPara="1" wrap="square" lIns="91425" tIns="91425" rIns="91425" bIns="91425" anchor="t" anchorCtr="0">
             <a:noAutofit/>
           </a:bodyPr>
           <a:lstStyle/>
           <a:p>
-            <a:pPr indent="0" lvl="0" marL="0" rtl="0" algn="l">
+            <a:pPr marL="0" lvl="0" indent="0" algn="l" rtl="0">
               <a:lnSpc>
                 <a:spcPct val="100000"/>
               </a:lnSpc>
@@ -7899,9 +7842,11 @@
       <p:sp>
         <p:nvSpPr>
           <p:cNvPr id="133" name="Google Shape;133;p12"/>
-          <p:cNvSpPr txBox="1"/>
+          <p:cNvSpPr txBox="1">
+            <a:spLocks noGrp="1"/>
+          </p:cNvSpPr>
           <p:nvPr>
-            <p:ph idx="2" type="subTitle"/>
+            <p:ph type="subTitle" idx="2"/>
           </p:nvPr>
         </p:nvSpPr>
         <p:spPr>
@@ -7918,12 +7863,12 @@
           </a:ln>
         </p:spPr>
         <p:txBody>
-          <a:bodyPr anchorCtr="0" anchor="t" bIns="91425" lIns="91425" spcFirstLastPara="1" rIns="91425" wrap="square" tIns="91425">
+          <a:bodyPr spcFirstLastPara="1" wrap="square" lIns="91425" tIns="91425" rIns="91425" bIns="91425" anchor="t" anchorCtr="0">
             <a:noAutofit/>
           </a:bodyPr>
           <a:lstStyle/>
           <a:p>
-            <a:pPr indent="0" lvl="0" marL="0" rtl="0" algn="l">
+            <a:pPr marL="0" lvl="0" indent="0" algn="l" rtl="0">
               <a:lnSpc>
                 <a:spcPct val="100000"/>
               </a:lnSpc>
@@ -7947,9 +7892,11 @@
       <p:sp>
         <p:nvSpPr>
           <p:cNvPr id="134" name="Google Shape;134;p12"/>
-          <p:cNvSpPr txBox="1"/>
+          <p:cNvSpPr txBox="1">
+            <a:spLocks noGrp="1"/>
+          </p:cNvSpPr>
           <p:nvPr>
-            <p:ph idx="3" type="subTitle"/>
+            <p:ph type="subTitle" idx="3"/>
           </p:nvPr>
         </p:nvSpPr>
         <p:spPr>
@@ -7966,12 +7913,12 @@
           </a:ln>
         </p:spPr>
         <p:txBody>
-          <a:bodyPr anchorCtr="0" anchor="t" bIns="91425" lIns="91425" spcFirstLastPara="1" rIns="91425" wrap="square" tIns="91425">
+          <a:bodyPr spcFirstLastPara="1" wrap="square" lIns="91425" tIns="91425" rIns="91425" bIns="91425" anchor="t" anchorCtr="0">
             <a:noAutofit/>
           </a:bodyPr>
           <a:lstStyle/>
           <a:p>
-            <a:pPr indent="0" lvl="0" marL="0" rtl="0" algn="l">
+            <a:pPr marL="0" lvl="0" indent="0" algn="l" rtl="0">
               <a:lnSpc>
                 <a:spcPct val="100000"/>
               </a:lnSpc>
@@ -7995,9 +7942,11 @@
       <p:sp>
         <p:nvSpPr>
           <p:cNvPr id="135" name="Google Shape;135;p12"/>
-          <p:cNvSpPr txBox="1"/>
+          <p:cNvSpPr txBox="1">
+            <a:spLocks noGrp="1"/>
+          </p:cNvSpPr>
           <p:nvPr>
-            <p:ph idx="4" type="subTitle"/>
+            <p:ph type="subTitle" idx="4"/>
           </p:nvPr>
         </p:nvSpPr>
         <p:spPr>
@@ -8014,12 +7963,12 @@
           </a:ln>
         </p:spPr>
         <p:txBody>
-          <a:bodyPr anchorCtr="0" anchor="b" bIns="91425" lIns="91425" spcFirstLastPara="1" rIns="91425" wrap="square" tIns="91425">
+          <a:bodyPr spcFirstLastPara="1" wrap="square" lIns="91425" tIns="91425" rIns="91425" bIns="91425" anchor="b" anchorCtr="0">
             <a:noAutofit/>
           </a:bodyPr>
           <a:lstStyle/>
           <a:p>
-            <a:pPr indent="0" lvl="0" marL="0" rtl="0" algn="l">
+            <a:pPr marL="0" lvl="0" indent="0" algn="l" rtl="0">
               <a:lnSpc>
                 <a:spcPct val="100000"/>
               </a:lnSpc>
@@ -8043,9 +7992,11 @@
       <p:sp>
         <p:nvSpPr>
           <p:cNvPr id="136" name="Google Shape;136;p12"/>
-          <p:cNvSpPr txBox="1"/>
+          <p:cNvSpPr txBox="1">
+            <a:spLocks noGrp="1"/>
+          </p:cNvSpPr>
           <p:nvPr>
-            <p:ph idx="5" type="subTitle"/>
+            <p:ph type="subTitle" idx="5"/>
           </p:nvPr>
         </p:nvSpPr>
         <p:spPr>
@@ -8062,12 +8013,12 @@
           </a:ln>
         </p:spPr>
         <p:txBody>
-          <a:bodyPr anchorCtr="0" anchor="b" bIns="91425" lIns="91425" spcFirstLastPara="1" rIns="91425" wrap="square" tIns="91425">
+          <a:bodyPr spcFirstLastPara="1" wrap="square" lIns="91425" tIns="91425" rIns="91425" bIns="91425" anchor="b" anchorCtr="0">
             <a:noAutofit/>
           </a:bodyPr>
           <a:lstStyle/>
           <a:p>
-            <a:pPr indent="0" lvl="0" marL="0" rtl="0" algn="l">
+            <a:pPr marL="0" lvl="0" indent="0" algn="l" rtl="0">
               <a:lnSpc>
                 <a:spcPct val="100000"/>
               </a:lnSpc>
@@ -8091,9 +8042,11 @@
       <p:sp>
         <p:nvSpPr>
           <p:cNvPr id="137" name="Google Shape;137;p12"/>
-          <p:cNvSpPr txBox="1"/>
+          <p:cNvSpPr txBox="1">
+            <a:spLocks noGrp="1"/>
+          </p:cNvSpPr>
           <p:nvPr>
-            <p:ph idx="6" type="subTitle"/>
+            <p:ph type="subTitle" idx="6"/>
           </p:nvPr>
         </p:nvSpPr>
         <p:spPr>
@@ -8110,12 +8063,12 @@
           </a:ln>
         </p:spPr>
         <p:txBody>
-          <a:bodyPr anchorCtr="0" anchor="b" bIns="91425" lIns="91425" spcFirstLastPara="1" rIns="91425" wrap="square" tIns="91425">
+          <a:bodyPr spcFirstLastPara="1" wrap="square" lIns="91425" tIns="91425" rIns="91425" bIns="91425" anchor="b" anchorCtr="0">
             <a:noAutofit/>
           </a:bodyPr>
           <a:lstStyle/>
           <a:p>
-            <a:pPr indent="0" lvl="0" marL="0" rtl="0" algn="l">
+            <a:pPr marL="0" lvl="0" indent="0" algn="l" rtl="0">
               <a:lnSpc>
                 <a:spcPct val="100000"/>
               </a:lnSpc>
@@ -8183,12 +8136,12 @@
             </a:ln>
           </p:spPr>
           <p:txBody>
-            <a:bodyPr anchorCtr="0" anchor="ctr" bIns="91425" lIns="91425" spcFirstLastPara="1" rIns="91425" wrap="square" tIns="91425">
+            <a:bodyPr spcFirstLastPara="1" wrap="square" lIns="91425" tIns="91425" rIns="91425" bIns="91425" anchor="ctr" anchorCtr="0">
               <a:noAutofit/>
             </a:bodyPr>
             <a:lstStyle/>
             <a:p>
-              <a:pPr indent="0" lvl="0" marL="0" marR="0" rtl="0" algn="l">
+              <a:pPr marL="0" marR="0" lvl="0" indent="0" algn="l" rtl="0">
                 <a:lnSpc>
                   <a:spcPct val="100000"/>
                 </a:lnSpc>
@@ -8205,10 +8158,7 @@
                 <a:buFont typeface="Arial"/>
                 <a:buNone/>
               </a:pPr>
-              <a:r>
-                <a:t/>
-              </a:r>
-              <a:endParaRPr b="0" i="0" sz="1400" u="none" cap="none" strike="noStrike">
+              <a:endParaRPr sz="1400" b="0" i="0" u="none" strike="noStrike" cap="none">
                 <a:solidFill>
                   <a:srgbClr val="000000"/>
                 </a:solidFill>
@@ -8233,7 +8183,7 @@
             </a:xfrm>
             <a:prstGeom prst="roundRect">
               <a:avLst>
-                <a:gd fmla="val 16667" name="adj"/>
+                <a:gd name="adj" fmla="val 16667"/>
               </a:avLst>
             </a:prstGeom>
             <a:solidFill>
@@ -8244,12 +8194,12 @@
             </a:ln>
           </p:spPr>
           <p:txBody>
-            <a:bodyPr anchorCtr="0" anchor="ctr" bIns="91425" lIns="91425" spcFirstLastPara="1" rIns="91425" wrap="square" tIns="91425">
+            <a:bodyPr spcFirstLastPara="1" wrap="square" lIns="91425" tIns="91425" rIns="91425" bIns="91425" anchor="ctr" anchorCtr="0">
               <a:noAutofit/>
             </a:bodyPr>
             <a:lstStyle/>
             <a:p>
-              <a:pPr indent="0" lvl="0" marL="0" marR="0" rtl="0" algn="l">
+              <a:pPr marL="0" marR="0" lvl="0" indent="0" algn="l" rtl="0">
                 <a:lnSpc>
                   <a:spcPct val="100000"/>
                 </a:lnSpc>
@@ -8266,10 +8216,7 @@
                 <a:buFont typeface="Arial"/>
                 <a:buNone/>
               </a:pPr>
-              <a:r>
-                <a:t/>
-              </a:r>
-              <a:endParaRPr b="0" i="0" sz="1400" u="none" cap="none" strike="noStrike">
+              <a:endParaRPr sz="1400" b="0" i="0" u="none" strike="noStrike" cap="none">
                 <a:solidFill>
                   <a:srgbClr val="000000"/>
                 </a:solidFill>
@@ -8294,7 +8241,7 @@
             </a:xfrm>
             <a:prstGeom prst="roundRect">
               <a:avLst>
-                <a:gd fmla="val 16667" name="adj"/>
+                <a:gd name="adj" fmla="val 16667"/>
               </a:avLst>
             </a:prstGeom>
             <a:solidFill>
@@ -8305,12 +8252,12 @@
             </a:ln>
           </p:spPr>
           <p:txBody>
-            <a:bodyPr anchorCtr="0" anchor="ctr" bIns="91425" lIns="91425" spcFirstLastPara="1" rIns="91425" wrap="square" tIns="91425">
+            <a:bodyPr spcFirstLastPara="1" wrap="square" lIns="91425" tIns="91425" rIns="91425" bIns="91425" anchor="ctr" anchorCtr="0">
               <a:noAutofit/>
             </a:bodyPr>
             <a:lstStyle/>
             <a:p>
-              <a:pPr indent="0" lvl="0" marL="0" marR="0" rtl="0" algn="l">
+              <a:pPr marL="0" marR="0" lvl="0" indent="0" algn="l" rtl="0">
                 <a:lnSpc>
                   <a:spcPct val="100000"/>
                 </a:lnSpc>
@@ -8327,10 +8274,7 @@
                 <a:buFont typeface="Arial"/>
                 <a:buNone/>
               </a:pPr>
-              <a:r>
-                <a:t/>
-              </a:r>
-              <a:endParaRPr b="0" i="0" sz="1400" u="none" cap="none" strike="noStrike">
+              <a:endParaRPr sz="1400" b="0" i="0" u="none" strike="noStrike" cap="none">
                 <a:solidFill>
                   <a:srgbClr val="000000"/>
                 </a:solidFill>
@@ -8369,9 +8313,13 @@
               <a:ext cx="313500" cy="195825"/>
             </a:xfrm>
             <a:custGeom>
-              <a:rect b="b" l="l" r="r" t="t"/>
+              <a:avLst/>
+              <a:gdLst/>
+              <a:ahLst/>
+              <a:cxnLst/>
+              <a:rect l="l" t="t" r="r" b="b"/>
               <a:pathLst>
-                <a:path extrusionOk="0" h="7833" w="12540">
+                <a:path w="12540" h="7833" extrusionOk="0">
                   <a:moveTo>
                     <a:pt x="6591" y="0"/>
                   </a:moveTo>
@@ -8488,12 +8436,12 @@
             </a:ln>
           </p:spPr>
           <p:txBody>
-            <a:bodyPr anchorCtr="0" anchor="ctr" bIns="91425" lIns="91425" spcFirstLastPara="1" rIns="91425" wrap="square" tIns="91425">
+            <a:bodyPr spcFirstLastPara="1" wrap="square" lIns="91425" tIns="91425" rIns="91425" bIns="91425" anchor="ctr" anchorCtr="0">
               <a:noAutofit/>
             </a:bodyPr>
             <a:lstStyle/>
             <a:p>
-              <a:pPr indent="0" lvl="0" marL="0" marR="0" rtl="0" algn="l">
+              <a:pPr marL="0" marR="0" lvl="0" indent="0" algn="l" rtl="0">
                 <a:lnSpc>
                   <a:spcPct val="100000"/>
                 </a:lnSpc>
@@ -8510,10 +8458,7 @@
                 <a:buFont typeface="Arial"/>
                 <a:buNone/>
               </a:pPr>
-              <a:r>
-                <a:t/>
-              </a:r>
-              <a:endParaRPr b="0" i="0" sz="1400" u="none" cap="none" strike="noStrike">
+              <a:endParaRPr sz="1400" b="0" i="0" u="none" strike="noStrike" cap="none">
                 <a:solidFill>
                   <a:srgbClr val="000000"/>
                 </a:solidFill>
@@ -8537,9 +8482,13 @@
               <a:ext cx="315050" cy="196250"/>
             </a:xfrm>
             <a:custGeom>
-              <a:rect b="b" l="l" r="r" t="t"/>
+              <a:avLst/>
+              <a:gdLst/>
+              <a:ahLst/>
+              <a:cxnLst/>
+              <a:rect l="l" t="t" r="r" b="b"/>
               <a:pathLst>
-                <a:path extrusionOk="0" h="7850" w="12602">
+                <a:path w="12602" h="7850" extrusionOk="0">
                   <a:moveTo>
                     <a:pt x="11779" y="0"/>
                   </a:moveTo>
@@ -8658,12 +8607,12 @@
             </a:ln>
           </p:spPr>
           <p:txBody>
-            <a:bodyPr anchorCtr="0" anchor="ctr" bIns="91425" lIns="91425" spcFirstLastPara="1" rIns="91425" wrap="square" tIns="91425">
+            <a:bodyPr spcFirstLastPara="1" wrap="square" lIns="91425" tIns="91425" rIns="91425" bIns="91425" anchor="ctr" anchorCtr="0">
               <a:noAutofit/>
             </a:bodyPr>
             <a:lstStyle/>
             <a:p>
-              <a:pPr indent="0" lvl="0" marL="0" marR="0" rtl="0" algn="l">
+              <a:pPr marL="0" marR="0" lvl="0" indent="0" algn="l" rtl="0">
                 <a:lnSpc>
                   <a:spcPct val="100000"/>
                 </a:lnSpc>
@@ -8680,10 +8629,7 @@
                 <a:buFont typeface="Arial"/>
                 <a:buNone/>
               </a:pPr>
-              <a:r>
-                <a:t/>
-              </a:r>
-              <a:endParaRPr b="0" i="0" sz="1400" u="none" cap="none" strike="noStrike">
+              <a:endParaRPr sz="1400" b="0" i="0" u="none" strike="noStrike" cap="none">
                 <a:solidFill>
                   <a:srgbClr val="000000"/>
                 </a:solidFill>
@@ -8707,9 +8653,13 @@
               <a:ext cx="15775" cy="26800"/>
             </a:xfrm>
             <a:custGeom>
-              <a:rect b="b" l="l" r="r" t="t"/>
+              <a:avLst/>
+              <a:gdLst/>
+              <a:ahLst/>
+              <a:cxnLst/>
+              <a:rect l="l" t="t" r="r" b="b"/>
               <a:pathLst>
-                <a:path extrusionOk="0" h="1072" w="631">
+                <a:path w="631" h="1072" extrusionOk="0">
                   <a:moveTo>
                     <a:pt x="630" y="1"/>
                   </a:moveTo>
@@ -8744,12 +8694,12 @@
             </a:ln>
           </p:spPr>
           <p:txBody>
-            <a:bodyPr anchorCtr="0" anchor="ctr" bIns="91425" lIns="91425" spcFirstLastPara="1" rIns="91425" wrap="square" tIns="91425">
+            <a:bodyPr spcFirstLastPara="1" wrap="square" lIns="91425" tIns="91425" rIns="91425" bIns="91425" anchor="ctr" anchorCtr="0">
               <a:noAutofit/>
             </a:bodyPr>
             <a:lstStyle/>
             <a:p>
-              <a:pPr indent="0" lvl="0" marL="0" marR="0" rtl="0" algn="l">
+              <a:pPr marL="0" marR="0" lvl="0" indent="0" algn="l" rtl="0">
                 <a:lnSpc>
                   <a:spcPct val="100000"/>
                 </a:lnSpc>
@@ -8766,10 +8716,7 @@
                 <a:buFont typeface="Arial"/>
                 <a:buNone/>
               </a:pPr>
-              <a:r>
-                <a:t/>
-              </a:r>
-              <a:endParaRPr b="0" i="0" sz="1400" u="none" cap="none" strike="noStrike">
+              <a:endParaRPr sz="1400" b="0" i="0" u="none" strike="noStrike" cap="none">
                 <a:solidFill>
                   <a:srgbClr val="000000"/>
                 </a:solidFill>
@@ -8793,9 +8740,13 @@
               <a:ext cx="15775" cy="26025"/>
             </a:xfrm>
             <a:custGeom>
-              <a:rect b="b" l="l" r="r" t="t"/>
+              <a:avLst/>
+              <a:gdLst/>
+              <a:ahLst/>
+              <a:cxnLst/>
+              <a:rect l="l" t="t" r="r" b="b"/>
               <a:pathLst>
-                <a:path extrusionOk="0" h="1041" w="631">
+                <a:path w="631" h="1041" extrusionOk="0">
                   <a:moveTo>
                     <a:pt x="1" y="1"/>
                   </a:moveTo>
@@ -8827,12 +8778,12 @@
             </a:ln>
           </p:spPr>
           <p:txBody>
-            <a:bodyPr anchorCtr="0" anchor="ctr" bIns="91425" lIns="91425" spcFirstLastPara="1" rIns="91425" wrap="square" tIns="91425">
+            <a:bodyPr spcFirstLastPara="1" wrap="square" lIns="91425" tIns="91425" rIns="91425" bIns="91425" anchor="ctr" anchorCtr="0">
               <a:noAutofit/>
             </a:bodyPr>
             <a:lstStyle/>
             <a:p>
-              <a:pPr indent="0" lvl="0" marL="0" marR="0" rtl="0" algn="l">
+              <a:pPr marL="0" marR="0" lvl="0" indent="0" algn="l" rtl="0">
                 <a:lnSpc>
                   <a:spcPct val="100000"/>
                 </a:lnSpc>
@@ -8849,10 +8800,7 @@
                 <a:buFont typeface="Arial"/>
                 <a:buNone/>
               </a:pPr>
-              <a:r>
-                <a:t/>
-              </a:r>
-              <a:endParaRPr b="0" i="0" sz="1400" u="none" cap="none" strike="noStrike">
+              <a:endParaRPr sz="1400" b="0" i="0" u="none" strike="noStrike" cap="none">
                 <a:solidFill>
                   <a:srgbClr val="000000"/>
                 </a:solidFill>
@@ -8876,9 +8824,13 @@
               <a:ext cx="15775" cy="26025"/>
             </a:xfrm>
             <a:custGeom>
-              <a:rect b="b" l="l" r="r" t="t"/>
+              <a:avLst/>
+              <a:gdLst/>
+              <a:ahLst/>
+              <a:cxnLst/>
+              <a:rect l="l" t="t" r="r" b="b"/>
               <a:pathLst>
-                <a:path extrusionOk="0" h="1041" w="631">
+                <a:path w="631" h="1041" extrusionOk="0">
                   <a:moveTo>
                     <a:pt x="0" y="1"/>
                   </a:moveTo>
@@ -8910,12 +8862,12 @@
             </a:ln>
           </p:spPr>
           <p:txBody>
-            <a:bodyPr anchorCtr="0" anchor="ctr" bIns="91425" lIns="91425" spcFirstLastPara="1" rIns="91425" wrap="square" tIns="91425">
+            <a:bodyPr spcFirstLastPara="1" wrap="square" lIns="91425" tIns="91425" rIns="91425" bIns="91425" anchor="ctr" anchorCtr="0">
               <a:noAutofit/>
             </a:bodyPr>
             <a:lstStyle/>
             <a:p>
-              <a:pPr indent="0" lvl="0" marL="0" marR="0" rtl="0" algn="l">
+              <a:pPr marL="0" marR="0" lvl="0" indent="0" algn="l" rtl="0">
                 <a:lnSpc>
                   <a:spcPct val="100000"/>
                 </a:lnSpc>
@@ -8932,10 +8884,7 @@
                 <a:buFont typeface="Arial"/>
                 <a:buNone/>
               </a:pPr>
-              <a:r>
-                <a:t/>
-              </a:r>
-              <a:endParaRPr b="0" i="0" sz="1400" u="none" cap="none" strike="noStrike">
+              <a:endParaRPr sz="1400" b="0" i="0" u="none" strike="noStrike" cap="none">
                 <a:solidFill>
                   <a:srgbClr val="000000"/>
                 </a:solidFill>
@@ -8959,9 +8908,13 @@
               <a:ext cx="44125" cy="48075"/>
             </a:xfrm>
             <a:custGeom>
-              <a:rect b="b" l="l" r="r" t="t"/>
+              <a:avLst/>
+              <a:gdLst/>
+              <a:ahLst/>
+              <a:cxnLst/>
+              <a:rect l="l" t="t" r="r" b="b"/>
               <a:pathLst>
-                <a:path extrusionOk="0" h="1923" w="1765">
+                <a:path w="1765" h="1923" extrusionOk="0">
                   <a:moveTo>
                     <a:pt x="127" y="0"/>
                   </a:moveTo>
@@ -9008,12 +8961,12 @@
             </a:ln>
           </p:spPr>
           <p:txBody>
-            <a:bodyPr anchorCtr="0" anchor="ctr" bIns="91425" lIns="91425" spcFirstLastPara="1" rIns="91425" wrap="square" tIns="91425">
+            <a:bodyPr spcFirstLastPara="1" wrap="square" lIns="91425" tIns="91425" rIns="91425" bIns="91425" anchor="ctr" anchorCtr="0">
               <a:noAutofit/>
             </a:bodyPr>
             <a:lstStyle/>
             <a:p>
-              <a:pPr indent="0" lvl="0" marL="0" marR="0" rtl="0" algn="l">
+              <a:pPr marL="0" marR="0" lvl="0" indent="0" algn="l" rtl="0">
                 <a:lnSpc>
                   <a:spcPct val="100000"/>
                 </a:lnSpc>
@@ -9030,10 +8983,7 @@
                 <a:buFont typeface="Arial"/>
                 <a:buNone/>
               </a:pPr>
-              <a:r>
-                <a:t/>
-              </a:r>
-              <a:endParaRPr b="0" i="0" sz="1400" u="none" cap="none" strike="noStrike">
+              <a:endParaRPr sz="1400" b="0" i="0" u="none" strike="noStrike" cap="none">
                 <a:solidFill>
                   <a:srgbClr val="000000"/>
                 </a:solidFill>
@@ -9057,9 +9007,13 @@
               <a:ext cx="15775" cy="26800"/>
             </a:xfrm>
             <a:custGeom>
-              <a:rect b="b" l="l" r="r" t="t"/>
+              <a:avLst/>
+              <a:gdLst/>
+              <a:ahLst/>
+              <a:cxnLst/>
+              <a:rect l="l" t="t" r="r" b="b"/>
               <a:pathLst>
-                <a:path extrusionOk="0" h="1072" w="631">
+                <a:path w="631" h="1072" extrusionOk="0">
                   <a:moveTo>
                     <a:pt x="1" y="0"/>
                   </a:moveTo>
@@ -9094,12 +9048,12 @@
             </a:ln>
           </p:spPr>
           <p:txBody>
-            <a:bodyPr anchorCtr="0" anchor="ctr" bIns="91425" lIns="91425" spcFirstLastPara="1" rIns="91425" wrap="square" tIns="91425">
+            <a:bodyPr spcFirstLastPara="1" wrap="square" lIns="91425" tIns="91425" rIns="91425" bIns="91425" anchor="ctr" anchorCtr="0">
               <a:noAutofit/>
             </a:bodyPr>
             <a:lstStyle/>
             <a:p>
-              <a:pPr indent="0" lvl="0" marL="0" marR="0" rtl="0" algn="l">
+              <a:pPr marL="0" marR="0" lvl="0" indent="0" algn="l" rtl="0">
                 <a:lnSpc>
                   <a:spcPct val="100000"/>
                 </a:lnSpc>
@@ -9116,10 +9070,7 @@
                 <a:buFont typeface="Arial"/>
                 <a:buNone/>
               </a:pPr>
-              <a:r>
-                <a:t/>
-              </a:r>
-              <a:endParaRPr b="0" i="0" sz="1400" u="none" cap="none" strike="noStrike">
+              <a:endParaRPr sz="1400" b="0" i="0" u="none" strike="noStrike" cap="none">
                 <a:solidFill>
                   <a:srgbClr val="000000"/>
                 </a:solidFill>
@@ -9143,9 +9094,13 @@
               <a:ext cx="22875" cy="48075"/>
             </a:xfrm>
             <a:custGeom>
-              <a:rect b="b" l="l" r="r" t="t"/>
+              <a:avLst/>
+              <a:gdLst/>
+              <a:ahLst/>
+              <a:cxnLst/>
+              <a:rect l="l" t="t" r="r" b="b"/>
               <a:pathLst>
-                <a:path extrusionOk="0" h="1923" w="915">
+                <a:path w="915" h="1923" extrusionOk="0">
                   <a:moveTo>
                     <a:pt x="95" y="0"/>
                   </a:moveTo>
@@ -9185,12 +9140,12 @@
             </a:ln>
           </p:spPr>
           <p:txBody>
-            <a:bodyPr anchorCtr="0" anchor="ctr" bIns="91425" lIns="91425" spcFirstLastPara="1" rIns="91425" wrap="square" tIns="91425">
+            <a:bodyPr spcFirstLastPara="1" wrap="square" lIns="91425" tIns="91425" rIns="91425" bIns="91425" anchor="ctr" anchorCtr="0">
               <a:noAutofit/>
             </a:bodyPr>
             <a:lstStyle/>
             <a:p>
-              <a:pPr indent="0" lvl="0" marL="0" marR="0" rtl="0" algn="l">
+              <a:pPr marL="0" marR="0" lvl="0" indent="0" algn="l" rtl="0">
                 <a:lnSpc>
                   <a:spcPct val="100000"/>
                 </a:lnSpc>
@@ -9207,10 +9162,7 @@
                 <a:buFont typeface="Arial"/>
                 <a:buNone/>
               </a:pPr>
-              <a:r>
-                <a:t/>
-              </a:r>
-              <a:endParaRPr b="0" i="0" sz="1400" u="none" cap="none" strike="noStrike">
+              <a:endParaRPr sz="1400" b="0" i="0" u="none" strike="noStrike" cap="none">
                 <a:solidFill>
                   <a:srgbClr val="000000"/>
                 </a:solidFill>
@@ -9234,9 +9186,13 @@
               <a:ext cx="74850" cy="51225"/>
             </a:xfrm>
             <a:custGeom>
-              <a:rect b="b" l="l" r="r" t="t"/>
+              <a:avLst/>
+              <a:gdLst/>
+              <a:ahLst/>
+              <a:cxnLst/>
+              <a:rect l="l" t="t" r="r" b="b"/>
               <a:pathLst>
-                <a:path extrusionOk="0" h="2049" w="2994">
+                <a:path w="2994" h="2049" extrusionOk="0">
                   <a:moveTo>
                     <a:pt x="1" y="1"/>
                   </a:moveTo>
@@ -9276,12 +9232,12 @@
             </a:ln>
           </p:spPr>
           <p:txBody>
-            <a:bodyPr anchorCtr="0" anchor="ctr" bIns="91425" lIns="91425" spcFirstLastPara="1" rIns="91425" wrap="square" tIns="91425">
+            <a:bodyPr spcFirstLastPara="1" wrap="square" lIns="91425" tIns="91425" rIns="91425" bIns="91425" anchor="ctr" anchorCtr="0">
               <a:noAutofit/>
             </a:bodyPr>
             <a:lstStyle/>
             <a:p>
-              <a:pPr indent="0" lvl="0" marL="0" marR="0" rtl="0" algn="l">
+              <a:pPr marL="0" marR="0" lvl="0" indent="0" algn="l" rtl="0">
                 <a:lnSpc>
                   <a:spcPct val="100000"/>
                 </a:lnSpc>
@@ -9298,10 +9254,7 @@
                 <a:buFont typeface="Arial"/>
                 <a:buNone/>
               </a:pPr>
-              <a:r>
-                <a:t/>
-              </a:r>
-              <a:endParaRPr b="0" i="0" sz="1400" u="none" cap="none" strike="noStrike">
+              <a:endParaRPr sz="1400" b="0" i="0" u="none" strike="noStrike" cap="none">
                 <a:solidFill>
                   <a:srgbClr val="000000"/>
                 </a:solidFill>
@@ -9325,9 +9278,13 @@
               <a:ext cx="75625" cy="51225"/>
             </a:xfrm>
             <a:custGeom>
-              <a:rect b="b" l="l" r="r" t="t"/>
+              <a:avLst/>
+              <a:gdLst/>
+              <a:ahLst/>
+              <a:cxnLst/>
+              <a:rect l="l" t="t" r="r" b="b"/>
               <a:pathLst>
-                <a:path extrusionOk="0" h="2049" w="3025">
+                <a:path w="3025" h="2049" extrusionOk="0">
                   <a:moveTo>
                     <a:pt x="1512" y="1"/>
                   </a:moveTo>
@@ -9367,12 +9324,12 @@
             </a:ln>
           </p:spPr>
           <p:txBody>
-            <a:bodyPr anchorCtr="0" anchor="ctr" bIns="91425" lIns="91425" spcFirstLastPara="1" rIns="91425" wrap="square" tIns="91425">
+            <a:bodyPr spcFirstLastPara="1" wrap="square" lIns="91425" tIns="91425" rIns="91425" bIns="91425" anchor="ctr" anchorCtr="0">
               <a:noAutofit/>
             </a:bodyPr>
             <a:lstStyle/>
             <a:p>
-              <a:pPr indent="0" lvl="0" marL="0" marR="0" rtl="0" algn="l">
+              <a:pPr marL="0" marR="0" lvl="0" indent="0" algn="l" rtl="0">
                 <a:lnSpc>
                   <a:spcPct val="100000"/>
                 </a:lnSpc>
@@ -9389,10 +9346,7 @@
                 <a:buFont typeface="Arial"/>
                 <a:buNone/>
               </a:pPr>
-              <a:r>
-                <a:t/>
-              </a:r>
-              <a:endParaRPr b="0" i="0" sz="1400" u="none" cap="none" strike="noStrike">
+              <a:endParaRPr sz="1400" b="0" i="0" u="none" strike="noStrike" cap="none">
                 <a:solidFill>
                   <a:srgbClr val="000000"/>
                 </a:solidFill>
@@ -9416,9 +9370,13 @@
               <a:ext cx="75650" cy="52000"/>
             </a:xfrm>
             <a:custGeom>
-              <a:rect b="b" l="l" r="r" t="t"/>
+              <a:avLst/>
+              <a:gdLst/>
+              <a:ahLst/>
+              <a:cxnLst/>
+              <a:rect l="l" t="t" r="r" b="b"/>
               <a:pathLst>
-                <a:path extrusionOk="0" h="2080" w="3026">
+                <a:path w="3026" h="2080" extrusionOk="0">
                   <a:moveTo>
                     <a:pt x="1" y="0"/>
                   </a:moveTo>
@@ -9455,12 +9413,12 @@
             </a:ln>
           </p:spPr>
           <p:txBody>
-            <a:bodyPr anchorCtr="0" anchor="ctr" bIns="91425" lIns="91425" spcFirstLastPara="1" rIns="91425" wrap="square" tIns="91425">
+            <a:bodyPr spcFirstLastPara="1" wrap="square" lIns="91425" tIns="91425" rIns="91425" bIns="91425" anchor="ctr" anchorCtr="0">
               <a:noAutofit/>
             </a:bodyPr>
             <a:lstStyle/>
             <a:p>
-              <a:pPr indent="0" lvl="0" marL="0" marR="0" rtl="0" algn="l">
+              <a:pPr marL="0" marR="0" lvl="0" indent="0" algn="l" rtl="0">
                 <a:lnSpc>
                   <a:spcPct val="100000"/>
                 </a:lnSpc>
@@ -9477,10 +9435,7 @@
                 <a:buFont typeface="Arial"/>
                 <a:buNone/>
               </a:pPr>
-              <a:r>
-                <a:t/>
-              </a:r>
-              <a:endParaRPr b="0" i="0" sz="1400" u="none" cap="none" strike="noStrike">
+              <a:endParaRPr sz="1400" b="0" i="0" u="none" strike="noStrike" cap="none">
                 <a:solidFill>
                   <a:srgbClr val="000000"/>
                 </a:solidFill>
@@ -9504,9 +9459,13 @@
               <a:ext cx="44125" cy="48075"/>
             </a:xfrm>
             <a:custGeom>
-              <a:rect b="b" l="l" r="r" t="t"/>
+              <a:avLst/>
+              <a:gdLst/>
+              <a:ahLst/>
+              <a:cxnLst/>
+              <a:rect l="l" t="t" r="r" b="b"/>
               <a:pathLst>
-                <a:path extrusionOk="0" h="1923" w="1765">
+                <a:path w="1765" h="1923" extrusionOk="0">
                   <a:moveTo>
                     <a:pt x="0" y="0"/>
                   </a:moveTo>
@@ -9553,12 +9512,12 @@
             </a:ln>
           </p:spPr>
           <p:txBody>
-            <a:bodyPr anchorCtr="0" anchor="ctr" bIns="91425" lIns="91425" spcFirstLastPara="1" rIns="91425" wrap="square" tIns="91425">
+            <a:bodyPr spcFirstLastPara="1" wrap="square" lIns="91425" tIns="91425" rIns="91425" bIns="91425" anchor="ctr" anchorCtr="0">
               <a:noAutofit/>
             </a:bodyPr>
             <a:lstStyle/>
             <a:p>
-              <a:pPr indent="0" lvl="0" marL="0" marR="0" rtl="0" algn="l">
+              <a:pPr marL="0" marR="0" lvl="0" indent="0" algn="l" rtl="0">
                 <a:lnSpc>
                   <a:spcPct val="100000"/>
                 </a:lnSpc>
@@ -9575,10 +9534,7 @@
                 <a:buFont typeface="Arial"/>
                 <a:buNone/>
               </a:pPr>
-              <a:r>
-                <a:t/>
-              </a:r>
-              <a:endParaRPr b="0" i="0" sz="1400" u="none" cap="none" strike="noStrike">
+              <a:endParaRPr sz="1400" b="0" i="0" u="none" strike="noStrike" cap="none">
                 <a:solidFill>
                   <a:srgbClr val="000000"/>
                 </a:solidFill>
@@ -9602,9 +9558,13 @@
               <a:ext cx="75625" cy="51200"/>
             </a:xfrm>
             <a:custGeom>
-              <a:rect b="b" l="l" r="r" t="t"/>
+              <a:avLst/>
+              <a:gdLst/>
+              <a:ahLst/>
+              <a:cxnLst/>
+              <a:rect l="l" t="t" r="r" b="b"/>
               <a:pathLst>
-                <a:path extrusionOk="0" h="2048" w="3025">
+                <a:path w="3025" h="2048" extrusionOk="0">
                   <a:moveTo>
                     <a:pt x="2993" y="0"/>
                   </a:moveTo>
@@ -9644,12 +9604,12 @@
             </a:ln>
           </p:spPr>
           <p:txBody>
-            <a:bodyPr anchorCtr="0" anchor="ctr" bIns="91425" lIns="91425" spcFirstLastPara="1" rIns="91425" wrap="square" tIns="91425">
+            <a:bodyPr spcFirstLastPara="1" wrap="square" lIns="91425" tIns="91425" rIns="91425" bIns="91425" anchor="ctr" anchorCtr="0">
               <a:noAutofit/>
             </a:bodyPr>
             <a:lstStyle/>
             <a:p>
-              <a:pPr indent="0" lvl="0" marL="0" marR="0" rtl="0" algn="l">
+              <a:pPr marL="0" marR="0" lvl="0" indent="0" algn="l" rtl="0">
                 <a:lnSpc>
                   <a:spcPct val="100000"/>
                 </a:lnSpc>
@@ -9666,10 +9626,7 @@
                 <a:buFont typeface="Arial"/>
                 <a:buNone/>
               </a:pPr>
-              <a:r>
-                <a:t/>
-              </a:r>
-              <a:endParaRPr b="0" i="0" sz="1400" u="none" cap="none" strike="noStrike">
+              <a:endParaRPr sz="1400" b="0" i="0" u="none" strike="noStrike" cap="none">
                 <a:solidFill>
                   <a:srgbClr val="000000"/>
                 </a:solidFill>
@@ -9693,9 +9650,13 @@
               <a:ext cx="22850" cy="48075"/>
             </a:xfrm>
             <a:custGeom>
-              <a:rect b="b" l="l" r="r" t="t"/>
+              <a:avLst/>
+              <a:gdLst/>
+              <a:ahLst/>
+              <a:cxnLst/>
+              <a:rect l="l" t="t" r="r" b="b"/>
               <a:pathLst>
-                <a:path extrusionOk="0" h="1923" w="914">
+                <a:path w="914" h="1923" extrusionOk="0">
                   <a:moveTo>
                     <a:pt x="1" y="0"/>
                   </a:moveTo>
@@ -9735,12 +9696,12 @@
             </a:ln>
           </p:spPr>
           <p:txBody>
-            <a:bodyPr anchorCtr="0" anchor="ctr" bIns="91425" lIns="91425" spcFirstLastPara="1" rIns="91425" wrap="square" tIns="91425">
+            <a:bodyPr spcFirstLastPara="1" wrap="square" lIns="91425" tIns="91425" rIns="91425" bIns="91425" anchor="ctr" anchorCtr="0">
               <a:noAutofit/>
             </a:bodyPr>
             <a:lstStyle/>
             <a:p>
-              <a:pPr indent="0" lvl="0" marL="0" marR="0" rtl="0" algn="l">
+              <a:pPr marL="0" marR="0" lvl="0" indent="0" algn="l" rtl="0">
                 <a:lnSpc>
                   <a:spcPct val="100000"/>
                 </a:lnSpc>
@@ -9757,10 +9718,7 @@
                 <a:buFont typeface="Arial"/>
                 <a:buNone/>
               </a:pPr>
-              <a:r>
-                <a:t/>
-              </a:r>
-              <a:endParaRPr b="0" i="0" sz="1400" u="none" cap="none" strike="noStrike">
+              <a:endParaRPr sz="1400" b="0" i="0" u="none" strike="noStrike" cap="none">
                 <a:solidFill>
                   <a:srgbClr val="000000"/>
                 </a:solidFill>
@@ -9799,9 +9757,13 @@
               <a:ext cx="44150" cy="18125"/>
             </a:xfrm>
             <a:custGeom>
-              <a:rect b="b" l="l" r="r" t="t"/>
+              <a:avLst/>
+              <a:gdLst/>
+              <a:ahLst/>
+              <a:cxnLst/>
+              <a:rect l="l" t="t" r="r" b="b"/>
               <a:pathLst>
-                <a:path extrusionOk="0" h="725" w="1766">
+                <a:path w="1766" h="725" extrusionOk="0">
                   <a:moveTo>
                     <a:pt x="347" y="0"/>
                   </a:moveTo>
@@ -9850,12 +9812,12 @@
             </a:ln>
           </p:spPr>
           <p:txBody>
-            <a:bodyPr anchorCtr="0" anchor="ctr" bIns="91425" lIns="91425" spcFirstLastPara="1" rIns="91425" wrap="square" tIns="91425">
+            <a:bodyPr spcFirstLastPara="1" wrap="square" lIns="91425" tIns="91425" rIns="91425" bIns="91425" anchor="ctr" anchorCtr="0">
               <a:noAutofit/>
             </a:bodyPr>
             <a:lstStyle/>
             <a:p>
-              <a:pPr indent="0" lvl="0" marL="0" marR="0" rtl="0" algn="l">
+              <a:pPr marL="0" marR="0" lvl="0" indent="0" algn="l" rtl="0">
                 <a:lnSpc>
                   <a:spcPct val="100000"/>
                 </a:lnSpc>
@@ -9872,10 +9834,7 @@
                 <a:buFont typeface="Arial"/>
                 <a:buNone/>
               </a:pPr>
-              <a:r>
-                <a:t/>
-              </a:r>
-              <a:endParaRPr b="0" i="0" sz="1400" u="none" cap="none" strike="noStrike">
+              <a:endParaRPr sz="1400" b="0" i="0" u="none" strike="noStrike" cap="none">
                 <a:solidFill>
                   <a:srgbClr val="000000"/>
                 </a:solidFill>
@@ -9899,9 +9858,13 @@
               <a:ext cx="37050" cy="33875"/>
             </a:xfrm>
             <a:custGeom>
-              <a:rect b="b" l="l" r="r" t="t"/>
+              <a:avLst/>
+              <a:gdLst/>
+              <a:ahLst/>
+              <a:cxnLst/>
+              <a:rect l="l" t="t" r="r" b="b"/>
               <a:pathLst>
-                <a:path extrusionOk="0" h="1355" w="1482">
+                <a:path w="1482" h="1355" extrusionOk="0">
                   <a:moveTo>
                     <a:pt x="394" y="0"/>
                   </a:moveTo>
@@ -9963,12 +9926,12 @@
             </a:ln>
           </p:spPr>
           <p:txBody>
-            <a:bodyPr anchorCtr="0" anchor="ctr" bIns="91425" lIns="91425" spcFirstLastPara="1" rIns="91425" wrap="square" tIns="91425">
+            <a:bodyPr spcFirstLastPara="1" wrap="square" lIns="91425" tIns="91425" rIns="91425" bIns="91425" anchor="ctr" anchorCtr="0">
               <a:noAutofit/>
             </a:bodyPr>
             <a:lstStyle/>
             <a:p>
-              <a:pPr indent="0" lvl="0" marL="0" marR="0" rtl="0" algn="l">
+              <a:pPr marL="0" marR="0" lvl="0" indent="0" algn="l" rtl="0">
                 <a:lnSpc>
                   <a:spcPct val="100000"/>
                 </a:lnSpc>
@@ -9985,10 +9948,7 @@
                 <a:buFont typeface="Arial"/>
                 <a:buNone/>
               </a:pPr>
-              <a:r>
-                <a:t/>
-              </a:r>
-              <a:endParaRPr b="0" i="0" sz="1400" u="none" cap="none" strike="noStrike">
+              <a:endParaRPr sz="1400" b="0" i="0" u="none" strike="noStrike" cap="none">
                 <a:solidFill>
                   <a:srgbClr val="000000"/>
                 </a:solidFill>
@@ -10012,9 +9972,13 @@
               <a:ext cx="35475" cy="34500"/>
             </a:xfrm>
             <a:custGeom>
-              <a:rect b="b" l="l" r="r" t="t"/>
+              <a:avLst/>
+              <a:gdLst/>
+              <a:ahLst/>
+              <a:cxnLst/>
+              <a:rect l="l" t="t" r="r" b="b"/>
               <a:pathLst>
-                <a:path extrusionOk="0" h="1380" w="1419">
+                <a:path w="1419" h="1380" extrusionOk="0">
                   <a:moveTo>
                     <a:pt x="1056" y="1"/>
                   </a:moveTo>
@@ -10076,12 +10040,12 @@
             </a:ln>
           </p:spPr>
           <p:txBody>
-            <a:bodyPr anchorCtr="0" anchor="ctr" bIns="91425" lIns="91425" spcFirstLastPara="1" rIns="91425" wrap="square" tIns="91425">
+            <a:bodyPr spcFirstLastPara="1" wrap="square" lIns="91425" tIns="91425" rIns="91425" bIns="91425" anchor="ctr" anchorCtr="0">
               <a:noAutofit/>
             </a:bodyPr>
             <a:lstStyle/>
             <a:p>
-              <a:pPr indent="0" lvl="0" marL="0" marR="0" rtl="0" algn="l">
+              <a:pPr marL="0" marR="0" lvl="0" indent="0" algn="l" rtl="0">
                 <a:lnSpc>
                   <a:spcPct val="100000"/>
                 </a:lnSpc>
@@ -10098,10 +10062,7 @@
                 <a:buFont typeface="Arial"/>
                 <a:buNone/>
               </a:pPr>
-              <a:r>
-                <a:t/>
-              </a:r>
-              <a:endParaRPr b="0" i="0" sz="1400" u="none" cap="none" strike="noStrike">
+              <a:endParaRPr sz="1400" b="0" i="0" u="none" strike="noStrike" cap="none">
                 <a:solidFill>
                   <a:srgbClr val="000000"/>
                 </a:solidFill>
@@ -10125,9 +10086,13 @@
               <a:ext cx="105550" cy="104800"/>
             </a:xfrm>
             <a:custGeom>
-              <a:rect b="b" l="l" r="r" t="t"/>
+              <a:avLst/>
+              <a:gdLst/>
+              <a:ahLst/>
+              <a:cxnLst/>
+              <a:rect l="l" t="t" r="r" b="b"/>
               <a:pathLst>
-                <a:path extrusionOk="0" h="4192" w="4222">
+                <a:path w="4222" h="4192" extrusionOk="0">
                   <a:moveTo>
                     <a:pt x="2489" y="1"/>
                   </a:moveTo>
@@ -10185,12 +10150,12 @@
             </a:ln>
           </p:spPr>
           <p:txBody>
-            <a:bodyPr anchorCtr="0" anchor="ctr" bIns="91425" lIns="91425" spcFirstLastPara="1" rIns="91425" wrap="square" tIns="91425">
+            <a:bodyPr spcFirstLastPara="1" wrap="square" lIns="91425" tIns="91425" rIns="91425" bIns="91425" anchor="ctr" anchorCtr="0">
               <a:noAutofit/>
             </a:bodyPr>
             <a:lstStyle/>
             <a:p>
-              <a:pPr indent="0" lvl="0" marL="0" marR="0" rtl="0" algn="l">
+              <a:pPr marL="0" marR="0" lvl="0" indent="0" algn="l" rtl="0">
                 <a:lnSpc>
                   <a:spcPct val="100000"/>
                 </a:lnSpc>
@@ -10207,10 +10172,7 @@
                 <a:buFont typeface="Arial"/>
                 <a:buNone/>
               </a:pPr>
-              <a:r>
-                <a:t/>
-              </a:r>
-              <a:endParaRPr b="0" i="0" sz="1400" u="none" cap="none" strike="noStrike">
+              <a:endParaRPr sz="1400" b="0" i="0" u="none" strike="noStrike" cap="none">
                 <a:solidFill>
                   <a:srgbClr val="000000"/>
                 </a:solidFill>
@@ -10234,9 +10196,13 @@
               <a:ext cx="35450" cy="208750"/>
             </a:xfrm>
             <a:custGeom>
-              <a:rect b="b" l="l" r="r" t="t"/>
+              <a:avLst/>
+              <a:gdLst/>
+              <a:ahLst/>
+              <a:cxnLst/>
+              <a:rect l="l" t="t" r="r" b="b"/>
               <a:pathLst>
-                <a:path extrusionOk="0" h="8350" w="1418">
+                <a:path w="1418" h="8350" extrusionOk="0">
                   <a:moveTo>
                     <a:pt x="725" y="1"/>
                   </a:moveTo>
@@ -10288,12 +10254,12 @@
             </a:ln>
           </p:spPr>
           <p:txBody>
-            <a:bodyPr anchorCtr="0" anchor="ctr" bIns="91425" lIns="91425" spcFirstLastPara="1" rIns="91425" wrap="square" tIns="91425">
+            <a:bodyPr spcFirstLastPara="1" wrap="square" lIns="91425" tIns="91425" rIns="91425" bIns="91425" anchor="ctr" anchorCtr="0">
               <a:noAutofit/>
             </a:bodyPr>
             <a:lstStyle/>
             <a:p>
-              <a:pPr indent="0" lvl="0" marL="0" marR="0" rtl="0" algn="l">
+              <a:pPr marL="0" marR="0" lvl="0" indent="0" algn="l" rtl="0">
                 <a:lnSpc>
                   <a:spcPct val="100000"/>
                 </a:lnSpc>
@@ -10310,10 +10276,7 @@
                 <a:buFont typeface="Arial"/>
                 <a:buNone/>
               </a:pPr>
-              <a:r>
-                <a:t/>
-              </a:r>
-              <a:endParaRPr b="0" i="0" sz="1400" u="none" cap="none" strike="noStrike">
+              <a:endParaRPr sz="1400" b="0" i="0" u="none" strike="noStrike" cap="none">
                 <a:solidFill>
                   <a:srgbClr val="000000"/>
                 </a:solidFill>
@@ -10337,9 +10300,13 @@
               <a:ext cx="51225" cy="69325"/>
             </a:xfrm>
             <a:custGeom>
-              <a:rect b="b" l="l" r="r" t="t"/>
+              <a:avLst/>
+              <a:gdLst/>
+              <a:ahLst/>
+              <a:cxnLst/>
+              <a:rect l="l" t="t" r="r" b="b"/>
               <a:pathLst>
-                <a:path extrusionOk="0" h="2773" w="2049">
+                <a:path w="2049" h="2773" extrusionOk="0">
                   <a:moveTo>
                     <a:pt x="1" y="0"/>
                   </a:moveTo>
@@ -10389,12 +10356,12 @@
             </a:ln>
           </p:spPr>
           <p:txBody>
-            <a:bodyPr anchorCtr="0" anchor="ctr" bIns="91425" lIns="91425" spcFirstLastPara="1" rIns="91425" wrap="square" tIns="91425">
+            <a:bodyPr spcFirstLastPara="1" wrap="square" lIns="91425" tIns="91425" rIns="91425" bIns="91425" anchor="ctr" anchorCtr="0">
               <a:noAutofit/>
             </a:bodyPr>
             <a:lstStyle/>
             <a:p>
-              <a:pPr indent="0" lvl="0" marL="0" marR="0" rtl="0" algn="l">
+              <a:pPr marL="0" marR="0" lvl="0" indent="0" algn="l" rtl="0">
                 <a:lnSpc>
                   <a:spcPct val="100000"/>
                 </a:lnSpc>
@@ -10411,10 +10378,7 @@
                 <a:buFont typeface="Arial"/>
                 <a:buNone/>
               </a:pPr>
-              <a:r>
-                <a:t/>
-              </a:r>
-              <a:endParaRPr b="0" i="0" sz="1400" u="none" cap="none" strike="noStrike">
+              <a:endParaRPr sz="1400" b="0" i="0" u="none" strike="noStrike" cap="none">
                 <a:solidFill>
                   <a:srgbClr val="000000"/>
                 </a:solidFill>
@@ -10438,9 +10402,13 @@
               <a:ext cx="52000" cy="163850"/>
             </a:xfrm>
             <a:custGeom>
-              <a:rect b="b" l="l" r="r" t="t"/>
+              <a:avLst/>
+              <a:gdLst/>
+              <a:ahLst/>
+              <a:cxnLst/>
+              <a:rect l="l" t="t" r="r" b="b"/>
               <a:pathLst>
-                <a:path extrusionOk="0" h="6554" w="2080">
+                <a:path w="2080" h="6554" extrusionOk="0">
                   <a:moveTo>
                     <a:pt x="2080" y="0"/>
                   </a:moveTo>
@@ -10488,12 +10456,12 @@
             </a:ln>
           </p:spPr>
           <p:txBody>
-            <a:bodyPr anchorCtr="0" anchor="ctr" bIns="91425" lIns="91425" spcFirstLastPara="1" rIns="91425" wrap="square" tIns="91425">
+            <a:bodyPr spcFirstLastPara="1" wrap="square" lIns="91425" tIns="91425" rIns="91425" bIns="91425" anchor="ctr" anchorCtr="0">
               <a:noAutofit/>
             </a:bodyPr>
             <a:lstStyle/>
             <a:p>
-              <a:pPr indent="0" lvl="0" marL="0" marR="0" rtl="0" algn="l">
+              <a:pPr marL="0" marR="0" lvl="0" indent="0" algn="l" rtl="0">
                 <a:lnSpc>
                   <a:spcPct val="100000"/>
                 </a:lnSpc>
@@ -10510,10 +10478,7 @@
                 <a:buFont typeface="Arial"/>
                 <a:buNone/>
               </a:pPr>
-              <a:r>
-                <a:t/>
-              </a:r>
-              <a:endParaRPr b="0" i="0" sz="1400" u="none" cap="none" strike="noStrike">
+              <a:endParaRPr sz="1400" b="0" i="0" u="none" strike="noStrike" cap="none">
                 <a:solidFill>
                   <a:srgbClr val="000000"/>
                 </a:solidFill>
@@ -10534,19 +10499,20 @@
 </p:sld>
 </file>
 
-<file path=ppt/slides/slide12.xml><?xml version="1.0" encoding="utf-8"?>
-<p:sld xmlns:a="http://schemas.openxmlformats.org/drawingml/2006/main" xmlns:r="http://schemas.openxmlformats.org/officeDocument/2006/relationships" xmlns:mc="http://schemas.openxmlformats.org/markup-compatibility/2006" xmlns:mv="urn:schemas-microsoft-com:mac:vml" xmlns:p="http://schemas.openxmlformats.org/presentationml/2006/main" xmlns:c="http://schemas.openxmlformats.org/drawingml/2006/chart" xmlns:dgm="http://schemas.openxmlformats.org/drawingml/2006/diagram" xmlns:o="urn:schemas-microsoft-com:office:office" xmlns:v="urn:schemas-microsoft-com:vml" xmlns:pvml="urn:schemas-microsoft-com:office:powerpoint" xmlns:com="http://schemas.openxmlformats.org/drawingml/2006/compatibility" xmlns:p14="http://schemas.microsoft.com/office/powerpoint/2010/main" xmlns:p15="http://schemas.microsoft.com/office/powerpoint/2012/main" xmlns:ahyp="http://schemas.microsoft.com/office/drawing/2018/hyperlinkcolor">
+<file path=ppt/slides/slide11.xml><?xml version="1.0" encoding="utf-8"?>
+<p:sld xmlns:a="http://schemas.openxmlformats.org/drawingml/2006/main" xmlns:r="http://schemas.openxmlformats.org/officeDocument/2006/relationships" xmlns:p="http://schemas.openxmlformats.org/presentationml/2006/main">
   <p:cSld>
     <p:bg>
       <p:bgPr>
         <a:solidFill>
           <a:schemeClr val="accent6"/>
         </a:solidFill>
+        <a:effectLst/>
       </p:bgPr>
     </p:bg>
     <p:spTree>
       <p:nvGrpSpPr>
-        <p:cNvPr id="168" name="Shape 168"/>
+        <p:cNvPr id="1" name="Shape 168"/>
         <p:cNvGrpSpPr/>
         <p:nvPr/>
       </p:nvGrpSpPr>
@@ -10568,7 +10534,7 @@
           <a:blip r:embed="rId3">
             <a:alphaModFix/>
           </a:blip>
-          <a:srcRect b="0" l="17154" r="0" t="0"/>
+          <a:srcRect l="17154"/>
           <a:stretch/>
         </p:blipFill>
         <p:spPr>
@@ -10595,7 +10561,7 @@
           <a:blip r:embed="rId4">
             <a:alphaModFix/>
           </a:blip>
-          <a:srcRect b="0" l="0" r="18361" t="0"/>
+          <a:srcRect r="18361"/>
           <a:stretch/>
         </p:blipFill>
         <p:spPr>
@@ -10615,7 +10581,9 @@
       <p:sp>
         <p:nvSpPr>
           <p:cNvPr id="171" name="Google Shape;171;p13"/>
-          <p:cNvSpPr txBox="1"/>
+          <p:cNvSpPr txBox="1">
+            <a:spLocks noGrp="1"/>
+          </p:cNvSpPr>
           <p:nvPr>
             <p:ph type="title"/>
           </p:nvPr>
@@ -10636,12 +10604,12 @@
           </a:ln>
         </p:spPr>
         <p:txBody>
-          <a:bodyPr anchorCtr="0" anchor="t" bIns="91425" lIns="91425" spcFirstLastPara="1" rIns="91425" wrap="square" tIns="91425">
+          <a:bodyPr spcFirstLastPara="1" wrap="square" lIns="91425" tIns="91425" rIns="91425" bIns="91425" anchor="t" anchorCtr="0">
             <a:noAutofit/>
           </a:bodyPr>
           <a:lstStyle/>
           <a:p>
-            <a:pPr indent="0" lvl="0" marL="0" rtl="0" algn="ctr">
+            <a:pPr marL="0" lvl="0" indent="0" algn="ctr" rtl="0">
               <a:lnSpc>
                 <a:spcPct val="100000"/>
               </a:lnSpc>
@@ -10678,14 +10646,14 @@
               <a:t>mille mots</a:t>
             </a:r>
             <a:br>
-              <a:rPr b="1" lang="en-GB">
+              <a:rPr lang="en-GB" b="1">
                 <a:solidFill>
                   <a:schemeClr val="dk1"/>
                 </a:solidFill>
               </a:rPr>
             </a:br>
             <a:r>
-              <a:rPr b="1" lang="en-GB">
+              <a:rPr lang="en-GB" b="1">
                 <a:solidFill>
                   <a:schemeClr val="dk1"/>
                 </a:solidFill>
@@ -10709,293 +10677,11 @@
 </file>
 
 <file path=ppt/slides/slide2.xml><?xml version="1.0" encoding="utf-8"?>
-<p:sld xmlns:a="http://schemas.openxmlformats.org/drawingml/2006/main" xmlns:r="http://schemas.openxmlformats.org/officeDocument/2006/relationships" xmlns:mc="http://schemas.openxmlformats.org/markup-compatibility/2006" xmlns:mv="urn:schemas-microsoft-com:mac:vml" xmlns:p="http://schemas.openxmlformats.org/presentationml/2006/main" xmlns:c="http://schemas.openxmlformats.org/drawingml/2006/chart" xmlns:dgm="http://schemas.openxmlformats.org/drawingml/2006/diagram" xmlns:o="urn:schemas-microsoft-com:office:office" xmlns:v="urn:schemas-microsoft-com:vml" xmlns:pvml="urn:schemas-microsoft-com:office:powerpoint" xmlns:com="http://schemas.openxmlformats.org/drawingml/2006/compatibility" xmlns:p14="http://schemas.microsoft.com/office/powerpoint/2010/main" xmlns:p15="http://schemas.microsoft.com/office/powerpoint/2012/main" xmlns:ahyp="http://schemas.microsoft.com/office/drawing/2018/hyperlinkcolor">
+<p:sld xmlns:a="http://schemas.openxmlformats.org/drawingml/2006/main" xmlns:r="http://schemas.openxmlformats.org/officeDocument/2006/relationships" xmlns:p="http://schemas.openxmlformats.org/presentationml/2006/main">
   <p:cSld>
     <p:spTree>
       <p:nvGrpSpPr>
-        <p:cNvPr id="59" name="Shape 59"/>
-        <p:cNvGrpSpPr/>
-        <p:nvPr/>
-      </p:nvGrpSpPr>
-      <p:grpSpPr>
-        <a:xfrm>
-          <a:off x="0" y="0"/>
-          <a:ext cx="0" cy="0"/>
-          <a:chOff x="0" y="0"/>
-          <a:chExt cx="0" cy="0"/>
-        </a:xfrm>
-      </p:grpSpPr>
-      <p:sp>
-        <p:nvSpPr>
-          <p:cNvPr id="60" name="Google Shape;60;p3"/>
-          <p:cNvSpPr txBox="1"/>
-          <p:nvPr>
-            <p:ph type="title"/>
-          </p:nvPr>
-        </p:nvSpPr>
-        <p:spPr>
-          <a:xfrm>
-            <a:off x="536778" y="356132"/>
-            <a:ext cx="4781700" cy="1460700"/>
-          </a:xfrm>
-          <a:prstGeom prst="rect">
-            <a:avLst/>
-          </a:prstGeom>
-          <a:noFill/>
-          <a:ln>
-            <a:noFill/>
-          </a:ln>
-        </p:spPr>
-        <p:txBody>
-          <a:bodyPr anchorCtr="0" anchor="b" bIns="91425" lIns="91425" spcFirstLastPara="1" rIns="91425" wrap="square" tIns="91425">
-            <a:noAutofit/>
-          </a:bodyPr>
-          <a:lstStyle/>
-          <a:p>
-            <a:pPr indent="0" lvl="0" marL="0" rtl="0" algn="l">
-              <a:lnSpc>
-                <a:spcPct val="100000"/>
-              </a:lnSpc>
-              <a:spcBef>
-                <a:spcPts val="0"/>
-              </a:spcBef>
-              <a:spcAft>
-                <a:spcPts val="0"/>
-              </a:spcAft>
-              <a:buSzPts val="3500"/>
-              <a:buNone/>
-            </a:pPr>
-            <a:r>
-              <a:rPr lang="en-GB" sz="9000"/>
-              <a:t>L’équipe</a:t>
-            </a:r>
-            <a:endParaRPr b="1" sz="9000"/>
-          </a:p>
-        </p:txBody>
-      </p:sp>
-      <p:sp>
-        <p:nvSpPr>
-          <p:cNvPr id="61" name="Google Shape;61;p3"/>
-          <p:cNvSpPr txBox="1"/>
-          <p:nvPr>
-            <p:ph idx="1" type="subTitle"/>
-          </p:nvPr>
-        </p:nvSpPr>
-        <p:spPr>
-          <a:xfrm>
-            <a:off x="829675" y="1997575"/>
-            <a:ext cx="3368252" cy="426970"/>
-          </a:xfrm>
-          <a:prstGeom prst="rect">
-            <a:avLst/>
-          </a:prstGeom>
-          <a:noFill/>
-          <a:ln>
-            <a:noFill/>
-          </a:ln>
-        </p:spPr>
-        <p:txBody>
-          <a:bodyPr anchorCtr="0" anchor="t" bIns="91425" lIns="91425" spcFirstLastPara="1" rIns="91425" wrap="square" tIns="91425">
-            <a:noAutofit/>
-          </a:bodyPr>
-          <a:lstStyle/>
-          <a:p>
-            <a:pPr indent="0" lvl="0" marL="0" rtl="0" algn="l">
-              <a:lnSpc>
-                <a:spcPct val="100000"/>
-              </a:lnSpc>
-              <a:spcBef>
-                <a:spcPts val="0"/>
-              </a:spcBef>
-              <a:spcAft>
-                <a:spcPts val="0"/>
-              </a:spcAft>
-              <a:buSzPts val="1200"/>
-              <a:buNone/>
-            </a:pPr>
-            <a:r>
-              <a:rPr b="1" i="0" lang="en-GB" u="none" strike="noStrike">
-                <a:solidFill>
-                  <a:srgbClr val="000000"/>
-                </a:solidFill>
-                <a:latin typeface="Inter"/>
-                <a:ea typeface="Inter"/>
-                <a:cs typeface="Inter"/>
-                <a:sym typeface="Inter"/>
-              </a:rPr>
-              <a:t>Tom CALDEVILLA GONZALVEZ</a:t>
-            </a:r>
-            <a:endParaRPr b="1">
-              <a:latin typeface="Inter"/>
-              <a:ea typeface="Inter"/>
-              <a:cs typeface="Inter"/>
-              <a:sym typeface="Inter"/>
-            </a:endParaRPr>
-          </a:p>
-        </p:txBody>
-      </p:sp>
-      <p:sp>
-        <p:nvSpPr>
-          <p:cNvPr id="62" name="Google Shape;62;p3"/>
-          <p:cNvSpPr txBox="1"/>
-          <p:nvPr/>
-        </p:nvSpPr>
-        <p:spPr>
-          <a:xfrm>
-            <a:off x="829675" y="2993468"/>
-            <a:ext cx="1958686" cy="307777"/>
-          </a:xfrm>
-          <a:prstGeom prst="rect">
-            <a:avLst/>
-          </a:prstGeom>
-          <a:noFill/>
-          <a:ln>
-            <a:noFill/>
-          </a:ln>
-        </p:spPr>
-        <p:txBody>
-          <a:bodyPr anchorCtr="0" anchor="t" bIns="45700" lIns="91425" spcFirstLastPara="1" rIns="91425" wrap="square" tIns="45700">
-            <a:spAutoFit/>
-          </a:bodyPr>
-          <a:lstStyle/>
-          <a:p>
-            <a:pPr indent="0" lvl="0" marL="0" marR="0" rtl="0" algn="l">
-              <a:lnSpc>
-                <a:spcPct val="100000"/>
-              </a:lnSpc>
-              <a:spcBef>
-                <a:spcPts val="0"/>
-              </a:spcBef>
-              <a:spcAft>
-                <a:spcPts val="0"/>
-              </a:spcAft>
-              <a:buNone/>
-            </a:pPr>
-            <a:r>
-              <a:rPr b="1" i="0" lang="en-GB" sz="1400" u="none" cap="none" strike="noStrike">
-                <a:solidFill>
-                  <a:srgbClr val="000000"/>
-                </a:solidFill>
-                <a:latin typeface="Inter"/>
-                <a:ea typeface="Inter"/>
-                <a:cs typeface="Inter"/>
-                <a:sym typeface="Inter"/>
-              </a:rPr>
-              <a:t>Ricardo ESTEPHAN</a:t>
-            </a:r>
-            <a:endParaRPr b="0" i="0" sz="1400" u="none" cap="none" strike="noStrike">
-              <a:solidFill>
-                <a:srgbClr val="000000"/>
-              </a:solidFill>
-              <a:latin typeface="Inter"/>
-              <a:ea typeface="Inter"/>
-              <a:cs typeface="Inter"/>
-              <a:sym typeface="Inter"/>
-            </a:endParaRPr>
-          </a:p>
-        </p:txBody>
-      </p:sp>
-      <p:sp>
-        <p:nvSpPr>
-          <p:cNvPr id="63" name="Google Shape;63;p3"/>
-          <p:cNvSpPr txBox="1"/>
-          <p:nvPr/>
-        </p:nvSpPr>
-        <p:spPr>
-          <a:xfrm>
-            <a:off x="829675" y="3908958"/>
-            <a:ext cx="2256559" cy="307777"/>
-          </a:xfrm>
-          <a:prstGeom prst="rect">
-            <a:avLst/>
-          </a:prstGeom>
-          <a:noFill/>
-          <a:ln>
-            <a:noFill/>
-          </a:ln>
-        </p:spPr>
-        <p:txBody>
-          <a:bodyPr anchorCtr="0" anchor="t" bIns="45700" lIns="91425" spcFirstLastPara="1" rIns="91425" wrap="square" tIns="45700">
-            <a:spAutoFit/>
-          </a:bodyPr>
-          <a:lstStyle/>
-          <a:p>
-            <a:pPr indent="0" lvl="0" marL="0" marR="0" rtl="0" algn="l">
-              <a:lnSpc>
-                <a:spcPct val="100000"/>
-              </a:lnSpc>
-              <a:spcBef>
-                <a:spcPts val="0"/>
-              </a:spcBef>
-              <a:spcAft>
-                <a:spcPts val="0"/>
-              </a:spcAft>
-              <a:buNone/>
-            </a:pPr>
-            <a:r>
-              <a:rPr b="1" i="0" lang="en-GB" sz="1400" u="none" cap="none" strike="noStrike">
-                <a:solidFill>
-                  <a:srgbClr val="000000"/>
-                </a:solidFill>
-                <a:latin typeface="Inter"/>
-                <a:ea typeface="Inter"/>
-                <a:cs typeface="Inter"/>
-                <a:sym typeface="Inter"/>
-              </a:rPr>
-              <a:t>Maxime DELEMOTTE</a:t>
-            </a:r>
-            <a:endParaRPr b="0" i="0" sz="1400" u="none" cap="none" strike="noStrike">
-              <a:solidFill>
-                <a:srgbClr val="000000"/>
-              </a:solidFill>
-              <a:latin typeface="Inter"/>
-              <a:ea typeface="Inter"/>
-              <a:cs typeface="Inter"/>
-              <a:sym typeface="Inter"/>
-            </a:endParaRPr>
-          </a:p>
-        </p:txBody>
-      </p:sp>
-      <p:cxnSp>
-        <p:nvCxnSpPr>
-          <p:cNvPr id="64" name="Google Shape;64;p3"/>
-          <p:cNvCxnSpPr/>
-          <p:nvPr/>
-        </p:nvCxnSpPr>
-        <p:spPr>
-          <a:xfrm>
-            <a:off x="697973" y="1995301"/>
-            <a:ext cx="0" cy="2304109"/>
-          </a:xfrm>
-          <a:prstGeom prst="straightConnector1">
-            <a:avLst/>
-          </a:prstGeom>
-          <a:noFill/>
-          <a:ln cap="flat" cmpd="sng" w="28575">
-            <a:solidFill>
-              <a:schemeClr val="dk1"/>
-            </a:solidFill>
-            <a:prstDash val="solid"/>
-            <a:round/>
-            <a:headEnd len="sm" w="sm" type="none"/>
-            <a:tailEnd len="sm" w="sm" type="none"/>
-          </a:ln>
-        </p:spPr>
-      </p:cxnSp>
-    </p:spTree>
-  </p:cSld>
-  <p:clrMapOvr>
-    <a:masterClrMapping/>
-  </p:clrMapOvr>
-</p:sld>
-</file>
-
-<file path=ppt/slides/slide3.xml><?xml version="1.0" encoding="utf-8"?>
-<p:sld xmlns:a="http://schemas.openxmlformats.org/drawingml/2006/main" xmlns:r="http://schemas.openxmlformats.org/officeDocument/2006/relationships" xmlns:mc="http://schemas.openxmlformats.org/markup-compatibility/2006" xmlns:mv="urn:schemas-microsoft-com:mac:vml" xmlns:p="http://schemas.openxmlformats.org/presentationml/2006/main" xmlns:c="http://schemas.openxmlformats.org/drawingml/2006/chart" xmlns:dgm="http://schemas.openxmlformats.org/drawingml/2006/diagram" xmlns:o="urn:schemas-microsoft-com:office:office" xmlns:v="urn:schemas-microsoft-com:vml" xmlns:pvml="urn:schemas-microsoft-com:office:powerpoint" xmlns:com="http://schemas.openxmlformats.org/drawingml/2006/compatibility" xmlns:p14="http://schemas.microsoft.com/office/powerpoint/2010/main" xmlns:p15="http://schemas.microsoft.com/office/powerpoint/2012/main" xmlns:ahyp="http://schemas.microsoft.com/office/drawing/2018/hyperlinkcolor">
-  <p:cSld>
-    <p:spTree>
-      <p:nvGrpSpPr>
-        <p:cNvPr id="68" name="Shape 68"/>
+        <p:cNvPr id="1" name="Shape 68"/>
         <p:cNvGrpSpPr/>
         <p:nvPr/>
       </p:nvGrpSpPr>
@@ -11010,7 +10696,9 @@
       <p:sp>
         <p:nvSpPr>
           <p:cNvPr id="69" name="Google Shape;69;p4"/>
-          <p:cNvSpPr txBox="1"/>
+          <p:cNvSpPr txBox="1">
+            <a:spLocks noGrp="1"/>
+          </p:cNvSpPr>
           <p:nvPr>
             <p:ph type="title"/>
           </p:nvPr>
@@ -11029,12 +10717,12 @@
           </a:ln>
         </p:spPr>
         <p:txBody>
-          <a:bodyPr anchorCtr="0" anchor="b" bIns="91425" lIns="91425" spcFirstLastPara="1" rIns="91425" wrap="square" tIns="91425">
+          <a:bodyPr spcFirstLastPara="1" wrap="square" lIns="91425" tIns="91425" rIns="91425" bIns="91425" anchor="b" anchorCtr="0">
             <a:noAutofit/>
           </a:bodyPr>
           <a:lstStyle/>
           <a:p>
-            <a:pPr indent="0" lvl="0" marL="0" rtl="0" algn="ctr">
+            <a:pPr marL="0" lvl="0" indent="0" algn="ctr" rtl="0">
               <a:lnSpc>
                 <a:spcPct val="100000"/>
               </a:lnSpc>
@@ -11058,9 +10746,11 @@
       <p:sp>
         <p:nvSpPr>
           <p:cNvPr id="70" name="Google Shape;70;p4"/>
-          <p:cNvSpPr txBox="1"/>
+          <p:cNvSpPr txBox="1">
+            <a:spLocks noGrp="1"/>
+          </p:cNvSpPr>
           <p:nvPr>
-            <p:ph idx="1" type="subTitle"/>
+            <p:ph type="subTitle" idx="1"/>
           </p:nvPr>
         </p:nvSpPr>
         <p:spPr>
@@ -11077,12 +10767,12 @@
           </a:ln>
         </p:spPr>
         <p:txBody>
-          <a:bodyPr anchorCtr="0" anchor="t" bIns="91425" lIns="91425" spcFirstLastPara="1" rIns="91425" wrap="square" tIns="91425">
+          <a:bodyPr spcFirstLastPara="1" wrap="square" lIns="91425" tIns="91425" rIns="91425" bIns="91425" anchor="t" anchorCtr="0">
             <a:noAutofit/>
           </a:bodyPr>
           <a:lstStyle/>
           <a:p>
-            <a:pPr indent="0" lvl="0" marL="0" rtl="0" algn="ctr">
+            <a:pPr marL="0" lvl="0" indent="0" algn="ctr" rtl="0">
               <a:lnSpc>
                 <a:spcPct val="100000"/>
               </a:lnSpc>
@@ -11128,20 +10818,20 @@
             <a:avLst/>
           </a:prstGeom>
           <a:noFill/>
-          <a:ln cap="flat" cmpd="sng" w="28575">
+          <a:ln w="28575" cap="flat" cmpd="sng">
             <a:solidFill>
               <a:schemeClr val="dk1"/>
             </a:solidFill>
             <a:prstDash val="solid"/>
             <a:round/>
-            <a:headEnd len="sm" w="sm" type="none"/>
-            <a:tailEnd len="sm" w="sm" type="none"/>
+            <a:headEnd type="none" w="sm" len="sm"/>
+            <a:tailEnd type="none" w="sm" len="sm"/>
           </a:ln>
         </p:spPr>
       </p:cxnSp>
       <p:pic>
         <p:nvPicPr>
-          <p:cNvPr descr="A picture containing black, sketch, darkness, black and white&#10;&#10;Description automatically generated" id="72" name="Google Shape;72;p4"/>
+          <p:cNvPr id="72" name="Google Shape;72;p4" descr="A picture containing black, sketch, darkness, black and white&#10;&#10;Description automatically generated"/>
           <p:cNvPicPr preferRelativeResize="0"/>
           <p:nvPr/>
         </p:nvPicPr>
@@ -11149,7 +10839,7 @@
           <a:blip r:embed="rId3">
             <a:alphaModFix/>
           </a:blip>
-          <a:srcRect b="0" l="0" r="0" t="0"/>
+          <a:srcRect/>
           <a:stretch/>
         </p:blipFill>
         <p:spPr>
@@ -11174,12 +10864,12 @@
 </p:sld>
 </file>
 
-<file path=ppt/slides/slide4.xml><?xml version="1.0" encoding="utf-8"?>
-<p:sld xmlns:a="http://schemas.openxmlformats.org/drawingml/2006/main" xmlns:r="http://schemas.openxmlformats.org/officeDocument/2006/relationships" xmlns:mc="http://schemas.openxmlformats.org/markup-compatibility/2006" xmlns:mv="urn:schemas-microsoft-com:mac:vml" xmlns:p="http://schemas.openxmlformats.org/presentationml/2006/main" xmlns:c="http://schemas.openxmlformats.org/drawingml/2006/chart" xmlns:dgm="http://schemas.openxmlformats.org/drawingml/2006/diagram" xmlns:o="urn:schemas-microsoft-com:office:office" xmlns:v="urn:schemas-microsoft-com:vml" xmlns:pvml="urn:schemas-microsoft-com:office:powerpoint" xmlns:com="http://schemas.openxmlformats.org/drawingml/2006/compatibility" xmlns:p14="http://schemas.microsoft.com/office/powerpoint/2010/main" xmlns:p15="http://schemas.microsoft.com/office/powerpoint/2012/main" xmlns:ahyp="http://schemas.microsoft.com/office/drawing/2018/hyperlinkcolor">
+<file path=ppt/slides/slide3.xml><?xml version="1.0" encoding="utf-8"?>
+<p:sld xmlns:a="http://schemas.openxmlformats.org/drawingml/2006/main" xmlns:r="http://schemas.openxmlformats.org/officeDocument/2006/relationships" xmlns:p="http://schemas.openxmlformats.org/presentationml/2006/main">
   <p:cSld>
     <p:spTree>
       <p:nvGrpSpPr>
-        <p:cNvPr id="76" name="Shape 76"/>
+        <p:cNvPr id="1" name="Shape 76"/>
         <p:cNvGrpSpPr/>
         <p:nvPr/>
       </p:nvGrpSpPr>
@@ -11194,7 +10884,9 @@
       <p:sp>
         <p:nvSpPr>
           <p:cNvPr id="77" name="Google Shape;77;p5"/>
-          <p:cNvSpPr txBox="1"/>
+          <p:cNvSpPr txBox="1">
+            <a:spLocks noGrp="1"/>
+          </p:cNvSpPr>
           <p:nvPr>
             <p:ph type="title"/>
           </p:nvPr>
@@ -11213,12 +10905,12 @@
           </a:ln>
         </p:spPr>
         <p:txBody>
-          <a:bodyPr anchorCtr="0" anchor="b" bIns="91425" lIns="91425" spcFirstLastPara="1" rIns="91425" wrap="square" tIns="91425">
+          <a:bodyPr spcFirstLastPara="1" wrap="square" lIns="91425" tIns="91425" rIns="91425" bIns="91425" anchor="b" anchorCtr="0">
             <a:noAutofit/>
           </a:bodyPr>
           <a:lstStyle/>
           <a:p>
-            <a:pPr indent="0" lvl="0" marL="0" rtl="0" algn="l">
+            <a:pPr marL="0" lvl="0" indent="0" algn="l" rtl="0">
               <a:lnSpc>
                 <a:spcPct val="100000"/>
               </a:lnSpc>
@@ -11254,14 +10946,14 @@
             <a:avLst/>
           </a:prstGeom>
           <a:noFill/>
-          <a:ln cap="flat" cmpd="sng" w="28575">
+          <a:ln w="28575" cap="flat" cmpd="sng">
             <a:solidFill>
               <a:schemeClr val="dk1"/>
             </a:solidFill>
             <a:prstDash val="solid"/>
             <a:round/>
-            <a:headEnd len="sm" w="sm" type="none"/>
-            <a:tailEnd len="sm" w="sm" type="none"/>
+            <a:headEnd type="none" w="sm" len="sm"/>
+            <a:tailEnd type="none" w="sm" len="sm"/>
           </a:ln>
         </p:spPr>
       </p:cxnSp>
@@ -11280,14 +10972,14 @@
             <a:avLst/>
           </a:prstGeom>
           <a:noFill/>
-          <a:ln cap="flat" cmpd="sng" w="28575">
+          <a:ln w="28575" cap="flat" cmpd="sng">
             <a:solidFill>
               <a:schemeClr val="dk1"/>
             </a:solidFill>
             <a:prstDash val="solid"/>
             <a:round/>
-            <a:headEnd len="sm" w="sm" type="none"/>
-            <a:tailEnd len="sm" w="sm" type="none"/>
+            <a:headEnd type="none" w="sm" len="sm"/>
+            <a:tailEnd type="none" w="sm" len="sm"/>
           </a:ln>
         </p:spPr>
       </p:cxnSp>
@@ -11311,12 +11003,12 @@
           </a:ln>
         </p:spPr>
         <p:txBody>
-          <a:bodyPr anchorCtr="0" anchor="b" bIns="91425" lIns="91425" spcFirstLastPara="1" rIns="91425" wrap="square" tIns="91425">
+          <a:bodyPr spcFirstLastPara="1" wrap="square" lIns="91425" tIns="91425" rIns="91425" bIns="91425" anchor="b" anchorCtr="0">
             <a:noAutofit/>
           </a:bodyPr>
           <a:lstStyle/>
           <a:p>
-            <a:pPr indent="0" lvl="0" marL="0" marR="0" rtl="0" algn="ctr">
+            <a:pPr marL="0" marR="0" lvl="0" indent="0" algn="ctr" rtl="0">
               <a:lnSpc>
                 <a:spcPct val="100000"/>
               </a:lnSpc>
@@ -11334,7 +11026,7 @@
               <a:buNone/>
             </a:pPr>
             <a:r>
-              <a:rPr b="0" i="0" lang="en-GB" sz="3600" u="none" cap="none" strike="noStrike">
+              <a:rPr lang="en-GB" sz="3600" b="0" i="0" u="none" strike="noStrike" cap="none">
                 <a:solidFill>
                   <a:schemeClr val="dk1"/>
                 </a:solidFill>
@@ -11364,14 +11056,14 @@
             <a:avLst/>
           </a:prstGeom>
           <a:noFill/>
-          <a:ln cap="flat" cmpd="sng" w="28575">
+          <a:ln w="28575" cap="flat" cmpd="sng">
             <a:solidFill>
               <a:schemeClr val="dk1"/>
             </a:solidFill>
             <a:prstDash val="solid"/>
             <a:round/>
-            <a:headEnd len="sm" w="sm" type="none"/>
-            <a:tailEnd len="sm" w="sm" type="none"/>
+            <a:headEnd type="none" w="sm" len="sm"/>
+            <a:tailEnd type="none" w="sm" len="sm"/>
           </a:ln>
         </p:spPr>
       </p:cxnSp>
@@ -11395,12 +11087,12 @@
           </a:ln>
         </p:spPr>
         <p:txBody>
-          <a:bodyPr anchorCtr="0" anchor="b" bIns="91425" lIns="91425" spcFirstLastPara="1" rIns="91425" wrap="square" tIns="91425">
+          <a:bodyPr spcFirstLastPara="1" wrap="square" lIns="91425" tIns="91425" rIns="91425" bIns="91425" anchor="b" anchorCtr="0">
             <a:noAutofit/>
           </a:bodyPr>
           <a:lstStyle/>
           <a:p>
-            <a:pPr indent="0" lvl="0" marL="0" marR="0" rtl="0" algn="ctr">
+            <a:pPr marL="0" marR="0" lvl="0" indent="0" algn="ctr" rtl="0">
               <a:lnSpc>
                 <a:spcPct val="100000"/>
               </a:lnSpc>
@@ -11418,7 +11110,7 @@
               <a:buNone/>
             </a:pPr>
             <a:r>
-              <a:rPr b="0" i="0" lang="en-GB" sz="3600" u="none" cap="none" strike="noStrike">
+              <a:rPr lang="en-GB" sz="3600" b="0" i="0" u="none" strike="noStrike" cap="none">
                 <a:solidFill>
                   <a:schemeClr val="dk1"/>
                 </a:solidFill>
@@ -11429,7 +11121,7 @@
               </a:rPr>
               <a:t>Notre solution</a:t>
             </a:r>
-            <a:endParaRPr b="0" i="0" sz="3600" u="none" cap="none" strike="noStrike">
+            <a:endParaRPr sz="3600" b="0" i="0" u="none" strike="noStrike" cap="none">
               <a:solidFill>
                 <a:schemeClr val="dk1"/>
               </a:solidFill>
@@ -11456,14 +11148,14 @@
             <a:avLst/>
           </a:prstGeom>
           <a:noFill/>
-          <a:ln cap="flat" cmpd="sng" w="28575">
+          <a:ln w="28575" cap="flat" cmpd="sng">
             <a:solidFill>
               <a:schemeClr val="dk1"/>
             </a:solidFill>
             <a:prstDash val="solid"/>
             <a:round/>
-            <a:headEnd len="sm" w="sm" type="none"/>
-            <a:tailEnd len="sm" w="sm" type="none"/>
+            <a:headEnd type="none" w="sm" len="sm"/>
+            <a:tailEnd type="none" w="sm" len="sm"/>
           </a:ln>
         </p:spPr>
       </p:cxnSp>
@@ -11487,12 +11179,12 @@
           </a:ln>
         </p:spPr>
         <p:txBody>
-          <a:bodyPr anchorCtr="0" anchor="b" bIns="91425" lIns="91425" spcFirstLastPara="1" rIns="91425" wrap="square" tIns="91425">
+          <a:bodyPr spcFirstLastPara="1" wrap="square" lIns="91425" tIns="91425" rIns="91425" bIns="91425" anchor="b" anchorCtr="0">
             <a:noAutofit/>
           </a:bodyPr>
           <a:lstStyle/>
           <a:p>
-            <a:pPr indent="0" lvl="0" marL="0" marR="0" rtl="0" algn="ctr">
+            <a:pPr marL="0" marR="0" lvl="0" indent="0" algn="ctr" rtl="0">
               <a:lnSpc>
                 <a:spcPct val="100000"/>
               </a:lnSpc>
@@ -11510,7 +11202,7 @@
               <a:buNone/>
             </a:pPr>
             <a:r>
-              <a:rPr b="0" i="0" lang="en-GB" sz="3600" u="none" cap="none" strike="noStrike">
+              <a:rPr lang="en-GB" sz="3600" b="0" i="0" u="none" strike="noStrike" cap="none">
                 <a:solidFill>
                   <a:schemeClr val="dk1"/>
                 </a:solidFill>
@@ -11521,7 +11213,7 @@
               </a:rPr>
               <a:t>Les améliorations</a:t>
             </a:r>
-            <a:endParaRPr b="0" i="0" sz="3600" u="none" cap="none" strike="noStrike">
+            <a:endParaRPr sz="3600" b="0" i="0" u="none" strike="noStrike" cap="none">
               <a:solidFill>
                 <a:schemeClr val="dk1"/>
               </a:solidFill>
@@ -11541,12 +11233,12 @@
 </p:sld>
 </file>
 
-<file path=ppt/slides/slide5.xml><?xml version="1.0" encoding="utf-8"?>
-<p:sld xmlns:a="http://schemas.openxmlformats.org/drawingml/2006/main" xmlns:r="http://schemas.openxmlformats.org/officeDocument/2006/relationships" xmlns:mc="http://schemas.openxmlformats.org/markup-compatibility/2006" xmlns:mv="urn:schemas-microsoft-com:mac:vml" xmlns:p="http://schemas.openxmlformats.org/presentationml/2006/main" xmlns:c="http://schemas.openxmlformats.org/drawingml/2006/chart" xmlns:dgm="http://schemas.openxmlformats.org/drawingml/2006/diagram" xmlns:o="urn:schemas-microsoft-com:office:office" xmlns:v="urn:schemas-microsoft-com:vml" xmlns:pvml="urn:schemas-microsoft-com:office:powerpoint" xmlns:com="http://schemas.openxmlformats.org/drawingml/2006/compatibility" xmlns:p14="http://schemas.microsoft.com/office/powerpoint/2010/main" xmlns:p15="http://schemas.microsoft.com/office/powerpoint/2012/main" xmlns:ahyp="http://schemas.microsoft.com/office/drawing/2018/hyperlinkcolor">
+<file path=ppt/slides/slide4.xml><?xml version="1.0" encoding="utf-8"?>
+<p:sld xmlns:a="http://schemas.openxmlformats.org/drawingml/2006/main" xmlns:r="http://schemas.openxmlformats.org/officeDocument/2006/relationships" xmlns:p="http://schemas.openxmlformats.org/presentationml/2006/main">
   <p:cSld>
     <p:spTree>
       <p:nvGrpSpPr>
-        <p:cNvPr id="88" name="Shape 88"/>
+        <p:cNvPr id="1" name="Shape 88"/>
         <p:cNvGrpSpPr/>
         <p:nvPr/>
       </p:nvGrpSpPr>
@@ -11561,7 +11253,9 @@
       <p:sp>
         <p:nvSpPr>
           <p:cNvPr id="89" name="Google Shape;89;p6"/>
-          <p:cNvSpPr txBox="1"/>
+          <p:cNvSpPr txBox="1">
+            <a:spLocks noGrp="1"/>
+          </p:cNvSpPr>
           <p:nvPr>
             <p:ph type="title"/>
           </p:nvPr>
@@ -11580,12 +11274,12 @@
           </a:ln>
         </p:spPr>
         <p:txBody>
-          <a:bodyPr anchorCtr="0" anchor="b" bIns="91425" lIns="91425" spcFirstLastPara="1" rIns="91425" wrap="square" tIns="91425">
+          <a:bodyPr spcFirstLastPara="1" wrap="square" lIns="91425" tIns="91425" rIns="91425" bIns="91425" anchor="b" anchorCtr="0">
             <a:noAutofit/>
           </a:bodyPr>
           <a:lstStyle/>
           <a:p>
-            <a:pPr indent="0" lvl="0" marL="0" rtl="0" algn="l">
+            <a:pPr marL="0" lvl="0" indent="0" algn="l" rtl="0">
               <a:lnSpc>
                 <a:spcPct val="100000"/>
               </a:lnSpc>
@@ -11614,12 +11308,12 @@
 </p:sld>
 </file>
 
-<file path=ppt/slides/slide6.xml><?xml version="1.0" encoding="utf-8"?>
-<p:sld xmlns:a="http://schemas.openxmlformats.org/drawingml/2006/main" xmlns:r="http://schemas.openxmlformats.org/officeDocument/2006/relationships" xmlns:mc="http://schemas.openxmlformats.org/markup-compatibility/2006" xmlns:mv="urn:schemas-microsoft-com:mac:vml" xmlns:p="http://schemas.openxmlformats.org/presentationml/2006/main" xmlns:c="http://schemas.openxmlformats.org/drawingml/2006/chart" xmlns:dgm="http://schemas.openxmlformats.org/drawingml/2006/diagram" xmlns:o="urn:schemas-microsoft-com:office:office" xmlns:v="urn:schemas-microsoft-com:vml" xmlns:pvml="urn:schemas-microsoft-com:office:powerpoint" xmlns:com="http://schemas.openxmlformats.org/drawingml/2006/compatibility" xmlns:p14="http://schemas.microsoft.com/office/powerpoint/2010/main" xmlns:p15="http://schemas.microsoft.com/office/powerpoint/2012/main" xmlns:ahyp="http://schemas.microsoft.com/office/drawing/2018/hyperlinkcolor">
+<file path=ppt/slides/slide5.xml><?xml version="1.0" encoding="utf-8"?>
+<p:sld xmlns:a="http://schemas.openxmlformats.org/drawingml/2006/main" xmlns:r="http://schemas.openxmlformats.org/officeDocument/2006/relationships" xmlns:p="http://schemas.openxmlformats.org/presentationml/2006/main">
   <p:cSld>
     <p:spTree>
       <p:nvGrpSpPr>
-        <p:cNvPr id="93" name="Shape 93"/>
+        <p:cNvPr id="1" name="Shape 93"/>
         <p:cNvGrpSpPr/>
         <p:nvPr/>
       </p:nvGrpSpPr>
@@ -11634,9 +11328,11 @@
       <p:sp>
         <p:nvSpPr>
           <p:cNvPr id="94" name="Google Shape;94;p7"/>
-          <p:cNvSpPr txBox="1"/>
+          <p:cNvSpPr txBox="1">
+            <a:spLocks noGrp="1"/>
+          </p:cNvSpPr>
           <p:nvPr>
-            <p:ph idx="1" type="subTitle"/>
+            <p:ph type="subTitle" idx="1"/>
           </p:nvPr>
         </p:nvSpPr>
         <p:spPr>
@@ -11653,12 +11349,12 @@
           </a:ln>
         </p:spPr>
         <p:txBody>
-          <a:bodyPr anchorCtr="0" anchor="t" bIns="91425" lIns="91425" spcFirstLastPara="1" rIns="91425" wrap="square" tIns="91425">
+          <a:bodyPr spcFirstLastPara="1" wrap="square" lIns="91425" tIns="91425" rIns="91425" bIns="91425" anchor="t" anchorCtr="0">
             <a:noAutofit/>
           </a:bodyPr>
           <a:lstStyle/>
           <a:p>
-            <a:pPr indent="-304800" lvl="0" marL="457200" rtl="0" algn="l">
+            <a:pPr marL="457200" lvl="0" indent="-304800" algn="l" rtl="0">
               <a:lnSpc>
                 <a:spcPct val="100000"/>
               </a:lnSpc>
@@ -11681,7 +11377,7 @@
       </p:sp>
       <p:pic>
         <p:nvPicPr>
-          <p:cNvPr descr="PhotoScan, par Google Photos – Applications sur Google Play" id="95" name="Google Shape;95;p7"/>
+          <p:cNvPr id="95" name="Google Shape;95;p7" descr="PhotoScan, par Google Photos – Applications sur Google Play"/>
           <p:cNvPicPr preferRelativeResize="0"/>
           <p:nvPr/>
         </p:nvPicPr>
@@ -11689,7 +11385,7 @@
           <a:blip r:embed="rId3">
             <a:alphaModFix/>
           </a:blip>
-          <a:srcRect b="0" l="0" r="0" t="0"/>
+          <a:srcRect/>
           <a:stretch/>
         </p:blipFill>
         <p:spPr>
@@ -11708,7 +11404,7 @@
       </p:pic>
       <p:pic>
         <p:nvPicPr>
-          <p:cNvPr descr="Capture2Text" id="96" name="Google Shape;96;p7"/>
+          <p:cNvPr id="96" name="Google Shape;96;p7" descr="Capture2Text"/>
           <p:cNvPicPr preferRelativeResize="0"/>
           <p:nvPr/>
         </p:nvPicPr>
@@ -11716,7 +11412,7 @@
           <a:blip r:embed="rId4">
             <a:alphaModFix/>
           </a:blip>
-          <a:srcRect b="0" l="0" r="0" t="0"/>
+          <a:srcRect/>
           <a:stretch/>
         </p:blipFill>
         <p:spPr>
@@ -11743,7 +11439,7 @@
           <a:blip r:embed="rId5">
             <a:alphaModFix/>
           </a:blip>
-          <a:srcRect b="0" l="0" r="0" t="0"/>
+          <a:srcRect/>
           <a:stretch/>
         </p:blipFill>
         <p:spPr>
@@ -11780,12 +11476,12 @@
           </a:ln>
         </p:spPr>
         <p:txBody>
-          <a:bodyPr anchorCtr="0" anchor="t" bIns="45700" lIns="91425" spcFirstLastPara="1" rIns="91425" wrap="square" tIns="45700">
+          <a:bodyPr spcFirstLastPara="1" wrap="square" lIns="91425" tIns="45700" rIns="91425" bIns="45700" anchor="t" anchorCtr="0">
             <a:spAutoFit/>
           </a:bodyPr>
           <a:lstStyle/>
           <a:p>
-            <a:pPr indent="0" lvl="0" marL="0" marR="0" rtl="0" algn="l">
+            <a:pPr marL="0" marR="0" lvl="0" indent="0" algn="l" rtl="0">
               <a:lnSpc>
                 <a:spcPct val="100000"/>
               </a:lnSpc>
@@ -11798,7 +11494,7 @@
               <a:buNone/>
             </a:pPr>
             <a:r>
-              <a:rPr b="0" i="0" lang="en-GB" sz="1600" u="none" cap="none" strike="noStrike">
+              <a:rPr lang="en-GB" sz="1600" b="0" i="0" u="none" strike="noStrike" cap="none">
                 <a:solidFill>
                   <a:srgbClr val="000000"/>
                 </a:solidFill>
@@ -11833,12 +11529,12 @@
           </a:ln>
         </p:spPr>
         <p:txBody>
-          <a:bodyPr anchorCtr="0" anchor="t" bIns="45700" lIns="91425" spcFirstLastPara="1" rIns="91425" wrap="square" tIns="45700">
+          <a:bodyPr spcFirstLastPara="1" wrap="square" lIns="91425" tIns="45700" rIns="91425" bIns="45700" anchor="t" anchorCtr="0">
             <a:spAutoFit/>
           </a:bodyPr>
           <a:lstStyle/>
           <a:p>
-            <a:pPr indent="0" lvl="0" marL="0" marR="0" rtl="0" algn="l">
+            <a:pPr marL="0" marR="0" lvl="0" indent="0" algn="l" rtl="0">
               <a:lnSpc>
                 <a:spcPct val="100000"/>
               </a:lnSpc>
@@ -11851,7 +11547,7 @@
               <a:buNone/>
             </a:pPr>
             <a:r>
-              <a:rPr b="0" i="0" lang="en-GB" sz="1600" u="none" cap="none" strike="noStrike">
+              <a:rPr lang="en-GB" sz="1600" b="0" i="0" u="none" strike="noStrike" cap="none">
                 <a:solidFill>
                   <a:srgbClr val="000000"/>
                 </a:solidFill>
@@ -11862,7 +11558,7 @@
               </a:rPr>
               <a:t>Office Lens</a:t>
             </a:r>
-            <a:endParaRPr b="0" i="0" sz="1600" u="none" cap="none" strike="noStrike">
+            <a:endParaRPr sz="1600" b="0" i="0" u="none" strike="noStrike" cap="none">
               <a:solidFill>
                 <a:srgbClr val="000000"/>
               </a:solidFill>
@@ -11882,12 +11578,12 @@
 </p:sld>
 </file>
 
-<file path=ppt/slides/slide7.xml><?xml version="1.0" encoding="utf-8"?>
-<p:sld xmlns:a="http://schemas.openxmlformats.org/drawingml/2006/main" xmlns:r="http://schemas.openxmlformats.org/officeDocument/2006/relationships" xmlns:mc="http://schemas.openxmlformats.org/markup-compatibility/2006" xmlns:mv="urn:schemas-microsoft-com:mac:vml" xmlns:p="http://schemas.openxmlformats.org/presentationml/2006/main" xmlns:c="http://schemas.openxmlformats.org/drawingml/2006/chart" xmlns:dgm="http://schemas.openxmlformats.org/drawingml/2006/diagram" xmlns:o="urn:schemas-microsoft-com:office:office" xmlns:v="urn:schemas-microsoft-com:vml" xmlns:pvml="urn:schemas-microsoft-com:office:powerpoint" xmlns:com="http://schemas.openxmlformats.org/drawingml/2006/compatibility" xmlns:p14="http://schemas.microsoft.com/office/powerpoint/2010/main" xmlns:p15="http://schemas.microsoft.com/office/powerpoint/2012/main" xmlns:ahyp="http://schemas.microsoft.com/office/drawing/2018/hyperlinkcolor">
+<file path=ppt/slides/slide6.xml><?xml version="1.0" encoding="utf-8"?>
+<p:sld xmlns:a="http://schemas.openxmlformats.org/drawingml/2006/main" xmlns:r="http://schemas.openxmlformats.org/officeDocument/2006/relationships" xmlns:p="http://schemas.openxmlformats.org/presentationml/2006/main">
   <p:cSld>
     <p:spTree>
       <p:nvGrpSpPr>
-        <p:cNvPr id="103" name="Shape 103"/>
+        <p:cNvPr id="1" name="Shape 103"/>
         <p:cNvGrpSpPr/>
         <p:nvPr/>
       </p:nvGrpSpPr>
@@ -11902,7 +11598,9 @@
       <p:sp>
         <p:nvSpPr>
           <p:cNvPr id="104" name="Google Shape;104;p8"/>
-          <p:cNvSpPr txBox="1"/>
+          <p:cNvSpPr txBox="1">
+            <a:spLocks noGrp="1"/>
+          </p:cNvSpPr>
           <p:nvPr>
             <p:ph type="title"/>
           </p:nvPr>
@@ -11921,12 +11619,12 @@
           </a:ln>
         </p:spPr>
         <p:txBody>
-          <a:bodyPr anchorCtr="0" anchor="b" bIns="91425" lIns="91425" spcFirstLastPara="1" rIns="91425" wrap="square" tIns="91425">
+          <a:bodyPr spcFirstLastPara="1" wrap="square" lIns="91425" tIns="91425" rIns="91425" bIns="91425" anchor="b" anchorCtr="0">
             <a:noAutofit/>
           </a:bodyPr>
           <a:lstStyle/>
           <a:p>
-            <a:pPr indent="0" lvl="0" marL="0" rtl="0" algn="l">
+            <a:pPr marL="0" lvl="0" indent="0" algn="l" rtl="0">
               <a:lnSpc>
                 <a:spcPct val="100000"/>
               </a:lnSpc>
@@ -11940,10 +11638,10 @@
               <a:buNone/>
             </a:pPr>
             <a:r>
-              <a:rPr lang="en-GB" sz="6600"/>
-              <a:t>Notre solution</a:t>
+              <a:rPr lang="en-GB" sz="6600" dirty="0"/>
+              <a:t>Ma solution</a:t>
             </a:r>
-            <a:endParaRPr sz="6600"/>
+            <a:endParaRPr sz="6600" dirty="0"/>
           </a:p>
         </p:txBody>
       </p:sp>
@@ -11955,12 +11653,12 @@
 </p:sld>
 </file>
 
-<file path=ppt/slides/slide8.xml><?xml version="1.0" encoding="utf-8"?>
-<p:sld xmlns:a="http://schemas.openxmlformats.org/drawingml/2006/main" xmlns:r="http://schemas.openxmlformats.org/officeDocument/2006/relationships" xmlns:mc="http://schemas.openxmlformats.org/markup-compatibility/2006" xmlns:mv="urn:schemas-microsoft-com:mac:vml" xmlns:p="http://schemas.openxmlformats.org/presentationml/2006/main" xmlns:c="http://schemas.openxmlformats.org/drawingml/2006/chart" xmlns:dgm="http://schemas.openxmlformats.org/drawingml/2006/diagram" xmlns:o="urn:schemas-microsoft-com:office:office" xmlns:v="urn:schemas-microsoft-com:vml" xmlns:pvml="urn:schemas-microsoft-com:office:powerpoint" xmlns:com="http://schemas.openxmlformats.org/drawingml/2006/compatibility" xmlns:p14="http://schemas.microsoft.com/office/powerpoint/2010/main" xmlns:p15="http://schemas.microsoft.com/office/powerpoint/2012/main" xmlns:ahyp="http://schemas.microsoft.com/office/drawing/2018/hyperlinkcolor">
+<file path=ppt/slides/slide7.xml><?xml version="1.0" encoding="utf-8"?>
+<p:sld xmlns:a="http://schemas.openxmlformats.org/drawingml/2006/main" xmlns:r="http://schemas.openxmlformats.org/officeDocument/2006/relationships" xmlns:p="http://schemas.openxmlformats.org/presentationml/2006/main">
   <p:cSld>
     <p:spTree>
       <p:nvGrpSpPr>
-        <p:cNvPr id="108" name="Shape 108"/>
+        <p:cNvPr id="1" name="Shape 108"/>
         <p:cNvGrpSpPr/>
         <p:nvPr/>
       </p:nvGrpSpPr>
@@ -11975,7 +11673,9 @@
       <p:sp>
         <p:nvSpPr>
           <p:cNvPr id="109" name="Google Shape;109;p9"/>
-          <p:cNvSpPr txBox="1"/>
+          <p:cNvSpPr txBox="1">
+            <a:spLocks noGrp="1"/>
+          </p:cNvSpPr>
           <p:nvPr>
             <p:ph type="title"/>
           </p:nvPr>
@@ -11994,12 +11694,12 @@
           </a:ln>
         </p:spPr>
         <p:txBody>
-          <a:bodyPr anchorCtr="0" anchor="ctr" bIns="91425" lIns="91425" spcFirstLastPara="1" rIns="91425" wrap="square" tIns="91425">
+          <a:bodyPr spcFirstLastPara="1" wrap="square" lIns="91425" tIns="91425" rIns="91425" bIns="91425" anchor="ctr" anchorCtr="0">
             <a:noAutofit/>
           </a:bodyPr>
           <a:lstStyle/>
           <a:p>
-            <a:pPr indent="0" lvl="0" marL="0" rtl="0" algn="l">
+            <a:pPr marL="0" lvl="0" indent="0" algn="l" rtl="0">
               <a:lnSpc>
                 <a:spcPct val="100000"/>
               </a:lnSpc>
@@ -12013,10 +11713,10 @@
               <a:buNone/>
             </a:pPr>
             <a:r>
-              <a:rPr b="1" lang="en-GB" sz="4800"/>
+              <a:rPr lang="en-GB" sz="4800" b="1"/>
               <a:t>PhotozoOMER</a:t>
             </a:r>
-            <a:endParaRPr b="1" sz="4400"/>
+            <a:endParaRPr sz="4400" b="1"/>
           </a:p>
         </p:txBody>
       </p:sp>
@@ -12035,20 +11735,20 @@
             <a:avLst/>
           </a:prstGeom>
           <a:noFill/>
-          <a:ln cap="flat" cmpd="sng" w="28575">
+          <a:ln w="28575" cap="flat" cmpd="sng">
             <a:solidFill>
               <a:schemeClr val="dk1"/>
             </a:solidFill>
             <a:prstDash val="solid"/>
             <a:round/>
-            <a:headEnd len="sm" w="sm" type="none"/>
-            <a:tailEnd len="sm" w="sm" type="none"/>
+            <a:headEnd type="none" w="sm" len="sm"/>
+            <a:tailEnd type="none" w="sm" len="sm"/>
           </a:ln>
         </p:spPr>
       </p:cxnSp>
       <p:pic>
         <p:nvPicPr>
-          <p:cNvPr descr="PhotozoOMER logo&#10;" id="111" name="Google Shape;111;p9"/>
+          <p:cNvPr id="111" name="Google Shape;111;p9" descr="PhotozoOMER logo&#10;"/>
           <p:cNvPicPr preferRelativeResize="0"/>
           <p:nvPr/>
         </p:nvPicPr>
@@ -12056,7 +11756,7 @@
           <a:blip r:embed="rId3">
             <a:alphaModFix/>
           </a:blip>
-          <a:srcRect b="0" l="0" r="0" t="0"/>
+          <a:srcRect/>
           <a:stretch/>
         </p:blipFill>
         <p:spPr>
@@ -12081,12 +11781,12 @@
 </p:sld>
 </file>
 
-<file path=ppt/slides/slide9.xml><?xml version="1.0" encoding="utf-8"?>
-<p:sld xmlns:a="http://schemas.openxmlformats.org/drawingml/2006/main" xmlns:r="http://schemas.openxmlformats.org/officeDocument/2006/relationships" xmlns:mc="http://schemas.openxmlformats.org/markup-compatibility/2006" xmlns:mv="urn:schemas-microsoft-com:mac:vml" xmlns:p="http://schemas.openxmlformats.org/presentationml/2006/main" xmlns:c="http://schemas.openxmlformats.org/drawingml/2006/chart" xmlns:dgm="http://schemas.openxmlformats.org/drawingml/2006/diagram" xmlns:o="urn:schemas-microsoft-com:office:office" xmlns:v="urn:schemas-microsoft-com:vml" xmlns:pvml="urn:schemas-microsoft-com:office:powerpoint" xmlns:com="http://schemas.openxmlformats.org/drawingml/2006/compatibility" xmlns:p14="http://schemas.microsoft.com/office/powerpoint/2010/main" xmlns:p15="http://schemas.microsoft.com/office/powerpoint/2012/main" xmlns:ahyp="http://schemas.microsoft.com/office/drawing/2018/hyperlinkcolor">
+<file path=ppt/slides/slide8.xml><?xml version="1.0" encoding="utf-8"?>
+<p:sld xmlns:a="http://schemas.openxmlformats.org/drawingml/2006/main" xmlns:r="http://schemas.openxmlformats.org/officeDocument/2006/relationships" xmlns:p="http://schemas.openxmlformats.org/presentationml/2006/main">
   <p:cSld>
     <p:spTree>
       <p:nvGrpSpPr>
-        <p:cNvPr id="115" name="Shape 115"/>
+        <p:cNvPr id="1" name="Shape 115"/>
         <p:cNvGrpSpPr/>
         <p:nvPr/>
       </p:nvGrpSpPr>
@@ -12118,12 +11818,12 @@
           </a:ln>
         </p:spPr>
         <p:txBody>
-          <a:bodyPr anchorCtr="0" anchor="t" bIns="45700" lIns="91425" spcFirstLastPara="1" rIns="91425" wrap="square" tIns="45700">
+          <a:bodyPr spcFirstLastPara="1" wrap="square" lIns="91425" tIns="45700" rIns="91425" bIns="45700" anchor="t" anchorCtr="0">
             <a:spAutoFit/>
           </a:bodyPr>
           <a:lstStyle/>
           <a:p>
-            <a:pPr indent="0" lvl="0" marL="0" marR="0" rtl="0" algn="just">
+            <a:pPr marL="0" marR="0" lvl="0" indent="0" algn="just" rtl="0">
               <a:lnSpc>
                 <a:spcPct val="100000"/>
               </a:lnSpc>
@@ -12136,7 +11836,7 @@
               <a:buNone/>
             </a:pPr>
             <a:r>
-              <a:rPr b="0" i="0" lang="en-GB" sz="800" u="none" cap="none" strike="noStrike">
+              <a:rPr lang="en-GB" sz="800" b="0" i="0" u="none" strike="noStrike" cap="none">
                 <a:solidFill>
                   <a:srgbClr val="000000"/>
                 </a:solidFill>
@@ -12150,7 +11850,7 @@
             <a:endParaRPr/>
           </a:p>
           <a:p>
-            <a:pPr indent="0" lvl="0" marL="0" marR="0" rtl="0" algn="just">
+            <a:pPr marL="0" marR="0" lvl="0" indent="0" algn="just" rtl="0">
               <a:lnSpc>
                 <a:spcPct val="100000"/>
               </a:lnSpc>
@@ -12163,7 +11863,7 @@
               <a:buNone/>
             </a:pPr>
             <a:r>
-              <a:rPr b="0" i="0" lang="en-GB" sz="800" u="none" cap="none" strike="noStrike">
+              <a:rPr lang="en-GB" sz="800" b="0" i="0" u="none" strike="noStrike" cap="none">
                 <a:solidFill>
                   <a:srgbClr val="000000"/>
                 </a:solidFill>
@@ -12225,12 +11925,12 @@
             </a:ln>
           </p:spPr>
           <p:txBody>
-            <a:bodyPr anchorCtr="0" anchor="ctr" bIns="91425" lIns="91425" spcFirstLastPara="1" rIns="91425" wrap="square" tIns="91425">
+            <a:bodyPr spcFirstLastPara="1" wrap="square" lIns="91425" tIns="91425" rIns="91425" bIns="91425" anchor="ctr" anchorCtr="0">
               <a:noAutofit/>
             </a:bodyPr>
             <a:lstStyle/>
             <a:p>
-              <a:pPr indent="0" lvl="0" marL="0" marR="0" rtl="0" algn="l">
+              <a:pPr marL="0" marR="0" lvl="0" indent="0" algn="l" rtl="0">
                 <a:lnSpc>
                   <a:spcPct val="100000"/>
                 </a:lnSpc>
@@ -12247,10 +11947,7 @@
                 <a:buFont typeface="Arial"/>
                 <a:buNone/>
               </a:pPr>
-              <a:r>
-                <a:t/>
-              </a:r>
-              <a:endParaRPr b="0" i="0" sz="1400" u="none" cap="none" strike="noStrike">
+              <a:endParaRPr sz="1400" b="0" i="0" u="none" strike="noStrike" cap="none">
                 <a:solidFill>
                   <a:srgbClr val="000000"/>
                 </a:solidFill>
@@ -12275,8 +11972,8 @@
             </a:xfrm>
             <a:prstGeom prst="round2SameRect">
               <a:avLst>
-                <a:gd fmla="val 50000" name="adj1"/>
-                <a:gd fmla="val 0" name="adj2"/>
+                <a:gd name="adj1" fmla="val 50000"/>
+                <a:gd name="adj2" fmla="val 0"/>
               </a:avLst>
             </a:prstGeom>
             <a:gradFill>
@@ -12295,12 +11992,12 @@
             </a:ln>
           </p:spPr>
           <p:txBody>
-            <a:bodyPr anchorCtr="0" anchor="ctr" bIns="91425" lIns="91425" spcFirstLastPara="1" rIns="91425" wrap="square" tIns="91425">
+            <a:bodyPr spcFirstLastPara="1" wrap="square" lIns="91425" tIns="91425" rIns="91425" bIns="91425" anchor="ctr" anchorCtr="0">
               <a:noAutofit/>
             </a:bodyPr>
             <a:lstStyle/>
             <a:p>
-              <a:pPr indent="0" lvl="0" marL="0" marR="0" rtl="0" algn="l">
+              <a:pPr marL="0" marR="0" lvl="0" indent="0" algn="l" rtl="0">
                 <a:lnSpc>
                   <a:spcPct val="100000"/>
                 </a:lnSpc>
@@ -12317,10 +12014,7 @@
                 <a:buFont typeface="Arial"/>
                 <a:buNone/>
               </a:pPr>
-              <a:r>
-                <a:t/>
-              </a:r>
-              <a:endParaRPr b="0" i="0" sz="1400" u="none" cap="none" strike="noStrike">
+              <a:endParaRPr sz="1400" b="0" i="0" u="none" strike="noStrike" cap="none">
                 <a:solidFill>
                   <a:srgbClr val="000000"/>
                 </a:solidFill>
@@ -12345,8 +12039,8 @@
             </a:xfrm>
             <a:prstGeom prst="round2SameRect">
               <a:avLst>
-                <a:gd fmla="val 50000" name="adj1"/>
-                <a:gd fmla="val 0" name="adj2"/>
+                <a:gd name="adj1" fmla="val 50000"/>
+                <a:gd name="adj2" fmla="val 0"/>
               </a:avLst>
             </a:prstGeom>
             <a:solidFill>
@@ -12357,12 +12051,12 @@
             </a:ln>
           </p:spPr>
           <p:txBody>
-            <a:bodyPr anchorCtr="0" anchor="ctr" bIns="91425" lIns="91425" spcFirstLastPara="1" rIns="91425" wrap="square" tIns="91425">
+            <a:bodyPr spcFirstLastPara="1" wrap="square" lIns="91425" tIns="91425" rIns="91425" bIns="91425" anchor="ctr" anchorCtr="0">
               <a:noAutofit/>
             </a:bodyPr>
             <a:lstStyle/>
             <a:p>
-              <a:pPr indent="0" lvl="0" marL="0" marR="0" rtl="0" algn="l">
+              <a:pPr marL="0" marR="0" lvl="0" indent="0" algn="l" rtl="0">
                 <a:lnSpc>
                   <a:spcPct val="100000"/>
                 </a:lnSpc>
@@ -12379,10 +12073,7 @@
                 <a:buFont typeface="Arial"/>
                 <a:buNone/>
               </a:pPr>
-              <a:r>
-                <a:t/>
-              </a:r>
-              <a:endParaRPr b="0" i="0" sz="1400" u="none" cap="none" strike="noStrike">
+              <a:endParaRPr sz="1400" b="0" i="0" u="none" strike="noStrike" cap="none">
                 <a:solidFill>
                   <a:srgbClr val="000000"/>
                 </a:solidFill>
@@ -12405,7 +12096,7 @@
           <a:blip r:embed="rId3">
             <a:alphaModFix/>
           </a:blip>
-          <a:srcRect b="0" l="0" r="0" t="0"/>
+          <a:srcRect/>
           <a:stretch/>
         </p:blipFill>
         <p:spPr>
@@ -12437,17 +12128,17 @@
             <a:avLst/>
           </a:prstGeom>
           <a:noFill/>
-          <a:ln cap="flat" cmpd="sng" w="38100">
+          <a:ln w="38100" cap="flat" cmpd="sng">
             <a:solidFill>
               <a:schemeClr val="dk1"/>
             </a:solidFill>
             <a:prstDash val="solid"/>
             <a:round/>
-            <a:headEnd len="sm" w="sm" type="none"/>
-            <a:tailEnd len="med" w="med" type="triangle"/>
+            <a:headEnd type="none" w="sm" len="sm"/>
+            <a:tailEnd type="triangle" w="med" len="med"/>
           </a:ln>
           <a:effectLst>
-            <a:outerShdw blurRad="40000" rotWithShape="0" dir="5400000" dist="23000">
+            <a:outerShdw blurRad="40000" dist="23000" dir="5400000" rotWithShape="0">
               <a:srgbClr val="000000">
                 <a:alpha val="34901"/>
               </a:srgbClr>
@@ -12463,8 +12154,364 @@
 </p:sld>
 </file>
 
+<file path=ppt/slides/slide9.xml><?xml version="1.0" encoding="utf-8"?>
+<p:sld xmlns:a="http://schemas.openxmlformats.org/drawingml/2006/main" xmlns:r="http://schemas.openxmlformats.org/officeDocument/2006/relationships" xmlns:p="http://schemas.openxmlformats.org/presentationml/2006/main">
+  <p:cSld>
+    <p:spTree>
+      <p:nvGrpSpPr>
+        <p:cNvPr id="1" name="Shape 126"/>
+        <p:cNvGrpSpPr/>
+        <p:nvPr/>
+      </p:nvGrpSpPr>
+      <p:grpSpPr>
+        <a:xfrm>
+          <a:off x="0" y="0"/>
+          <a:ext cx="0" cy="0"/>
+          <a:chOff x="0" y="0"/>
+          <a:chExt cx="0" cy="0"/>
+        </a:xfrm>
+      </p:grpSpPr>
+      <p:sp>
+        <p:nvSpPr>
+          <p:cNvPr id="127" name="Google Shape;127;p11"/>
+          <p:cNvSpPr txBox="1">
+            <a:spLocks noGrp="1"/>
+          </p:cNvSpPr>
+          <p:nvPr>
+            <p:ph type="title"/>
+          </p:nvPr>
+        </p:nvSpPr>
+        <p:spPr>
+          <a:xfrm>
+            <a:off x="913606" y="2019624"/>
+            <a:ext cx="7316788" cy="1104251"/>
+          </a:xfrm>
+          <a:prstGeom prst="rect">
+            <a:avLst/>
+          </a:prstGeom>
+          <a:noFill/>
+          <a:ln>
+            <a:noFill/>
+          </a:ln>
+        </p:spPr>
+        <p:txBody>
+          <a:bodyPr spcFirstLastPara="1" wrap="square" lIns="91425" tIns="91425" rIns="91425" bIns="91425" anchor="b" anchorCtr="0">
+            <a:noAutofit/>
+          </a:bodyPr>
+          <a:lstStyle/>
+          <a:p>
+            <a:pPr marL="0" lvl="0" indent="0" algn="l" rtl="0">
+              <a:lnSpc>
+                <a:spcPct val="100000"/>
+              </a:lnSpc>
+              <a:spcBef>
+                <a:spcPts val="0"/>
+              </a:spcBef>
+              <a:spcAft>
+                <a:spcPts val="0"/>
+              </a:spcAft>
+              <a:buSzPts val="3500"/>
+              <a:buNone/>
+            </a:pPr>
+            <a:r>
+              <a:rPr lang="en-GB" sz="6600"/>
+              <a:t>Les améliorations</a:t>
+            </a:r>
+            <a:endParaRPr sz="6600"/>
+          </a:p>
+        </p:txBody>
+      </p:sp>
+    </p:spTree>
+  </p:cSld>
+  <p:clrMapOvr>
+    <a:masterClrMapping/>
+  </p:clrMapOvr>
+</p:sld>
+</file>
+
 <file path=ppt/theme/theme1.xml><?xml version="1.0" encoding="utf-8"?>
-<a:theme xmlns:a="http://schemas.openxmlformats.org/drawingml/2006/main" xmlns:r="http://schemas.openxmlformats.org/officeDocument/2006/relationships">
+<a:theme xmlns:a="http://schemas.openxmlformats.org/drawingml/2006/main" name="How Cell Division Occurs by Slidesgo">
+  <a:themeElements>
+    <a:clrScheme name="Simple Light">
+      <a:dk1>
+        <a:srgbClr val="000000"/>
+      </a:dk1>
+      <a:lt1>
+        <a:srgbClr val="FEF3E7"/>
+      </a:lt1>
+      <a:dk2>
+        <a:srgbClr val="456099"/>
+      </a:dk2>
+      <a:lt2>
+        <a:srgbClr val="1CBAC4"/>
+      </a:lt2>
+      <a:accent1>
+        <a:srgbClr val="9F77B7"/>
+      </a:accent1>
+      <a:accent2>
+        <a:srgbClr val="FA79A0"/>
+      </a:accent2>
+      <a:accent3>
+        <a:srgbClr val="EA6240"/>
+      </a:accent3>
+      <a:accent4>
+        <a:srgbClr val="FCC066"/>
+      </a:accent4>
+      <a:accent5>
+        <a:srgbClr val="FFFFFF"/>
+      </a:accent5>
+      <a:accent6>
+        <a:srgbClr val="FFFFFF"/>
+      </a:accent6>
+      <a:hlink>
+        <a:srgbClr val="191919"/>
+      </a:hlink>
+      <a:folHlink>
+        <a:srgbClr val="0097A7"/>
+      </a:folHlink>
+    </a:clrScheme>
+    <a:fontScheme name="Office">
+      <a:majorFont>
+        <a:latin typeface="Arial"/>
+        <a:ea typeface=""/>
+        <a:cs typeface=""/>
+        <a:font script="Jpan" typeface="ＭＳ Ｐゴシック"/>
+        <a:font script="Hang" typeface="맑은 고딕"/>
+        <a:font script="Hans" typeface="宋体"/>
+        <a:font script="Hant" typeface="新細明體"/>
+        <a:font script="Arab" typeface="Times New Roman"/>
+        <a:font script="Hebr" typeface="Times New Roman"/>
+        <a:font script="Thai" typeface="Angsana New"/>
+        <a:font script="Ethi" typeface="Nyala"/>
+        <a:font script="Beng" typeface="Vrinda"/>
+        <a:font script="Gujr" typeface="Shruti"/>
+        <a:font script="Khmr" typeface="MoolBoran"/>
+        <a:font script="Knda" typeface="Tunga"/>
+        <a:font script="Guru" typeface="Raavi"/>
+        <a:font script="Cans" typeface="Euphemia"/>
+        <a:font script="Cher" typeface="Plantagenet Cherokee"/>
+        <a:font script="Yiii" typeface="Microsoft Yi Baiti"/>
+        <a:font script="Tibt" typeface="Microsoft Himalaya"/>
+        <a:font script="Thaa" typeface="MV Boli"/>
+        <a:font script="Deva" typeface="Mangal"/>
+        <a:font script="Telu" typeface="Gautami"/>
+        <a:font script="Taml" typeface="Latha"/>
+        <a:font script="Syrc" typeface="Estrangelo Edessa"/>
+        <a:font script="Orya" typeface="Kalinga"/>
+        <a:font script="Mlym" typeface="Kartika"/>
+        <a:font script="Laoo" typeface="DokChampa"/>
+        <a:font script="Sinh" typeface="Iskoola Pota"/>
+        <a:font script="Mong" typeface="Mongolian Baiti"/>
+        <a:font script="Viet" typeface="Times New Roman"/>
+        <a:font script="Uigh" typeface="Microsoft Uighur"/>
+        <a:font script="Geor" typeface="Sylfaen"/>
+      </a:majorFont>
+      <a:minorFont>
+        <a:latin typeface="Arial"/>
+        <a:ea typeface=""/>
+        <a:cs typeface=""/>
+        <a:font script="Jpan" typeface="ＭＳ Ｐゴシック"/>
+        <a:font script="Hang" typeface="맑은 고딕"/>
+        <a:font script="Hans" typeface="宋体"/>
+        <a:font script="Hant" typeface="新細明體"/>
+        <a:font script="Arab" typeface="Arial"/>
+        <a:font script="Hebr" typeface="Arial"/>
+        <a:font script="Thai" typeface="Cordia New"/>
+        <a:font script="Ethi" typeface="Nyala"/>
+        <a:font script="Beng" typeface="Vrinda"/>
+        <a:font script="Gujr" typeface="Shruti"/>
+        <a:font script="Khmr" typeface="DaunPenh"/>
+        <a:font script="Knda" typeface="Tunga"/>
+        <a:font script="Guru" typeface="Raavi"/>
+        <a:font script="Cans" typeface="Euphemia"/>
+        <a:font script="Cher" typeface="Plantagenet Cherokee"/>
+        <a:font script="Yiii" typeface="Microsoft Yi Baiti"/>
+        <a:font script="Tibt" typeface="Microsoft Himalaya"/>
+        <a:font script="Thaa" typeface="MV Boli"/>
+        <a:font script="Deva" typeface="Mangal"/>
+        <a:font script="Telu" typeface="Gautami"/>
+        <a:font script="Taml" typeface="Latha"/>
+        <a:font script="Syrc" typeface="Estrangelo Edessa"/>
+        <a:font script="Orya" typeface="Kalinga"/>
+        <a:font script="Mlym" typeface="Kartika"/>
+        <a:font script="Laoo" typeface="DokChampa"/>
+        <a:font script="Sinh" typeface="Iskoola Pota"/>
+        <a:font script="Mong" typeface="Mongolian Baiti"/>
+        <a:font script="Viet" typeface="Arial"/>
+        <a:font script="Uigh" typeface="Microsoft Uighur"/>
+        <a:font script="Geor" typeface="Sylfaen"/>
+      </a:minorFont>
+    </a:fontScheme>
+    <a:fmtScheme name="Office">
+      <a:fillStyleLst>
+        <a:solidFill>
+          <a:schemeClr val="phClr"/>
+        </a:solidFill>
+        <a:gradFill rotWithShape="1">
+          <a:gsLst>
+            <a:gs pos="0">
+              <a:schemeClr val="phClr">
+                <a:tint val="50000"/>
+                <a:satMod val="300000"/>
+              </a:schemeClr>
+            </a:gs>
+            <a:gs pos="35000">
+              <a:schemeClr val="phClr">
+                <a:tint val="37000"/>
+                <a:satMod val="300000"/>
+              </a:schemeClr>
+            </a:gs>
+            <a:gs pos="100000">
+              <a:schemeClr val="phClr">
+                <a:tint val="15000"/>
+                <a:satMod val="350000"/>
+              </a:schemeClr>
+            </a:gs>
+          </a:gsLst>
+          <a:lin ang="16200000" scaled="1"/>
+        </a:gradFill>
+        <a:gradFill rotWithShape="1">
+          <a:gsLst>
+            <a:gs pos="0">
+              <a:schemeClr val="phClr">
+                <a:tint val="100000"/>
+                <a:shade val="100000"/>
+                <a:satMod val="130000"/>
+              </a:schemeClr>
+            </a:gs>
+            <a:gs pos="100000">
+              <a:schemeClr val="phClr">
+                <a:tint val="50000"/>
+                <a:shade val="100000"/>
+                <a:satMod val="350000"/>
+              </a:schemeClr>
+            </a:gs>
+          </a:gsLst>
+          <a:lin ang="16200000" scaled="0"/>
+        </a:gradFill>
+      </a:fillStyleLst>
+      <a:lnStyleLst>
+        <a:ln w="9525" cap="flat" cmpd="sng" algn="ctr">
+          <a:solidFill>
+            <a:schemeClr val="phClr">
+              <a:shade val="95000"/>
+              <a:satMod val="105000"/>
+            </a:schemeClr>
+          </a:solidFill>
+          <a:prstDash val="solid"/>
+        </a:ln>
+        <a:ln w="25400" cap="flat" cmpd="sng" algn="ctr">
+          <a:solidFill>
+            <a:schemeClr val="phClr"/>
+          </a:solidFill>
+          <a:prstDash val="solid"/>
+        </a:ln>
+        <a:ln w="38100" cap="flat" cmpd="sng" algn="ctr">
+          <a:solidFill>
+            <a:schemeClr val="phClr"/>
+          </a:solidFill>
+          <a:prstDash val="solid"/>
+        </a:ln>
+      </a:lnStyleLst>
+      <a:effectStyleLst>
+        <a:effectStyle>
+          <a:effectLst>
+            <a:outerShdw blurRad="40000" dist="20000" dir="5400000" rotWithShape="0">
+              <a:srgbClr val="000000">
+                <a:alpha val="38000"/>
+              </a:srgbClr>
+            </a:outerShdw>
+          </a:effectLst>
+        </a:effectStyle>
+        <a:effectStyle>
+          <a:effectLst>
+            <a:outerShdw blurRad="40000" dist="23000" dir="5400000" rotWithShape="0">
+              <a:srgbClr val="000000">
+                <a:alpha val="35000"/>
+              </a:srgbClr>
+            </a:outerShdw>
+          </a:effectLst>
+        </a:effectStyle>
+        <a:effectStyle>
+          <a:effectLst>
+            <a:outerShdw blurRad="40000" dist="23000" dir="5400000" rotWithShape="0">
+              <a:srgbClr val="000000">
+                <a:alpha val="35000"/>
+              </a:srgbClr>
+            </a:outerShdw>
+          </a:effectLst>
+          <a:scene3d>
+            <a:camera prst="orthographicFront">
+              <a:rot lat="0" lon="0" rev="0"/>
+            </a:camera>
+            <a:lightRig rig="threePt" dir="t">
+              <a:rot lat="0" lon="0" rev="1200000"/>
+            </a:lightRig>
+          </a:scene3d>
+          <a:sp3d>
+            <a:bevelT w="63500" h="25400"/>
+          </a:sp3d>
+        </a:effectStyle>
+      </a:effectStyleLst>
+      <a:bgFillStyleLst>
+        <a:solidFill>
+          <a:schemeClr val="phClr"/>
+        </a:solidFill>
+        <a:gradFill rotWithShape="1">
+          <a:gsLst>
+            <a:gs pos="0">
+              <a:schemeClr val="phClr">
+                <a:tint val="40000"/>
+                <a:satMod val="350000"/>
+              </a:schemeClr>
+            </a:gs>
+            <a:gs pos="40000">
+              <a:schemeClr val="phClr">
+                <a:tint val="45000"/>
+                <a:shade val="99000"/>
+                <a:satMod val="350000"/>
+              </a:schemeClr>
+            </a:gs>
+            <a:gs pos="100000">
+              <a:schemeClr val="phClr">
+                <a:shade val="20000"/>
+                <a:satMod val="255000"/>
+              </a:schemeClr>
+            </a:gs>
+          </a:gsLst>
+          <a:path path="circle">
+            <a:fillToRect l="50000" t="-80000" r="50000" b="180000"/>
+          </a:path>
+        </a:gradFill>
+        <a:gradFill rotWithShape="1">
+          <a:gsLst>
+            <a:gs pos="0">
+              <a:schemeClr val="phClr">
+                <a:tint val="80000"/>
+                <a:satMod val="300000"/>
+              </a:schemeClr>
+            </a:gs>
+            <a:gs pos="100000">
+              <a:schemeClr val="phClr">
+                <a:shade val="30000"/>
+                <a:satMod val="200000"/>
+              </a:schemeClr>
+            </a:gs>
+          </a:gsLst>
+          <a:path path="circle">
+            <a:fillToRect l="50000" t="50000" r="50000" b="50000"/>
+          </a:path>
+        </a:gradFill>
+      </a:bgFillStyleLst>
+    </a:fmtScheme>
+  </a:themeElements>
+  <a:objectDefaults/>
+  <a:extraClrSchemeLst/>
+</a:theme>
+</file>
+
+<file path=ppt/theme/theme2.xml><?xml version="1.0" encoding="utf-8"?>
+<a:theme xmlns:a="http://schemas.openxmlformats.org/drawingml/2006/main">
   <a:themeElements>
     <a:clrScheme name="Default">
       <a:dk1>
@@ -12739,284 +12786,7 @@
       </a:bgFillStyleLst>
     </a:fmtScheme>
   </a:themeElements>
-</a:theme>
-</file>
-
-<file path=ppt/theme/theme2.xml><?xml version="1.0" encoding="utf-8"?>
-<a:theme xmlns:a="http://schemas.openxmlformats.org/drawingml/2006/main" xmlns:r="http://schemas.openxmlformats.org/officeDocument/2006/relationships" name="How Cell Division Occurs by Slidesgo">
-  <a:themeElements>
-    <a:clrScheme name="Simple Light">
-      <a:dk1>
-        <a:srgbClr val="000000"/>
-      </a:dk1>
-      <a:lt1>
-        <a:srgbClr val="FEF3E7"/>
-      </a:lt1>
-      <a:dk2>
-        <a:srgbClr val="456099"/>
-      </a:dk2>
-      <a:lt2>
-        <a:srgbClr val="1CBAC4"/>
-      </a:lt2>
-      <a:accent1>
-        <a:srgbClr val="9F77B7"/>
-      </a:accent1>
-      <a:accent2>
-        <a:srgbClr val="FA79A0"/>
-      </a:accent2>
-      <a:accent3>
-        <a:srgbClr val="EA6240"/>
-      </a:accent3>
-      <a:accent4>
-        <a:srgbClr val="FCC066"/>
-      </a:accent4>
-      <a:accent5>
-        <a:srgbClr val="FFFFFF"/>
-      </a:accent5>
-      <a:accent6>
-        <a:srgbClr val="FFFFFF"/>
-      </a:accent6>
-      <a:hlink>
-        <a:srgbClr val="191919"/>
-      </a:hlink>
-      <a:folHlink>
-        <a:srgbClr val="0097A7"/>
-      </a:folHlink>
-    </a:clrScheme>
-    <a:fontScheme name="Office">
-      <a:majorFont>
-        <a:latin typeface="Arial"/>
-        <a:ea typeface=""/>
-        <a:cs typeface=""/>
-        <a:font script="Jpan" typeface="ＭＳ Ｐゴシック"/>
-        <a:font script="Hang" typeface="맑은 고딕"/>
-        <a:font script="Hans" typeface="宋体"/>
-        <a:font script="Hant" typeface="新細明體"/>
-        <a:font script="Arab" typeface="Times New Roman"/>
-        <a:font script="Hebr" typeface="Times New Roman"/>
-        <a:font script="Thai" typeface="Angsana New"/>
-        <a:font script="Ethi" typeface="Nyala"/>
-        <a:font script="Beng" typeface="Vrinda"/>
-        <a:font script="Gujr" typeface="Shruti"/>
-        <a:font script="Khmr" typeface="MoolBoran"/>
-        <a:font script="Knda" typeface="Tunga"/>
-        <a:font script="Guru" typeface="Raavi"/>
-        <a:font script="Cans" typeface="Euphemia"/>
-        <a:font script="Cher" typeface="Plantagenet Cherokee"/>
-        <a:font script="Yiii" typeface="Microsoft Yi Baiti"/>
-        <a:font script="Tibt" typeface="Microsoft Himalaya"/>
-        <a:font script="Thaa" typeface="MV Boli"/>
-        <a:font script="Deva" typeface="Mangal"/>
-        <a:font script="Telu" typeface="Gautami"/>
-        <a:font script="Taml" typeface="Latha"/>
-        <a:font script="Syrc" typeface="Estrangelo Edessa"/>
-        <a:font script="Orya" typeface="Kalinga"/>
-        <a:font script="Mlym" typeface="Kartika"/>
-        <a:font script="Laoo" typeface="DokChampa"/>
-        <a:font script="Sinh" typeface="Iskoola Pota"/>
-        <a:font script="Mong" typeface="Mongolian Baiti"/>
-        <a:font script="Viet" typeface="Times New Roman"/>
-        <a:font script="Uigh" typeface="Microsoft Uighur"/>
-        <a:font script="Geor" typeface="Sylfaen"/>
-      </a:majorFont>
-      <a:minorFont>
-        <a:latin typeface="Arial"/>
-        <a:ea typeface=""/>
-        <a:cs typeface=""/>
-        <a:font script="Jpan" typeface="ＭＳ Ｐゴシック"/>
-        <a:font script="Hang" typeface="맑은 고딕"/>
-        <a:font script="Hans" typeface="宋体"/>
-        <a:font script="Hant" typeface="新細明體"/>
-        <a:font script="Arab" typeface="Arial"/>
-        <a:font script="Hebr" typeface="Arial"/>
-        <a:font script="Thai" typeface="Cordia New"/>
-        <a:font script="Ethi" typeface="Nyala"/>
-        <a:font script="Beng" typeface="Vrinda"/>
-        <a:font script="Gujr" typeface="Shruti"/>
-        <a:font script="Khmr" typeface="DaunPenh"/>
-        <a:font script="Knda" typeface="Tunga"/>
-        <a:font script="Guru" typeface="Raavi"/>
-        <a:font script="Cans" typeface="Euphemia"/>
-        <a:font script="Cher" typeface="Plantagenet Cherokee"/>
-        <a:font script="Yiii" typeface="Microsoft Yi Baiti"/>
-        <a:font script="Tibt" typeface="Microsoft Himalaya"/>
-        <a:font script="Thaa" typeface="MV Boli"/>
-        <a:font script="Deva" typeface="Mangal"/>
-        <a:font script="Telu" typeface="Gautami"/>
-        <a:font script="Taml" typeface="Latha"/>
-        <a:font script="Syrc" typeface="Estrangelo Edessa"/>
-        <a:font script="Orya" typeface="Kalinga"/>
-        <a:font script="Mlym" typeface="Kartika"/>
-        <a:font script="Laoo" typeface="DokChampa"/>
-        <a:font script="Sinh" typeface="Iskoola Pota"/>
-        <a:font script="Mong" typeface="Mongolian Baiti"/>
-        <a:font script="Viet" typeface="Arial"/>
-        <a:font script="Uigh" typeface="Microsoft Uighur"/>
-        <a:font script="Geor" typeface="Sylfaen"/>
-      </a:minorFont>
-    </a:fontScheme>
-    <a:fmtScheme name="Office">
-      <a:fillStyleLst>
-        <a:solidFill>
-          <a:schemeClr val="phClr"/>
-        </a:solidFill>
-        <a:gradFill rotWithShape="1">
-          <a:gsLst>
-            <a:gs pos="0">
-              <a:schemeClr val="phClr">
-                <a:tint val="50000"/>
-                <a:satMod val="300000"/>
-              </a:schemeClr>
-            </a:gs>
-            <a:gs pos="35000">
-              <a:schemeClr val="phClr">
-                <a:tint val="37000"/>
-                <a:satMod val="300000"/>
-              </a:schemeClr>
-            </a:gs>
-            <a:gs pos="100000">
-              <a:schemeClr val="phClr">
-                <a:tint val="15000"/>
-                <a:satMod val="350000"/>
-              </a:schemeClr>
-            </a:gs>
-          </a:gsLst>
-          <a:lin ang="16200000" scaled="1"/>
-        </a:gradFill>
-        <a:gradFill rotWithShape="1">
-          <a:gsLst>
-            <a:gs pos="0">
-              <a:schemeClr val="phClr">
-                <a:tint val="100000"/>
-                <a:shade val="100000"/>
-                <a:satMod val="130000"/>
-              </a:schemeClr>
-            </a:gs>
-            <a:gs pos="100000">
-              <a:schemeClr val="phClr">
-                <a:tint val="50000"/>
-                <a:shade val="100000"/>
-                <a:satMod val="350000"/>
-              </a:schemeClr>
-            </a:gs>
-          </a:gsLst>
-          <a:lin ang="16200000" scaled="0"/>
-        </a:gradFill>
-      </a:fillStyleLst>
-      <a:lnStyleLst>
-        <a:ln w="9525" cap="flat" cmpd="sng" algn="ctr">
-          <a:solidFill>
-            <a:schemeClr val="phClr">
-              <a:shade val="95000"/>
-              <a:satMod val="105000"/>
-            </a:schemeClr>
-          </a:solidFill>
-          <a:prstDash val="solid"/>
-        </a:ln>
-        <a:ln w="25400" cap="flat" cmpd="sng" algn="ctr">
-          <a:solidFill>
-            <a:schemeClr val="phClr"/>
-          </a:solidFill>
-          <a:prstDash val="solid"/>
-        </a:ln>
-        <a:ln w="38100" cap="flat" cmpd="sng" algn="ctr">
-          <a:solidFill>
-            <a:schemeClr val="phClr"/>
-          </a:solidFill>
-          <a:prstDash val="solid"/>
-        </a:ln>
-      </a:lnStyleLst>
-      <a:effectStyleLst>
-        <a:effectStyle>
-          <a:effectLst>
-            <a:outerShdw blurRad="40000" dist="20000" dir="5400000" rotWithShape="0">
-              <a:srgbClr val="000000">
-                <a:alpha val="38000"/>
-              </a:srgbClr>
-            </a:outerShdw>
-          </a:effectLst>
-        </a:effectStyle>
-        <a:effectStyle>
-          <a:effectLst>
-            <a:outerShdw blurRad="40000" dist="23000" dir="5400000" rotWithShape="0">
-              <a:srgbClr val="000000">
-                <a:alpha val="35000"/>
-              </a:srgbClr>
-            </a:outerShdw>
-          </a:effectLst>
-        </a:effectStyle>
-        <a:effectStyle>
-          <a:effectLst>
-            <a:outerShdw blurRad="40000" dist="23000" dir="5400000" rotWithShape="0">
-              <a:srgbClr val="000000">
-                <a:alpha val="35000"/>
-              </a:srgbClr>
-            </a:outerShdw>
-          </a:effectLst>
-          <a:scene3d>
-            <a:camera prst="orthographicFront">
-              <a:rot lat="0" lon="0" rev="0"/>
-            </a:camera>
-            <a:lightRig rig="threePt" dir="t">
-              <a:rot lat="0" lon="0" rev="1200000"/>
-            </a:lightRig>
-          </a:scene3d>
-          <a:sp3d>
-            <a:bevelT w="63500" h="25400"/>
-          </a:sp3d>
-        </a:effectStyle>
-      </a:effectStyleLst>
-      <a:bgFillStyleLst>
-        <a:solidFill>
-          <a:schemeClr val="phClr"/>
-        </a:solidFill>
-        <a:gradFill rotWithShape="1">
-          <a:gsLst>
-            <a:gs pos="0">
-              <a:schemeClr val="phClr">
-                <a:tint val="40000"/>
-                <a:satMod val="350000"/>
-              </a:schemeClr>
-            </a:gs>
-            <a:gs pos="40000">
-              <a:schemeClr val="phClr">
-                <a:tint val="45000"/>
-                <a:shade val="99000"/>
-                <a:satMod val="350000"/>
-              </a:schemeClr>
-            </a:gs>
-            <a:gs pos="100000">
-              <a:schemeClr val="phClr">
-                <a:shade val="20000"/>
-                <a:satMod val="255000"/>
-              </a:schemeClr>
-            </a:gs>
-          </a:gsLst>
-          <a:path path="circle">
-            <a:fillToRect l="50000" t="-80000" r="50000" b="180000"/>
-          </a:path>
-        </a:gradFill>
-        <a:gradFill rotWithShape="1">
-          <a:gsLst>
-            <a:gs pos="0">
-              <a:schemeClr val="phClr">
-                <a:tint val="80000"/>
-                <a:satMod val="300000"/>
-              </a:schemeClr>
-            </a:gs>
-            <a:gs pos="100000">
-              <a:schemeClr val="phClr">
-                <a:shade val="30000"/>
-                <a:satMod val="200000"/>
-              </a:schemeClr>
-            </a:gs>
-          </a:gsLst>
-          <a:path path="circle">
-            <a:fillToRect l="50000" t="50000" r="50000" b="50000"/>
-          </a:path>
-        </a:gradFill>
-      </a:bgFillStyleLst>
-    </a:fmtScheme>
-  </a:themeElements>
+  <a:objectDefaults/>
+  <a:extraClrSchemeLst/>
 </a:theme>
 </file>